--- a/exampleAngular.pptx
+++ b/exampleAngular.pptx
@@ -5,10 +5,10 @@
     <p:sldMasterId id="2147483648" r:id="rId4"/>
   </p:sldMasterIdLst>
   <p:notesMasterIdLst>
-    <p:notesMasterId r:id="rId27"/>
+    <p:notesMasterId r:id="rId28"/>
   </p:notesMasterIdLst>
   <p:handoutMasterIdLst>
-    <p:handoutMasterId r:id="rId28"/>
+    <p:handoutMasterId r:id="rId29"/>
   </p:handoutMasterIdLst>
   <p:sldIdLst>
     <p:sldId id="256" r:id="rId5"/>
@@ -22,17 +22,18 @@
     <p:sldId id="281" r:id="rId13"/>
     <p:sldId id="293" r:id="rId14"/>
     <p:sldId id="294" r:id="rId15"/>
-    <p:sldId id="292" r:id="rId16"/>
-    <p:sldId id="295" r:id="rId17"/>
-    <p:sldId id="296" r:id="rId18"/>
-    <p:sldId id="260" r:id="rId19"/>
-    <p:sldId id="284" r:id="rId20"/>
-    <p:sldId id="288" r:id="rId21"/>
-    <p:sldId id="264" r:id="rId22"/>
-    <p:sldId id="265" r:id="rId23"/>
-    <p:sldId id="283" r:id="rId24"/>
-    <p:sldId id="267" r:id="rId25"/>
-    <p:sldId id="286" r:id="rId26"/>
+    <p:sldId id="297" r:id="rId16"/>
+    <p:sldId id="292" r:id="rId17"/>
+    <p:sldId id="295" r:id="rId18"/>
+    <p:sldId id="296" r:id="rId19"/>
+    <p:sldId id="260" r:id="rId20"/>
+    <p:sldId id="284" r:id="rId21"/>
+    <p:sldId id="288" r:id="rId22"/>
+    <p:sldId id="264" r:id="rId23"/>
+    <p:sldId id="265" r:id="rId24"/>
+    <p:sldId id="283" r:id="rId25"/>
+    <p:sldId id="267" r:id="rId26"/>
+    <p:sldId id="286" r:id="rId27"/>
   </p:sldIdLst>
   <p:sldSz cx="12192000" cy="6858000"/>
   <p:notesSz cx="6858000" cy="9144000"/>
@@ -2923,7 +2924,7 @@
           <a:p>
             <a:fld id="{9232FC57-E1F8-4F59-A87C-2833007EAF57}" type="datetimeFigureOut">
               <a:rPr lang="en-US" smtClean="0"/>
-              <a:t>10-Nov-22</a:t>
+              <a:t>14-Nov-22</a:t>
             </a:fld>
             <a:endParaRPr lang="en-US"/>
           </a:p>
@@ -3100,7 +3101,7 @@
           <a:p>
             <a:fld id="{C98ACAC0-59EA-4916-9995-398D6BEB88C3}" type="datetimeFigureOut">
               <a:rPr lang="en-US" smtClean="0"/>
-              <a:t>10-Nov-22</a:t>
+              <a:t>14-Nov-22</a:t>
             </a:fld>
             <a:endParaRPr lang="en-US"/>
           </a:p>
@@ -4308,7 +4309,7 @@
           <a:p>
             <a:fld id="{E199D1A0-04AB-4DD4-B9DB-BDEC5E64C94C}" type="datetime1">
               <a:rPr lang="en-US" smtClean="0"/>
-              <a:t>10-Nov-22</a:t>
+              <a:t>14-Nov-22</a:t>
             </a:fld>
             <a:endParaRPr lang="en-US" dirty="0"/>
           </a:p>
@@ -4542,7 +4543,7 @@
           <a:p>
             <a:fld id="{CF53EA80-260A-4EE9-83BB-E6DD04DEA906}" type="datetime1">
               <a:rPr lang="en-US" smtClean="0"/>
-              <a:t>10-Nov-22</a:t>
+              <a:t>14-Nov-22</a:t>
             </a:fld>
             <a:endParaRPr lang="en-US" dirty="0"/>
           </a:p>
@@ -5032,7 +5033,7 @@
           <a:p>
             <a:fld id="{8CD80274-DEF2-4F5D-8F74-69D0554CED55}" type="datetime1">
               <a:rPr lang="en-US" smtClean="0"/>
-              <a:t>10-Nov-22</a:t>
+              <a:t>14-Nov-22</a:t>
             </a:fld>
             <a:endParaRPr lang="en-US" dirty="0"/>
           </a:p>
@@ -5268,7 +5269,7 @@
           <a:p>
             <a:fld id="{C09D4DA8-2D4A-4F06-BECA-044AF4113FB4}" type="datetime1">
               <a:rPr lang="en-US" smtClean="0"/>
-              <a:t>10-Nov-22</a:t>
+              <a:t>14-Nov-22</a:t>
             </a:fld>
             <a:endParaRPr lang="en-US" dirty="0"/>
           </a:p>
@@ -5742,7 +5743,7 @@
           <a:p>
             <a:fld id="{C7C81873-7D47-483D-BCB4-50DD9806C720}" type="datetime1">
               <a:rPr lang="en-US" smtClean="0"/>
-              <a:t>10-Nov-22</a:t>
+              <a:t>14-Nov-22</a:t>
             </a:fld>
             <a:endParaRPr lang="en-US" dirty="0"/>
           </a:p>
@@ -6071,7 +6072,7 @@
           <a:p>
             <a:fld id="{90EA6C54-2562-43EA-9A1B-F808D04718E7}" type="datetime1">
               <a:rPr lang="en-US" smtClean="0"/>
-              <a:t>10-Nov-22</a:t>
+              <a:t>14-Nov-22</a:t>
             </a:fld>
             <a:endParaRPr lang="en-US" dirty="0"/>
           </a:p>
@@ -6206,7 +6207,7 @@
           <a:p>
             <a:fld id="{90EA6C54-2562-43EA-9A1B-F808D04718E7}" type="datetime1">
               <a:rPr lang="en-US" smtClean="0"/>
-              <a:t>10-Nov-22</a:t>
+              <a:t>14-Nov-22</a:t>
             </a:fld>
             <a:endParaRPr lang="en-US" dirty="0"/>
           </a:p>
@@ -6452,7 +6453,7 @@
           <a:p>
             <a:fld id="{C5DB74C9-B808-4394-A017-79C83B2524EF}" type="datetime1">
               <a:rPr lang="en-US" smtClean="0"/>
-              <a:t>10-Nov-22</a:t>
+              <a:t>14-Nov-22</a:t>
             </a:fld>
             <a:endParaRPr lang="en-US" dirty="0"/>
           </a:p>
@@ -6911,7 +6912,7 @@
           <a:p>
             <a:fld id="{AAD2DF6D-B715-4785-8DEA-9165C638CF44}" type="datetime1">
               <a:rPr lang="en-US" smtClean="0"/>
-              <a:t>10-Nov-22</a:t>
+              <a:t>14-Nov-22</a:t>
             </a:fld>
             <a:endParaRPr lang="en-US" dirty="0"/>
           </a:p>
@@ -7545,7 +7546,7 @@
           <a:p>
             <a:fld id="{137AE72A-09B6-4D56-855D-4360BD347914}" type="datetime1">
               <a:rPr lang="en-US" smtClean="0"/>
-              <a:t>10-Nov-22</a:t>
+              <a:t>14-Nov-22</a:t>
             </a:fld>
             <a:endParaRPr lang="en-US" dirty="0"/>
           </a:p>
@@ -7877,7 +7878,7 @@
           <a:p>
             <a:fld id="{1E5577C8-AB8C-4B8A-A01F-113B16C4DCA3}" type="datetime1">
               <a:rPr lang="en-US" smtClean="0"/>
-              <a:t>10-Nov-22</a:t>
+              <a:t>14-Nov-22</a:t>
             </a:fld>
             <a:endParaRPr lang="en-US" dirty="0"/>
           </a:p>
@@ -8669,7 +8670,7 @@
             <a:fld id="{BEE4C197-EFE5-4623-8631-61DB25EC0F85}" type="datetime1">
               <a:rPr lang="en-US" smtClean="0"/>
               <a:pPr/>
-              <a:t>10-Nov-22</a:t>
+              <a:t>14-Nov-22</a:t>
             </a:fld>
             <a:endParaRPr lang="en-US" dirty="0"/>
           </a:p>
@@ -8963,7 +8964,7 @@
             <a:fld id="{BEE4C197-EFE5-4623-8631-61DB25EC0F85}" type="datetime1">
               <a:rPr lang="en-US" smtClean="0"/>
               <a:pPr/>
-              <a:t>10-Nov-22</a:t>
+              <a:t>14-Nov-22</a:t>
             </a:fld>
             <a:endParaRPr lang="en-US" dirty="0"/>
           </a:p>
@@ -9150,7 +9151,7 @@
                 <a:effectLst/>
                 <a:latin typeface="Consolas" panose="020B0609020204030204" pitchFamily="49" charset="0"/>
               </a:rPr>
-              <a:t>Structural directives</a:t>
+              <a:t>Angular Material Table</a:t>
             </a:r>
             <a:endParaRPr lang="en-GB" b="0" dirty="0">
               <a:solidFill>
@@ -9186,7 +9187,7 @@
             <a:fld id="{BEE4C197-EFE5-4623-8631-61DB25EC0F85}" type="datetime1">
               <a:rPr lang="en-US" smtClean="0"/>
               <a:pPr/>
-              <a:t>10-Nov-22</a:t>
+              <a:t>14-Nov-22</a:t>
             </a:fld>
             <a:endParaRPr lang="en-US" dirty="0"/>
           </a:p>
@@ -9251,54 +9252,28 @@
             </a:r>
             <a:r>
               <a:rPr lang="en-GB" sz="1800" dirty="0"/>
-              <a:t>Structural directives are directives which change the DOM layout by adding and removing DOM elements.</a:t>
-            </a:r>
+              <a:t>Table with build-in responsive design and nice features. </a:t>
+            </a:r>
+          </a:p>
+          <a:p>
+            <a:r>
+              <a:rPr lang="en-GB" sz="2900" dirty="0"/>
+              <a:t>Why</a:t>
+            </a:r>
+            <a:r>
+              <a:rPr lang="en-GB" sz="1800" dirty="0"/>
+              <a:t>: for adequate displaying of table on screens of different size. On mobile looks awful, but tables are not designed to be displayed on mobile</a:t>
+            </a:r>
+            <a:endParaRPr lang="en-GB" sz="1400" dirty="0"/>
           </a:p>
           <a:p>
             <a:r>
               <a:rPr lang="en-GB" dirty="0"/>
-              <a:t>Built-in structural directives:  </a:t>
-            </a:r>
-            <a:r>
-              <a:rPr lang="en-GB" sz="1800" dirty="0" err="1"/>
-              <a:t>NgIf</a:t>
-            </a:r>
-            <a:r>
-              <a:rPr lang="en-GB" sz="1800" dirty="0"/>
-              <a:t>, </a:t>
-            </a:r>
-            <a:r>
-              <a:rPr lang="en-GB" sz="1800" dirty="0" err="1"/>
-              <a:t>NgForOf</a:t>
-            </a:r>
-            <a:r>
-              <a:rPr lang="en-GB" sz="1800" dirty="0"/>
-              <a:t>, </a:t>
-            </a:r>
-            <a:r>
-              <a:rPr lang="en-GB" sz="1800" dirty="0" err="1"/>
-              <a:t>NgSwitch</a:t>
-            </a:r>
-            <a:endParaRPr lang="en-GB" sz="1800" dirty="0"/>
-          </a:p>
-          <a:p>
-            <a:r>
-              <a:rPr lang="en-GB" dirty="0"/>
-              <a:t>Why: </a:t>
-            </a:r>
-            <a:r>
-              <a:rPr lang="en-GB" sz="1800" dirty="0"/>
-              <a:t>Using structural directives, you add an element with the directive in HTML template. The element will then be added, removed, or replaced based on the condition or expression you set in the directive.</a:t>
-            </a:r>
-          </a:p>
-          <a:p>
-            <a:r>
-              <a:rPr lang="en-GB" dirty="0"/>
-              <a:t>Implemented on</a:t>
+              <a:t>Implemented</a:t>
             </a:r>
             <a:r>
               <a:rPr lang="en-GB" sz="1900" dirty="0"/>
-              <a:t>:</a:t>
+              <a:t>: yes, table View is updated</a:t>
             </a:r>
           </a:p>
         </p:txBody>
@@ -9306,7 +9281,7 @@
     </p:spTree>
     <p:extLst>
       <p:ext uri="{BB962C8B-B14F-4D97-AF65-F5344CB8AC3E}">
-        <p14:creationId xmlns:p14="http://schemas.microsoft.com/office/powerpoint/2010/main" val="3393621437"/>
+        <p14:creationId xmlns:p14="http://schemas.microsoft.com/office/powerpoint/2010/main" val="1293384484"/>
       </p:ext>
     </p:extLst>
   </p:cSld>
@@ -9335,6 +9310,218 @@
       </p:grpSpPr>
       <p:sp>
         <p:nvSpPr>
+          <p:cNvPr id="4" name="Title 3">
+            <a:extLst>
+              <a:ext uri="{FF2B5EF4-FFF2-40B4-BE49-F238E27FC236}">
+                <a16:creationId xmlns:a16="http://schemas.microsoft.com/office/drawing/2014/main" id="{07A371F5-EAAD-4ADC-8D3F-1CBB98D52839}"/>
+              </a:ext>
+            </a:extLst>
+          </p:cNvPr>
+          <p:cNvSpPr>
+            <a:spLocks noGrp="1"/>
+          </p:cNvSpPr>
+          <p:nvPr>
+            <p:ph type="title"/>
+          </p:nvPr>
+        </p:nvSpPr>
+        <p:spPr/>
+        <p:txBody>
+          <a:bodyPr/>
+          <a:lstStyle/>
+          <a:p>
+            <a:r>
+              <a:rPr lang="en-GB" b="0" dirty="0">
+                <a:solidFill>
+                  <a:srgbClr val="6A9955"/>
+                </a:solidFill>
+                <a:effectLst/>
+                <a:latin typeface="Consolas" panose="020B0609020204030204" pitchFamily="49" charset="0"/>
+              </a:rPr>
+              <a:t>Structural directives</a:t>
+            </a:r>
+            <a:endParaRPr lang="en-GB" b="0" dirty="0">
+              <a:solidFill>
+                <a:srgbClr val="D4D4D4"/>
+              </a:solidFill>
+              <a:effectLst/>
+              <a:latin typeface="Consolas" panose="020B0609020204030204" pitchFamily="49" charset="0"/>
+            </a:endParaRPr>
+          </a:p>
+        </p:txBody>
+      </p:sp>
+      <p:sp>
+        <p:nvSpPr>
+          <p:cNvPr id="8" name="Date Placeholder 7">
+            <a:extLst>
+              <a:ext uri="{FF2B5EF4-FFF2-40B4-BE49-F238E27FC236}">
+                <a16:creationId xmlns:a16="http://schemas.microsoft.com/office/drawing/2014/main" id="{E9F303BF-0A3C-497A-B99B-BEA514C0269A}"/>
+              </a:ext>
+            </a:extLst>
+          </p:cNvPr>
+          <p:cNvSpPr>
+            <a:spLocks noGrp="1"/>
+          </p:cNvSpPr>
+          <p:nvPr>
+            <p:ph type="dt" sz="half" idx="2"/>
+          </p:nvPr>
+        </p:nvSpPr>
+        <p:spPr/>
+        <p:txBody>
+          <a:bodyPr/>
+          <a:lstStyle/>
+          <a:p>
+            <a:fld id="{BEE4C197-EFE5-4623-8631-61DB25EC0F85}" type="datetime1">
+              <a:rPr lang="en-US" smtClean="0"/>
+              <a:pPr/>
+              <a:t>14-Nov-22</a:t>
+            </a:fld>
+            <a:endParaRPr lang="en-US" dirty="0"/>
+          </a:p>
+        </p:txBody>
+      </p:sp>
+      <p:sp>
+        <p:nvSpPr>
+          <p:cNvPr id="9" name="Slide Number Placeholder 8">
+            <a:extLst>
+              <a:ext uri="{FF2B5EF4-FFF2-40B4-BE49-F238E27FC236}">
+                <a16:creationId xmlns:a16="http://schemas.microsoft.com/office/drawing/2014/main" id="{9057E93D-BB39-4013-A843-780147924DB7}"/>
+              </a:ext>
+            </a:extLst>
+          </p:cNvPr>
+          <p:cNvSpPr>
+            <a:spLocks noGrp="1"/>
+          </p:cNvSpPr>
+          <p:nvPr>
+            <p:ph type="sldNum" sz="quarter" idx="4"/>
+          </p:nvPr>
+        </p:nvSpPr>
+        <p:spPr/>
+        <p:txBody>
+          <a:bodyPr/>
+          <a:lstStyle/>
+          <a:p>
+            <a:fld id="{294A09A9-5501-47C1-A89A-A340965A2BE2}" type="slidenum">
+              <a:rPr lang="en-US" smtClean="0"/>
+              <a:pPr/>
+              <a:t>13</a:t>
+            </a:fld>
+            <a:endParaRPr lang="en-US" dirty="0"/>
+          </a:p>
+        </p:txBody>
+      </p:sp>
+      <p:sp>
+        <p:nvSpPr>
+          <p:cNvPr id="3" name="Content Placeholder 2">
+            <a:extLst>
+              <a:ext uri="{FF2B5EF4-FFF2-40B4-BE49-F238E27FC236}">
+                <a16:creationId xmlns:a16="http://schemas.microsoft.com/office/drawing/2014/main" id="{47B1339D-FE44-4A2D-BB8A-5D0A5E2F3879}"/>
+              </a:ext>
+            </a:extLst>
+          </p:cNvPr>
+          <p:cNvSpPr>
+            <a:spLocks noGrp="1"/>
+          </p:cNvSpPr>
+          <p:nvPr>
+            <p:ph sz="quarter" idx="11"/>
+          </p:nvPr>
+        </p:nvSpPr>
+        <p:spPr/>
+        <p:txBody>
+          <a:bodyPr>
+            <a:normAutofit fontScale="92500"/>
+          </a:bodyPr>
+          <a:lstStyle/>
+          <a:p>
+            <a:r>
+              <a:rPr lang="en-US" dirty="0"/>
+              <a:t>What: </a:t>
+            </a:r>
+            <a:r>
+              <a:rPr lang="en-GB" sz="1800" dirty="0"/>
+              <a:t>Structural directives are directives which change the DOM layout by adding and removing DOM elements. Whereas attribute directive is about styling of existing DOM elements, structural change DOM itself. Only one structural directive can be applied to the DOM, but many – of attribute</a:t>
+            </a:r>
+          </a:p>
+          <a:p>
+            <a:r>
+              <a:rPr lang="en-GB" dirty="0"/>
+              <a:t>Built-in structural directives:  </a:t>
+            </a:r>
+            <a:r>
+              <a:rPr lang="en-GB" sz="1800" dirty="0" err="1"/>
+              <a:t>NgIf</a:t>
+            </a:r>
+            <a:r>
+              <a:rPr lang="en-GB" sz="1800" dirty="0"/>
+              <a:t>, </a:t>
+            </a:r>
+            <a:r>
+              <a:rPr lang="en-GB" sz="1800" dirty="0" err="1"/>
+              <a:t>NgForOf</a:t>
+            </a:r>
+            <a:r>
+              <a:rPr lang="en-GB" sz="1800" dirty="0"/>
+              <a:t>, </a:t>
+            </a:r>
+            <a:r>
+              <a:rPr lang="en-GB" sz="1800" dirty="0" err="1"/>
+              <a:t>NgSwitch</a:t>
+            </a:r>
+            <a:endParaRPr lang="en-GB" sz="1800" dirty="0"/>
+          </a:p>
+          <a:p>
+            <a:r>
+              <a:rPr lang="en-GB" dirty="0"/>
+              <a:t>Why: </a:t>
+            </a:r>
+            <a:r>
+              <a:rPr lang="en-GB" sz="1800" dirty="0"/>
+              <a:t>Using structural directives, you add an element with the directive in HTML template. The element will then be added, removed, or replaced based on the condition or expression you set in the directive.</a:t>
+            </a:r>
+          </a:p>
+          <a:p>
+            <a:r>
+              <a:rPr lang="en-GB" dirty="0"/>
+              <a:t>Implemented on</a:t>
+            </a:r>
+            <a:r>
+              <a:rPr lang="en-GB" sz="1900" dirty="0"/>
+              <a:t>: adding description and numeration to odd cards of card layout</a:t>
+            </a:r>
+          </a:p>
+        </p:txBody>
+      </p:sp>
+    </p:spTree>
+    <p:extLst>
+      <p:ext uri="{BB962C8B-B14F-4D97-AF65-F5344CB8AC3E}">
+        <p14:creationId xmlns:p14="http://schemas.microsoft.com/office/powerpoint/2010/main" val="3393621437"/>
+      </p:ext>
+    </p:extLst>
+  </p:cSld>
+  <p:clrMapOvr>
+    <a:masterClrMapping/>
+  </p:clrMapOvr>
+</p:sld>
+</file>
+
+<file path=ppt/slides/slide14.xml><?xml version="1.0" encoding="utf-8"?>
+<p:sld xmlns:a="http://schemas.openxmlformats.org/drawingml/2006/main" xmlns:r="http://schemas.openxmlformats.org/officeDocument/2006/relationships" xmlns:p="http://schemas.openxmlformats.org/presentationml/2006/main">
+  <p:cSld>
+    <p:spTree>
+      <p:nvGrpSpPr>
+        <p:cNvPr id="1" name=""/>
+        <p:cNvGrpSpPr/>
+        <p:nvPr/>
+      </p:nvGrpSpPr>
+      <p:grpSpPr>
+        <a:xfrm>
+          <a:off x="0" y="0"/>
+          <a:ext cx="0" cy="0"/>
+          <a:chOff x="0" y="0"/>
+          <a:chExt cx="0" cy="0"/>
+        </a:xfrm>
+      </p:grpSpPr>
+      <p:sp>
+        <p:nvSpPr>
           <p:cNvPr id="6" name="Text Placeholder 5">
             <a:extLst>
               <a:ext uri="{FF2B5EF4-FFF2-40B4-BE49-F238E27FC236}">
@@ -9431,7 +9618,7 @@
         <p:spPr>
           <a:xfrm>
             <a:off x="6663957" y="735955"/>
-            <a:ext cx="4445201" cy="4442242"/>
+            <a:ext cx="4445201" cy="4996240"/>
           </a:xfrm>
           <a:prstGeom prst="rect">
             <a:avLst/>
@@ -9498,7 +9685,7 @@
               <a:defRPr/>
             </a:pPr>
             <a:r>
-              <a:rPr kumimoji="0" lang="en-GB" sz="1800" b="0" i="0" u="none" strike="noStrike" kern="1200" cap="none" spc="0" normalizeH="0" baseline="0" noProof="0" dirty="0">
+              <a:rPr kumimoji="0" lang="en-GB" sz="1800" b="0" i="0" u="none" strike="sngStrike" kern="1200" cap="none" spc="0" normalizeH="0" baseline="0" noProof="0" dirty="0">
                 <a:ln>
                   <a:noFill/>
                 </a:ln>
@@ -9534,7 +9721,7 @@
               <a:defRPr/>
             </a:pPr>
             <a:r>
-              <a:rPr kumimoji="0" lang="en-GB" sz="1800" b="0" i="0" u="none" strike="noStrike" kern="1200" cap="none" spc="0" normalizeH="0" baseline="0" noProof="0" dirty="0">
+              <a:rPr kumimoji="0" lang="en-GB" sz="1800" b="0" i="0" u="none" strike="sngStrike" kern="1200" cap="none" spc="0" normalizeH="0" baseline="0" noProof="0" dirty="0">
                 <a:ln>
                   <a:noFill/>
                 </a:ln>
@@ -9548,7 +9735,7 @@
                 <a:ea typeface="+mn-ea"/>
                 <a:cs typeface="+mn-cs"/>
               </a:rPr>
-              <a:t>Angular Material - Best Practices, Patterns and Anti-Patterns</a:t>
+              <a:t>Angular Material - Best Practices, Patterns and Anti-Patterns + other lection in course</a:t>
             </a:r>
           </a:p>
           <a:p>
@@ -9570,7 +9757,7 @@
               <a:defRPr/>
             </a:pPr>
             <a:r>
-              <a:rPr kumimoji="0" lang="en-GB" sz="1800" b="0" i="0" u="none" strike="noStrike" kern="1200" cap="none" spc="0" normalizeH="0" baseline="0" noProof="0" dirty="0">
+              <a:rPr kumimoji="0" lang="en-GB" sz="1800" b="0" i="0" u="none" strike="sngStrike" kern="1200" cap="none" spc="0" normalizeH="0" baseline="0" noProof="0" dirty="0">
                 <a:ln>
                   <a:noFill/>
                 </a:ln>
@@ -9584,8 +9771,73 @@
                 <a:ea typeface="+mn-ea"/>
                 <a:cs typeface="+mn-cs"/>
               </a:rPr>
-              <a:t>Search, sort, breadcrumbs</a:t>
-            </a:r>
+              <a:t>Search, sort, breadcrumbs – </a:t>
+            </a:r>
+            <a:r>
+              <a:rPr kumimoji="0" lang="en-GB" sz="1800" b="0" i="0" u="none" kern="1200" cap="none" spc="0" normalizeH="0" baseline="0" noProof="0" dirty="0">
+                <a:ln>
+                  <a:noFill/>
+                </a:ln>
+                <a:solidFill>
+                  <a:prstClr val="black"/>
+                </a:solidFill>
+                <a:effectLst/>
+                <a:uLnTx/>
+                <a:uFillTx/>
+                <a:latin typeface="Biome Light"/>
+                <a:ea typeface="+mn-ea"/>
+                <a:cs typeface="+mn-cs"/>
+              </a:rPr>
+              <a:t>only visual part </a:t>
+            </a:r>
+            <a:r>
+              <a:rPr kumimoji="0" lang="en-GB" sz="1800" b="0" i="0" u="none" kern="1200" cap="none" spc="0" normalizeH="0" baseline="0" noProof="0">
+                <a:ln>
+                  <a:noFill/>
+                </a:ln>
+                <a:solidFill>
+                  <a:prstClr val="black"/>
+                </a:solidFill>
+                <a:effectLst/>
+                <a:uLnTx/>
+                <a:uFillTx/>
+                <a:latin typeface="Biome Light"/>
+                <a:ea typeface="+mn-ea"/>
+                <a:cs typeface="+mn-cs"/>
+              </a:rPr>
+              <a:t>for filter/sort, </a:t>
+            </a:r>
+            <a:r>
+              <a:rPr kumimoji="0" lang="en-GB" sz="1800" b="0" i="0" u="none" kern="1200" cap="none" spc="0" normalizeH="0" baseline="0" noProof="0" dirty="0">
+                <a:ln>
+                  <a:noFill/>
+                </a:ln>
+                <a:solidFill>
+                  <a:prstClr val="black"/>
+                </a:solidFill>
+                <a:effectLst/>
+                <a:uLnTx/>
+                <a:uFillTx/>
+                <a:latin typeface="Biome Light"/>
+                <a:ea typeface="+mn-ea"/>
+                <a:cs typeface="+mn-cs"/>
+              </a:rPr>
+              <a:t>not logic</a:t>
+            </a:r>
+            <a:endParaRPr kumimoji="0" lang="en-GB" sz="1800" b="0" i="0" u="none" strike="sngStrike" kern="1200" cap="none" spc="0" normalizeH="0" baseline="0" noProof="0" dirty="0">
+              <a:ln>
+                <a:noFill/>
+              </a:ln>
+              <a:solidFill>
+                <a:prstClr val="black"/>
+              </a:solidFill>
+              <a:effectLst/>
+              <a:uLnTx/>
+              <a:uFillTx/>
+              <a:latin typeface="Biome Light"/>
+              <a:ea typeface="+mn-ea"/>
+              <a:cs typeface="+mn-cs"/>
+            </a:endParaRPr>
           </a:p>
           <a:p>
             <a:pPr marL="285750" marR="0" lvl="0" indent="-285750" algn="l" defTabSz="914400" rtl="0" eaLnBrk="1" fontAlgn="base" latinLnBrk="0" hangingPunct="1">
@@ -9746,7 +9998,7 @@
               <a:defRPr/>
             </a:pPr>
             <a:r>
-              <a:rPr kumimoji="0" lang="en-GB" sz="1800" b="0" i="0" u="none" strike="noStrike" kern="1200" cap="none" spc="0" normalizeH="0" baseline="0" noProof="0" dirty="0">
+              <a:rPr kumimoji="0" lang="en-GB" sz="1800" b="0" i="0" u="none" strike="sngStrike" kern="1200" cap="none" spc="0" normalizeH="0" baseline="0" noProof="0" dirty="0">
                 <a:ln>
                   <a:noFill/>
                 </a:ln>
@@ -9762,7 +10014,7 @@
               </a:rPr>
               <a:t>Responsive table for table view (?)</a:t>
             </a:r>
-            <a:endParaRPr lang="en-GB" dirty="0"/>
+            <a:endParaRPr lang="en-GB" strike="sngStrike" dirty="0"/>
           </a:p>
           <a:p>
             <a:pPr marL="285750" indent="-285750">
@@ -9799,7 +10051,7 @@
 </p:sld>
 </file>
 
-<file path=ppt/slides/slide14.xml><?xml version="1.0" encoding="utf-8"?>
+<file path=ppt/slides/slide15.xml><?xml version="1.0" encoding="utf-8"?>
 <p:sld xmlns:a="http://schemas.openxmlformats.org/drawingml/2006/main" xmlns:r="http://schemas.openxmlformats.org/officeDocument/2006/relationships" xmlns:p="http://schemas.openxmlformats.org/presentationml/2006/main">
   <p:cSld>
     <p:bg>
@@ -9994,7 +10246,7 @@
 </p:sld>
 </file>
 
-<file path=ppt/slides/slide15.xml><?xml version="1.0" encoding="utf-8"?>
+<file path=ppt/slides/slide16.xml><?xml version="1.0" encoding="utf-8"?>
 <p:sld xmlns:a="http://schemas.openxmlformats.org/drawingml/2006/main" xmlns:r="http://schemas.openxmlformats.org/officeDocument/2006/relationships" xmlns:p="http://schemas.openxmlformats.org/presentationml/2006/main">
   <p:cSld>
     <p:bg>
@@ -11251,7 +11503,7 @@
             <a:fld id="{27AB0102-8ACA-4214-A839-9665520705F6}" type="datetime1">
               <a:rPr lang="en-US" smtClean="0"/>
               <a:pPr/>
-              <a:t>10-Nov-22</a:t>
+              <a:t>14-Nov-22</a:t>
             </a:fld>
             <a:endParaRPr lang="en-US" dirty="0"/>
           </a:p>
@@ -11281,7 +11533,7 @@
             <a:fld id="{294A09A9-5501-47C1-A89A-A340965A2BE2}" type="slidenum">
               <a:rPr lang="en-US" smtClean="0"/>
               <a:pPr/>
-              <a:t>15</a:t>
+              <a:t>16</a:t>
             </a:fld>
             <a:endParaRPr lang="en-US" dirty="0"/>
           </a:p>
@@ -11300,7 +11552,7 @@
 </p:sld>
 </file>
 
-<file path=ppt/slides/slide16.xml><?xml version="1.0" encoding="utf-8"?>
+<file path=ppt/slides/slide17.xml><?xml version="1.0" encoding="utf-8"?>
 <p:sld xmlns:a="http://schemas.openxmlformats.org/drawingml/2006/main" xmlns:r="http://schemas.openxmlformats.org/officeDocument/2006/relationships" xmlns:p="http://schemas.openxmlformats.org/presentationml/2006/main">
   <p:cSld>
     <p:bg>
@@ -11469,7 +11721,7 @@
             <a:fld id="{B93BF043-A0E2-48C9-80FB-0A3EF98DDCEF}" type="datetime1">
               <a:rPr lang="en-US" smtClean="0"/>
               <a:pPr/>
-              <a:t>10-Nov-22</a:t>
+              <a:t>14-Nov-22</a:t>
             </a:fld>
             <a:endParaRPr lang="en-US" dirty="0"/>
           </a:p>
@@ -11499,7 +11751,7 @@
             <a:fld id="{294A09A9-5501-47C1-A89A-A340965A2BE2}" type="slidenum">
               <a:rPr lang="en-US" smtClean="0"/>
               <a:pPr/>
-              <a:t>16</a:t>
+              <a:t>17</a:t>
             </a:fld>
             <a:endParaRPr lang="en-US" dirty="0"/>
           </a:p>
@@ -11518,7 +11770,7 @@
 </p:sld>
 </file>
 
-<file path=ppt/slides/slide17.xml><?xml version="1.0" encoding="utf-8"?>
+<file path=ppt/slides/slide18.xml><?xml version="1.0" encoding="utf-8"?>
 <p:sld xmlns:a="http://schemas.openxmlformats.org/drawingml/2006/main" xmlns:r="http://schemas.openxmlformats.org/officeDocument/2006/relationships" xmlns:p="http://schemas.openxmlformats.org/presentationml/2006/main">
   <p:cSld>
     <p:bg>
@@ -11623,7 +11875,7 @@
             <a:fld id="{E65208FE-0220-403B-8209-06D9990EA4C9}" type="datetime1">
               <a:rPr lang="en-US" smtClean="0"/>
               <a:pPr/>
-              <a:t>10-Nov-22</a:t>
+              <a:t>14-Nov-22</a:t>
             </a:fld>
             <a:endParaRPr lang="en-US" dirty="0"/>
           </a:p>
@@ -11653,7 +11905,7 @@
             <a:fld id="{294A09A9-5501-47C1-A89A-A340965A2BE2}" type="slidenum">
               <a:rPr lang="en-US" smtClean="0"/>
               <a:pPr/>
-              <a:t>17</a:t>
+              <a:t>18</a:t>
             </a:fld>
             <a:endParaRPr lang="en-US" dirty="0"/>
           </a:p>
@@ -11788,2075 +12040,6 @@
     <p:extLst>
       <p:ext uri="{BB962C8B-B14F-4D97-AF65-F5344CB8AC3E}">
         <p14:creationId xmlns:p14="http://schemas.microsoft.com/office/powerpoint/2010/main" val="4083546591"/>
-      </p:ext>
-    </p:extLst>
-  </p:cSld>
-  <p:clrMapOvr>
-    <a:masterClrMapping/>
-  </p:clrMapOvr>
-</p:sld>
-</file>
-
-<file path=ppt/slides/slide18.xml><?xml version="1.0" encoding="utf-8"?>
-<p:sld xmlns:a="http://schemas.openxmlformats.org/drawingml/2006/main" xmlns:r="http://schemas.openxmlformats.org/officeDocument/2006/relationships" xmlns:p="http://schemas.openxmlformats.org/presentationml/2006/main">
-  <p:cSld>
-    <p:bg>
-      <p:bgPr>
-        <a:solidFill>
-          <a:schemeClr val="bg2"/>
-        </a:solidFill>
-        <a:effectLst/>
-      </p:bgPr>
-    </p:bg>
-    <p:spTree>
-      <p:nvGrpSpPr>
-        <p:cNvPr id="1" name=""/>
-        <p:cNvGrpSpPr/>
-        <p:nvPr/>
-      </p:nvGrpSpPr>
-      <p:grpSpPr>
-        <a:xfrm>
-          <a:off x="0" y="0"/>
-          <a:ext cx="0" cy="0"/>
-          <a:chOff x="0" y="0"/>
-          <a:chExt cx="0" cy="0"/>
-        </a:xfrm>
-      </p:grpSpPr>
-      <p:sp>
-        <p:nvSpPr>
-          <p:cNvPr id="2" name="Title 1">
-            <a:extLst>
-              <a:ext uri="{FF2B5EF4-FFF2-40B4-BE49-F238E27FC236}">
-                <a16:creationId xmlns:a16="http://schemas.microsoft.com/office/drawing/2014/main" id="{DD0B6389-2374-4677-B8BB-59410CCC32FD}"/>
-              </a:ext>
-            </a:extLst>
-          </p:cNvPr>
-          <p:cNvSpPr>
-            <a:spLocks noGrp="1"/>
-          </p:cNvSpPr>
-          <p:nvPr>
-            <p:ph type="title"/>
-          </p:nvPr>
-        </p:nvSpPr>
-        <p:spPr>
-          <a:xfrm>
-            <a:off x="838200" y="136556"/>
-            <a:ext cx="10515600" cy="1325563"/>
-          </a:xfrm>
-        </p:spPr>
-        <p:txBody>
-          <a:bodyPr/>
-          <a:lstStyle/>
-          <a:p>
-            <a:pPr algn="ctr"/>
-            <a:r>
-              <a:rPr lang="en-US" dirty="0">
-                <a:solidFill>
-                  <a:schemeClr val="accent2">
-                    <a:lumMod val="50000"/>
-                  </a:schemeClr>
-                </a:solidFill>
-                <a:cs typeface="Biome Light" panose="020B0303030204020804" pitchFamily="34" charset="0"/>
-              </a:rPr>
-              <a:t>Monthly</a:t>
-            </a:r>
-            <a:r>
-              <a:rPr lang="en-US" dirty="0">
-                <a:solidFill>
-                  <a:schemeClr val="accent2">
-                    <a:lumMod val="50000"/>
-                  </a:schemeClr>
-                </a:solidFill>
-                <a:latin typeface="Biome Light" panose="020B0303030204020804" pitchFamily="34" charset="0"/>
-                <a:cs typeface="Biome Light" panose="020B0303030204020804" pitchFamily="34" charset="0"/>
-              </a:rPr>
-              <a:t> timeline</a:t>
-            </a:r>
-          </a:p>
-        </p:txBody>
-      </p:sp>
-      <p:cxnSp>
-        <p:nvCxnSpPr>
-          <p:cNvPr id="70" name="Straight Connector 69">
-            <a:extLst>
-              <a:ext uri="{FF2B5EF4-FFF2-40B4-BE49-F238E27FC236}">
-                <a16:creationId xmlns:a16="http://schemas.microsoft.com/office/drawing/2014/main" id="{F70C08F9-9A5C-43CF-9AAC-621536803BA0}"/>
-              </a:ext>
-              <a:ext uri="{C183D7F6-B498-43B3-948B-1728B52AA6E4}">
-                <adec:decorative xmlns:adec="http://schemas.microsoft.com/office/drawing/2017/decorative" val="1"/>
-              </a:ext>
-            </a:extLst>
-          </p:cNvPr>
-          <p:cNvCxnSpPr>
-            <a:cxnSpLocks/>
-          </p:cNvCxnSpPr>
-          <p:nvPr/>
-        </p:nvCxnSpPr>
-        <p:spPr>
-          <a:xfrm>
-            <a:off x="2941866" y="2592967"/>
-            <a:ext cx="0" cy="1005840"/>
-          </a:xfrm>
-          <a:prstGeom prst="line">
-            <a:avLst/>
-          </a:prstGeom>
-        </p:spPr>
-        <p:style>
-          <a:lnRef idx="1">
-            <a:schemeClr val="accent1"/>
-          </a:lnRef>
-          <a:fillRef idx="0">
-            <a:schemeClr val="accent1"/>
-          </a:fillRef>
-          <a:effectRef idx="0">
-            <a:schemeClr val="accent1"/>
-          </a:effectRef>
-          <a:fontRef idx="minor">
-            <a:schemeClr val="tx1"/>
-          </a:fontRef>
-        </p:style>
-      </p:cxnSp>
-      <p:cxnSp>
-        <p:nvCxnSpPr>
-          <p:cNvPr id="78" name="Straight Connector 77">
-            <a:extLst>
-              <a:ext uri="{FF2B5EF4-FFF2-40B4-BE49-F238E27FC236}">
-                <a16:creationId xmlns:a16="http://schemas.microsoft.com/office/drawing/2014/main" id="{ABA89E8D-ECBE-4B32-82C7-E8DD0B202C5F}"/>
-              </a:ext>
-              <a:ext uri="{C183D7F6-B498-43B3-948B-1728B52AA6E4}">
-                <adec:decorative xmlns:adec="http://schemas.microsoft.com/office/drawing/2017/decorative" val="1"/>
-              </a:ext>
-            </a:extLst>
-          </p:cNvPr>
-          <p:cNvCxnSpPr>
-            <a:cxnSpLocks/>
-          </p:cNvCxnSpPr>
-          <p:nvPr/>
-        </p:nvCxnSpPr>
-        <p:spPr>
-          <a:xfrm>
-            <a:off x="5678005" y="2592967"/>
-            <a:ext cx="0" cy="2651760"/>
-          </a:xfrm>
-          <a:prstGeom prst="line">
-            <a:avLst/>
-          </a:prstGeom>
-        </p:spPr>
-        <p:style>
-          <a:lnRef idx="1">
-            <a:schemeClr val="accent1"/>
-          </a:lnRef>
-          <a:fillRef idx="0">
-            <a:schemeClr val="accent1"/>
-          </a:fillRef>
-          <a:effectRef idx="0">
-            <a:schemeClr val="accent1"/>
-          </a:effectRef>
-          <a:fontRef idx="minor">
-            <a:schemeClr val="tx1"/>
-          </a:fontRef>
-        </p:style>
-      </p:cxnSp>
-      <p:cxnSp>
-        <p:nvCxnSpPr>
-          <p:cNvPr id="84" name="Straight Connector 83">
-            <a:extLst>
-              <a:ext uri="{FF2B5EF4-FFF2-40B4-BE49-F238E27FC236}">
-                <a16:creationId xmlns:a16="http://schemas.microsoft.com/office/drawing/2014/main" id="{C2B38730-2A0E-4853-AD2C-FC744EF527B4}"/>
-              </a:ext>
-              <a:ext uri="{C183D7F6-B498-43B3-948B-1728B52AA6E4}">
-                <adec:decorative xmlns:adec="http://schemas.microsoft.com/office/drawing/2017/decorative" val="1"/>
-              </a:ext>
-            </a:extLst>
-          </p:cNvPr>
-          <p:cNvCxnSpPr>
-            <a:cxnSpLocks/>
-          </p:cNvCxnSpPr>
-          <p:nvPr/>
-        </p:nvCxnSpPr>
-        <p:spPr>
-          <a:xfrm>
-            <a:off x="8403799" y="2592967"/>
-            <a:ext cx="0" cy="1005840"/>
-          </a:xfrm>
-          <a:prstGeom prst="line">
-            <a:avLst/>
-          </a:prstGeom>
-        </p:spPr>
-        <p:style>
-          <a:lnRef idx="1">
-            <a:schemeClr val="accent1"/>
-          </a:lnRef>
-          <a:fillRef idx="0">
-            <a:schemeClr val="accent1"/>
-          </a:fillRef>
-          <a:effectRef idx="0">
-            <a:schemeClr val="accent1"/>
-          </a:effectRef>
-          <a:fontRef idx="minor">
-            <a:schemeClr val="tx1"/>
-          </a:fontRef>
-        </p:style>
-      </p:cxnSp>
-      <p:cxnSp>
-        <p:nvCxnSpPr>
-          <p:cNvPr id="90" name="Straight Connector 89">
-            <a:extLst>
-              <a:ext uri="{FF2B5EF4-FFF2-40B4-BE49-F238E27FC236}">
-                <a16:creationId xmlns:a16="http://schemas.microsoft.com/office/drawing/2014/main" id="{98E48653-A8EB-4DE2-BFE6-A0E61D873096}"/>
-              </a:ext>
-              <a:ext uri="{C183D7F6-B498-43B3-948B-1728B52AA6E4}">
-                <adec:decorative xmlns:adec="http://schemas.microsoft.com/office/drawing/2017/decorative" val="1"/>
-              </a:ext>
-            </a:extLst>
-          </p:cNvPr>
-          <p:cNvCxnSpPr>
-            <a:cxnSpLocks/>
-          </p:cNvCxnSpPr>
-          <p:nvPr/>
-        </p:nvCxnSpPr>
-        <p:spPr>
-          <a:xfrm>
-            <a:off x="11129593" y="2592967"/>
-            <a:ext cx="0" cy="2651760"/>
-          </a:xfrm>
-          <a:prstGeom prst="line">
-            <a:avLst/>
-          </a:prstGeom>
-        </p:spPr>
-        <p:style>
-          <a:lnRef idx="1">
-            <a:schemeClr val="accent1"/>
-          </a:lnRef>
-          <a:fillRef idx="0">
-            <a:schemeClr val="accent1"/>
-          </a:fillRef>
-          <a:effectRef idx="0">
-            <a:schemeClr val="accent1"/>
-          </a:effectRef>
-          <a:fontRef idx="minor">
-            <a:schemeClr val="tx1"/>
-          </a:fontRef>
-        </p:style>
-      </p:cxnSp>
-      <p:cxnSp>
-        <p:nvCxnSpPr>
-          <p:cNvPr id="7" name="Straight Connector 6">
-            <a:extLst>
-              <a:ext uri="{FF2B5EF4-FFF2-40B4-BE49-F238E27FC236}">
-                <a16:creationId xmlns:a16="http://schemas.microsoft.com/office/drawing/2014/main" id="{D190DF0B-5B2E-49A9-B210-E32FFFAC7E35}"/>
-              </a:ext>
-              <a:ext uri="{C183D7F6-B498-43B3-948B-1728B52AA6E4}">
-                <adec:decorative xmlns:adec="http://schemas.microsoft.com/office/drawing/2017/decorative" val="1"/>
-              </a:ext>
-            </a:extLst>
-          </p:cNvPr>
-          <p:cNvCxnSpPr>
-            <a:cxnSpLocks/>
-            <a:endCxn id="63" idx="0"/>
-          </p:cNvCxnSpPr>
-          <p:nvPr/>
-        </p:nvCxnSpPr>
-        <p:spPr>
-          <a:xfrm flipV="1">
-            <a:off x="1437095" y="2410633"/>
-            <a:ext cx="9692499" cy="169278"/>
-          </a:xfrm>
-          <a:prstGeom prst="line">
-            <a:avLst/>
-          </a:prstGeom>
-          <a:ln w="6350"/>
-        </p:spPr>
-        <p:style>
-          <a:lnRef idx="1">
-            <a:schemeClr val="accent1"/>
-          </a:lnRef>
-          <a:fillRef idx="0">
-            <a:schemeClr val="accent1"/>
-          </a:fillRef>
-          <a:effectRef idx="0">
-            <a:schemeClr val="accent1"/>
-          </a:effectRef>
-          <a:fontRef idx="minor">
-            <a:schemeClr val="tx1"/>
-          </a:fontRef>
-        </p:style>
-      </p:cxnSp>
-      <p:sp>
-        <p:nvSpPr>
-          <p:cNvPr id="12" name="Oval 11">
-            <a:extLst>
-              <a:ext uri="{FF2B5EF4-FFF2-40B4-BE49-F238E27FC236}">
-                <a16:creationId xmlns:a16="http://schemas.microsoft.com/office/drawing/2014/main" id="{81E53639-8872-4E58-9A2D-8001BB8547AC}"/>
-              </a:ext>
-              <a:ext uri="{C183D7F6-B498-43B3-948B-1728B52AA6E4}">
-                <adec:decorative xmlns:adec="http://schemas.microsoft.com/office/drawing/2017/decorative" val="1"/>
-              </a:ext>
-            </a:extLst>
-          </p:cNvPr>
-          <p:cNvSpPr/>
-          <p:nvPr/>
-        </p:nvSpPr>
-        <p:spPr>
-          <a:xfrm>
-            <a:off x="832938" y="2277833"/>
-            <a:ext cx="604157" cy="604156"/>
-          </a:xfrm>
-          <a:prstGeom prst="ellipse">
-            <a:avLst/>
-          </a:prstGeom>
-          <a:solidFill>
-            <a:schemeClr val="tx2">
-              <a:lumMod val="75000"/>
-            </a:schemeClr>
-          </a:solidFill>
-          <a:ln>
-            <a:noFill/>
-          </a:ln>
-        </p:spPr>
-        <p:style>
-          <a:lnRef idx="2">
-            <a:schemeClr val="accent1">
-              <a:shade val="50000"/>
-            </a:schemeClr>
-          </a:lnRef>
-          <a:fillRef idx="1">
-            <a:schemeClr val="accent1"/>
-          </a:fillRef>
-          <a:effectRef idx="0">
-            <a:schemeClr val="accent1"/>
-          </a:effectRef>
-          <a:fontRef idx="minor">
-            <a:schemeClr val="lt1"/>
-          </a:fontRef>
-        </p:style>
-        <p:txBody>
-          <a:bodyPr rtlCol="0" anchor="ctr"/>
-          <a:lstStyle/>
-          <a:p>
-            <a:pPr algn="ctr"/>
-            <a:endParaRPr lang="en-US"/>
-          </a:p>
-        </p:txBody>
-      </p:sp>
-      <p:sp>
-        <p:nvSpPr>
-          <p:cNvPr id="14" name="Oval 13">
-            <a:extLst>
-              <a:ext uri="{FF2B5EF4-FFF2-40B4-BE49-F238E27FC236}">
-                <a16:creationId xmlns:a16="http://schemas.microsoft.com/office/drawing/2014/main" id="{2A1632FE-1D0A-41E4-BF25-F0F7AA952C33}"/>
-              </a:ext>
-              <a:ext uri="{C183D7F6-B498-43B3-948B-1728B52AA6E4}">
-                <adec:decorative xmlns:adec="http://schemas.microsoft.com/office/drawing/2017/decorative" val="1"/>
-              </a:ext>
-            </a:extLst>
-          </p:cNvPr>
-          <p:cNvSpPr/>
-          <p:nvPr/>
-        </p:nvSpPr>
-        <p:spPr>
-          <a:xfrm>
-            <a:off x="7193124" y="2277833"/>
-            <a:ext cx="604157" cy="604156"/>
-          </a:xfrm>
-          <a:prstGeom prst="ellipse">
-            <a:avLst/>
-          </a:prstGeom>
-          <a:solidFill>
-            <a:schemeClr val="bg1">
-              <a:lumMod val="65000"/>
-            </a:schemeClr>
-          </a:solidFill>
-          <a:ln>
-            <a:noFill/>
-          </a:ln>
-        </p:spPr>
-        <p:style>
-          <a:lnRef idx="2">
-            <a:schemeClr val="accent1">
-              <a:shade val="50000"/>
-            </a:schemeClr>
-          </a:lnRef>
-          <a:fillRef idx="1">
-            <a:schemeClr val="accent1"/>
-          </a:fillRef>
-          <a:effectRef idx="0">
-            <a:schemeClr val="accent1"/>
-          </a:effectRef>
-          <a:fontRef idx="minor">
-            <a:schemeClr val="lt1"/>
-          </a:fontRef>
-        </p:style>
-        <p:txBody>
-          <a:bodyPr rtlCol="0" anchor="ctr"/>
-          <a:lstStyle/>
-          <a:p>
-            <a:pPr algn="ctr"/>
-            <a:endParaRPr lang="en-US"/>
-          </a:p>
-        </p:txBody>
-      </p:sp>
-      <p:sp>
-        <p:nvSpPr>
-          <p:cNvPr id="16" name="Oval 15">
-            <a:extLst>
-              <a:ext uri="{FF2B5EF4-FFF2-40B4-BE49-F238E27FC236}">
-                <a16:creationId xmlns:a16="http://schemas.microsoft.com/office/drawing/2014/main" id="{3586E56F-86DF-43E4-85F3-DD6AA1CF8C84}"/>
-              </a:ext>
-              <a:ext uri="{C183D7F6-B498-43B3-948B-1728B52AA6E4}">
-                <adec:decorative xmlns:adec="http://schemas.microsoft.com/office/drawing/2017/decorative" val="1"/>
-              </a:ext>
-            </a:extLst>
-          </p:cNvPr>
-          <p:cNvSpPr/>
-          <p:nvPr/>
-        </p:nvSpPr>
-        <p:spPr>
-          <a:xfrm>
-            <a:off x="1741536" y="2277833"/>
-            <a:ext cx="604157" cy="604156"/>
-          </a:xfrm>
-          <a:prstGeom prst="ellipse">
-            <a:avLst/>
-          </a:prstGeom>
-          <a:solidFill>
-            <a:schemeClr val="tx2">
-              <a:lumMod val="75000"/>
-            </a:schemeClr>
-          </a:solidFill>
-          <a:ln>
-            <a:noFill/>
-          </a:ln>
-        </p:spPr>
-        <p:style>
-          <a:lnRef idx="2">
-            <a:schemeClr val="accent1">
-              <a:shade val="50000"/>
-            </a:schemeClr>
-          </a:lnRef>
-          <a:fillRef idx="1">
-            <a:schemeClr val="accent1"/>
-          </a:fillRef>
-          <a:effectRef idx="0">
-            <a:schemeClr val="accent1"/>
-          </a:effectRef>
-          <a:fontRef idx="minor">
-            <a:schemeClr val="lt1"/>
-          </a:fontRef>
-        </p:style>
-        <p:txBody>
-          <a:bodyPr rtlCol="0" anchor="ctr"/>
-          <a:lstStyle/>
-          <a:p>
-            <a:pPr algn="ctr"/>
-            <a:endParaRPr lang="en-US"/>
-          </a:p>
-        </p:txBody>
-      </p:sp>
-      <p:sp>
-        <p:nvSpPr>
-          <p:cNvPr id="18" name="Oval 17">
-            <a:extLst>
-              <a:ext uri="{FF2B5EF4-FFF2-40B4-BE49-F238E27FC236}">
-                <a16:creationId xmlns:a16="http://schemas.microsoft.com/office/drawing/2014/main" id="{2EBE9657-CF02-4369-A33E-0B3687100B60}"/>
-              </a:ext>
-              <a:ext uri="{C183D7F6-B498-43B3-948B-1728B52AA6E4}">
-                <adec:decorative xmlns:adec="http://schemas.microsoft.com/office/drawing/2017/decorative" val="1"/>
-              </a:ext>
-            </a:extLst>
-          </p:cNvPr>
-          <p:cNvSpPr/>
-          <p:nvPr/>
-        </p:nvSpPr>
-        <p:spPr>
-          <a:xfrm>
-            <a:off x="2650134" y="2277833"/>
-            <a:ext cx="604157" cy="604156"/>
-          </a:xfrm>
-          <a:prstGeom prst="ellipse">
-            <a:avLst/>
-          </a:prstGeom>
-          <a:solidFill>
-            <a:schemeClr val="tx2">
-              <a:lumMod val="75000"/>
-            </a:schemeClr>
-          </a:solidFill>
-          <a:ln>
-            <a:noFill/>
-          </a:ln>
-        </p:spPr>
-        <p:style>
-          <a:lnRef idx="2">
-            <a:schemeClr val="accent1">
-              <a:shade val="50000"/>
-            </a:schemeClr>
-          </a:lnRef>
-          <a:fillRef idx="1">
-            <a:schemeClr val="accent1"/>
-          </a:fillRef>
-          <a:effectRef idx="0">
-            <a:schemeClr val="accent1"/>
-          </a:effectRef>
-          <a:fontRef idx="minor">
-            <a:schemeClr val="lt1"/>
-          </a:fontRef>
-        </p:style>
-        <p:txBody>
-          <a:bodyPr rtlCol="0" anchor="ctr"/>
-          <a:lstStyle/>
-          <a:p>
-            <a:pPr algn="ctr"/>
-            <a:endParaRPr lang="en-US"/>
-          </a:p>
-        </p:txBody>
-      </p:sp>
-      <p:sp>
-        <p:nvSpPr>
-          <p:cNvPr id="20" name="Oval 19">
-            <a:extLst>
-              <a:ext uri="{FF2B5EF4-FFF2-40B4-BE49-F238E27FC236}">
-                <a16:creationId xmlns:a16="http://schemas.microsoft.com/office/drawing/2014/main" id="{DA9922DC-4CA9-4B40-A5D5-72BBFAE6A6D3}"/>
-              </a:ext>
-              <a:ext uri="{C183D7F6-B498-43B3-948B-1728B52AA6E4}">
-                <adec:decorative xmlns:adec="http://schemas.microsoft.com/office/drawing/2017/decorative" val="1"/>
-              </a:ext>
-            </a:extLst>
-          </p:cNvPr>
-          <p:cNvSpPr/>
-          <p:nvPr/>
-        </p:nvSpPr>
-        <p:spPr>
-          <a:xfrm>
-            <a:off x="3558732" y="2277833"/>
-            <a:ext cx="604157" cy="604156"/>
-          </a:xfrm>
-          <a:prstGeom prst="ellipse">
-            <a:avLst/>
-          </a:prstGeom>
-          <a:solidFill>
-            <a:schemeClr val="accent1">
-              <a:lumMod val="75000"/>
-            </a:schemeClr>
-          </a:solidFill>
-          <a:ln>
-            <a:noFill/>
-          </a:ln>
-        </p:spPr>
-        <p:style>
-          <a:lnRef idx="2">
-            <a:schemeClr val="accent1">
-              <a:shade val="50000"/>
-            </a:schemeClr>
-          </a:lnRef>
-          <a:fillRef idx="1">
-            <a:schemeClr val="accent1"/>
-          </a:fillRef>
-          <a:effectRef idx="0">
-            <a:schemeClr val="accent1"/>
-          </a:effectRef>
-          <a:fontRef idx="minor">
-            <a:schemeClr val="lt1"/>
-          </a:fontRef>
-        </p:style>
-        <p:txBody>
-          <a:bodyPr rtlCol="0" anchor="ctr"/>
-          <a:lstStyle/>
-          <a:p>
-            <a:pPr algn="ctr"/>
-            <a:endParaRPr lang="en-US"/>
-          </a:p>
-        </p:txBody>
-      </p:sp>
-      <p:sp>
-        <p:nvSpPr>
-          <p:cNvPr id="22" name="Oval 21">
-            <a:extLst>
-              <a:ext uri="{FF2B5EF4-FFF2-40B4-BE49-F238E27FC236}">
-                <a16:creationId xmlns:a16="http://schemas.microsoft.com/office/drawing/2014/main" id="{227F60B2-65D3-4950-9103-3EFDF7F7D6FE}"/>
-              </a:ext>
-              <a:ext uri="{C183D7F6-B498-43B3-948B-1728B52AA6E4}">
-                <adec:decorative xmlns:adec="http://schemas.microsoft.com/office/drawing/2017/decorative" val="1"/>
-              </a:ext>
-            </a:extLst>
-          </p:cNvPr>
-          <p:cNvSpPr/>
-          <p:nvPr/>
-        </p:nvSpPr>
-        <p:spPr>
-          <a:xfrm>
-            <a:off x="4467330" y="2277833"/>
-            <a:ext cx="604157" cy="604156"/>
-          </a:xfrm>
-          <a:prstGeom prst="ellipse">
-            <a:avLst/>
-          </a:prstGeom>
-          <a:solidFill>
-            <a:schemeClr val="accent1">
-              <a:lumMod val="75000"/>
-            </a:schemeClr>
-          </a:solidFill>
-          <a:ln>
-            <a:noFill/>
-          </a:ln>
-        </p:spPr>
-        <p:style>
-          <a:lnRef idx="2">
-            <a:schemeClr val="accent1">
-              <a:shade val="50000"/>
-            </a:schemeClr>
-          </a:lnRef>
-          <a:fillRef idx="1">
-            <a:schemeClr val="accent1"/>
-          </a:fillRef>
-          <a:effectRef idx="0">
-            <a:schemeClr val="accent1"/>
-          </a:effectRef>
-          <a:fontRef idx="minor">
-            <a:schemeClr val="lt1"/>
-          </a:fontRef>
-        </p:style>
-        <p:txBody>
-          <a:bodyPr rtlCol="0" anchor="ctr"/>
-          <a:lstStyle/>
-          <a:p>
-            <a:pPr algn="ctr"/>
-            <a:endParaRPr lang="en-US"/>
-          </a:p>
-        </p:txBody>
-      </p:sp>
-      <p:sp>
-        <p:nvSpPr>
-          <p:cNvPr id="24" name="Oval 23">
-            <a:extLst>
-              <a:ext uri="{FF2B5EF4-FFF2-40B4-BE49-F238E27FC236}">
-                <a16:creationId xmlns:a16="http://schemas.microsoft.com/office/drawing/2014/main" id="{CD1CD723-7F96-4567-92C6-62CCB0855077}"/>
-              </a:ext>
-              <a:ext uri="{C183D7F6-B498-43B3-948B-1728B52AA6E4}">
-                <adec:decorative xmlns:adec="http://schemas.microsoft.com/office/drawing/2017/decorative" val="1"/>
-              </a:ext>
-            </a:extLst>
-          </p:cNvPr>
-          <p:cNvSpPr/>
-          <p:nvPr/>
-        </p:nvSpPr>
-        <p:spPr>
-          <a:xfrm>
-            <a:off x="5375928" y="2277833"/>
-            <a:ext cx="604157" cy="604156"/>
-          </a:xfrm>
-          <a:prstGeom prst="ellipse">
-            <a:avLst/>
-          </a:prstGeom>
-          <a:solidFill>
-            <a:schemeClr val="accent1">
-              <a:lumMod val="75000"/>
-            </a:schemeClr>
-          </a:solidFill>
-          <a:ln>
-            <a:noFill/>
-          </a:ln>
-        </p:spPr>
-        <p:style>
-          <a:lnRef idx="2">
-            <a:schemeClr val="accent1">
-              <a:shade val="50000"/>
-            </a:schemeClr>
-          </a:lnRef>
-          <a:fillRef idx="1">
-            <a:schemeClr val="accent1"/>
-          </a:fillRef>
-          <a:effectRef idx="0">
-            <a:schemeClr val="accent1"/>
-          </a:effectRef>
-          <a:fontRef idx="minor">
-            <a:schemeClr val="lt1"/>
-          </a:fontRef>
-        </p:style>
-        <p:txBody>
-          <a:bodyPr rtlCol="0" anchor="ctr"/>
-          <a:lstStyle/>
-          <a:p>
-            <a:pPr algn="ctr"/>
-            <a:endParaRPr lang="en-US"/>
-          </a:p>
-        </p:txBody>
-      </p:sp>
-      <p:sp>
-        <p:nvSpPr>
-          <p:cNvPr id="26" name="Oval 25">
-            <a:extLst>
-              <a:ext uri="{FF2B5EF4-FFF2-40B4-BE49-F238E27FC236}">
-                <a16:creationId xmlns:a16="http://schemas.microsoft.com/office/drawing/2014/main" id="{3D641E32-C3C9-4F0F-A366-D6AF93DD9F68}"/>
-              </a:ext>
-              <a:ext uri="{C183D7F6-B498-43B3-948B-1728B52AA6E4}">
-                <adec:decorative xmlns:adec="http://schemas.microsoft.com/office/drawing/2017/decorative" val="1"/>
-              </a:ext>
-            </a:extLst>
-          </p:cNvPr>
-          <p:cNvSpPr/>
-          <p:nvPr/>
-        </p:nvSpPr>
-        <p:spPr>
-          <a:xfrm>
-            <a:off x="6284526" y="2277832"/>
-            <a:ext cx="604157" cy="604157"/>
-          </a:xfrm>
-          <a:prstGeom prst="ellipse">
-            <a:avLst/>
-          </a:prstGeom>
-          <a:solidFill>
-            <a:schemeClr val="bg1">
-              <a:lumMod val="65000"/>
-            </a:schemeClr>
-          </a:solidFill>
-          <a:ln>
-            <a:noFill/>
-          </a:ln>
-        </p:spPr>
-        <p:style>
-          <a:lnRef idx="2">
-            <a:schemeClr val="accent1">
-              <a:shade val="50000"/>
-            </a:schemeClr>
-          </a:lnRef>
-          <a:fillRef idx="1">
-            <a:schemeClr val="accent1"/>
-          </a:fillRef>
-          <a:effectRef idx="0">
-            <a:schemeClr val="accent1"/>
-          </a:effectRef>
-          <a:fontRef idx="minor">
-            <a:schemeClr val="lt1"/>
-          </a:fontRef>
-        </p:style>
-        <p:txBody>
-          <a:bodyPr rtlCol="0" anchor="ctr"/>
-          <a:lstStyle/>
-          <a:p>
-            <a:pPr algn="ctr"/>
-            <a:endParaRPr lang="en-US"/>
-          </a:p>
-        </p:txBody>
-      </p:sp>
-      <p:sp>
-        <p:nvSpPr>
-          <p:cNvPr id="28" name="Oval 27">
-            <a:extLst>
-              <a:ext uri="{FF2B5EF4-FFF2-40B4-BE49-F238E27FC236}">
-                <a16:creationId xmlns:a16="http://schemas.microsoft.com/office/drawing/2014/main" id="{AEBF65AA-A09B-4D00-8027-CC0A25E8CC3F}"/>
-              </a:ext>
-              <a:ext uri="{C183D7F6-B498-43B3-948B-1728B52AA6E4}">
-                <adec:decorative xmlns:adec="http://schemas.microsoft.com/office/drawing/2017/decorative" val="1"/>
-              </a:ext>
-            </a:extLst>
-          </p:cNvPr>
-          <p:cNvSpPr/>
-          <p:nvPr/>
-        </p:nvSpPr>
-        <p:spPr>
-          <a:xfrm>
-            <a:off x="8101722" y="2277833"/>
-            <a:ext cx="604157" cy="604156"/>
-          </a:xfrm>
-          <a:prstGeom prst="ellipse">
-            <a:avLst/>
-          </a:prstGeom>
-          <a:solidFill>
-            <a:schemeClr val="bg1">
-              <a:lumMod val="65000"/>
-            </a:schemeClr>
-          </a:solidFill>
-          <a:ln>
-            <a:noFill/>
-          </a:ln>
-        </p:spPr>
-        <p:style>
-          <a:lnRef idx="2">
-            <a:schemeClr val="accent1">
-              <a:shade val="50000"/>
-            </a:schemeClr>
-          </a:lnRef>
-          <a:fillRef idx="1">
-            <a:schemeClr val="accent1"/>
-          </a:fillRef>
-          <a:effectRef idx="0">
-            <a:schemeClr val="accent1"/>
-          </a:effectRef>
-          <a:fontRef idx="minor">
-            <a:schemeClr val="lt1"/>
-          </a:fontRef>
-        </p:style>
-        <p:txBody>
-          <a:bodyPr rtlCol="0" anchor="ctr"/>
-          <a:lstStyle/>
-          <a:p>
-            <a:pPr algn="ctr"/>
-            <a:endParaRPr lang="en-US"/>
-          </a:p>
-        </p:txBody>
-      </p:sp>
-      <p:sp>
-        <p:nvSpPr>
-          <p:cNvPr id="30" name="Oval 29">
-            <a:extLst>
-              <a:ext uri="{FF2B5EF4-FFF2-40B4-BE49-F238E27FC236}">
-                <a16:creationId xmlns:a16="http://schemas.microsoft.com/office/drawing/2014/main" id="{307F39A3-7EA6-4379-9663-6D559F439438}"/>
-              </a:ext>
-              <a:ext uri="{C183D7F6-B498-43B3-948B-1728B52AA6E4}">
-                <adec:decorative xmlns:adec="http://schemas.microsoft.com/office/drawing/2017/decorative" val="1"/>
-              </a:ext>
-            </a:extLst>
-          </p:cNvPr>
-          <p:cNvSpPr/>
-          <p:nvPr/>
-        </p:nvSpPr>
-        <p:spPr>
-          <a:xfrm>
-            <a:off x="9010320" y="2277833"/>
-            <a:ext cx="604157" cy="604156"/>
-          </a:xfrm>
-          <a:prstGeom prst="ellipse">
-            <a:avLst/>
-          </a:prstGeom>
-          <a:solidFill>
-            <a:schemeClr val="bg2">
-              <a:lumMod val="75000"/>
-            </a:schemeClr>
-          </a:solidFill>
-          <a:ln>
-            <a:noFill/>
-          </a:ln>
-        </p:spPr>
-        <p:style>
-          <a:lnRef idx="2">
-            <a:schemeClr val="accent1">
-              <a:shade val="50000"/>
-            </a:schemeClr>
-          </a:lnRef>
-          <a:fillRef idx="1">
-            <a:schemeClr val="accent1"/>
-          </a:fillRef>
-          <a:effectRef idx="0">
-            <a:schemeClr val="accent1"/>
-          </a:effectRef>
-          <a:fontRef idx="minor">
-            <a:schemeClr val="lt1"/>
-          </a:fontRef>
-        </p:style>
-        <p:txBody>
-          <a:bodyPr rtlCol="0" anchor="ctr"/>
-          <a:lstStyle/>
-          <a:p>
-            <a:pPr algn="ctr"/>
-            <a:endParaRPr lang="en-US"/>
-          </a:p>
-        </p:txBody>
-      </p:sp>
-      <p:sp>
-        <p:nvSpPr>
-          <p:cNvPr id="32" name="Oval 31">
-            <a:extLst>
-              <a:ext uri="{FF2B5EF4-FFF2-40B4-BE49-F238E27FC236}">
-                <a16:creationId xmlns:a16="http://schemas.microsoft.com/office/drawing/2014/main" id="{4E1B2E89-57B9-4D7A-8428-5CD76566CA18}"/>
-              </a:ext>
-              <a:ext uri="{C183D7F6-B498-43B3-948B-1728B52AA6E4}">
-                <adec:decorative xmlns:adec="http://schemas.microsoft.com/office/drawing/2017/decorative" val="1"/>
-              </a:ext>
-            </a:extLst>
-          </p:cNvPr>
-          <p:cNvSpPr/>
-          <p:nvPr/>
-        </p:nvSpPr>
-        <p:spPr>
-          <a:xfrm>
-            <a:off x="9918918" y="2277833"/>
-            <a:ext cx="604157" cy="604156"/>
-          </a:xfrm>
-          <a:prstGeom prst="ellipse">
-            <a:avLst/>
-          </a:prstGeom>
-          <a:solidFill>
-            <a:schemeClr val="bg2">
-              <a:lumMod val="75000"/>
-            </a:schemeClr>
-          </a:solidFill>
-          <a:ln>
-            <a:noFill/>
-          </a:ln>
-        </p:spPr>
-        <p:style>
-          <a:lnRef idx="2">
-            <a:schemeClr val="accent1">
-              <a:shade val="50000"/>
-            </a:schemeClr>
-          </a:lnRef>
-          <a:fillRef idx="1">
-            <a:schemeClr val="accent1"/>
-          </a:fillRef>
-          <a:effectRef idx="0">
-            <a:schemeClr val="accent1"/>
-          </a:effectRef>
-          <a:fontRef idx="minor">
-            <a:schemeClr val="lt1"/>
-          </a:fontRef>
-        </p:style>
-        <p:txBody>
-          <a:bodyPr rtlCol="0" anchor="ctr"/>
-          <a:lstStyle/>
-          <a:p>
-            <a:pPr algn="ctr"/>
-            <a:endParaRPr lang="en-US"/>
-          </a:p>
-        </p:txBody>
-      </p:sp>
-      <p:sp>
-        <p:nvSpPr>
-          <p:cNvPr id="34" name="Oval 33">
-            <a:extLst>
-              <a:ext uri="{FF2B5EF4-FFF2-40B4-BE49-F238E27FC236}">
-                <a16:creationId xmlns:a16="http://schemas.microsoft.com/office/drawing/2014/main" id="{6F419E70-E8A3-4D0F-B3B6-B2E3C5F0599D}"/>
-              </a:ext>
-              <a:ext uri="{C183D7F6-B498-43B3-948B-1728B52AA6E4}">
-                <adec:decorative xmlns:adec="http://schemas.microsoft.com/office/drawing/2017/decorative" val="1"/>
-              </a:ext>
-            </a:extLst>
-          </p:cNvPr>
-          <p:cNvSpPr/>
-          <p:nvPr/>
-        </p:nvSpPr>
-        <p:spPr>
-          <a:xfrm>
-            <a:off x="10827518" y="2277833"/>
-            <a:ext cx="604157" cy="604156"/>
-          </a:xfrm>
-          <a:prstGeom prst="ellipse">
-            <a:avLst/>
-          </a:prstGeom>
-          <a:solidFill>
-            <a:schemeClr val="bg2">
-              <a:lumMod val="75000"/>
-            </a:schemeClr>
-          </a:solidFill>
-          <a:ln>
-            <a:noFill/>
-          </a:ln>
-        </p:spPr>
-        <p:style>
-          <a:lnRef idx="2">
-            <a:schemeClr val="accent1">
-              <a:shade val="50000"/>
-            </a:schemeClr>
-          </a:lnRef>
-          <a:fillRef idx="1">
-            <a:schemeClr val="accent1"/>
-          </a:fillRef>
-          <a:effectRef idx="0">
-            <a:schemeClr val="accent1"/>
-          </a:effectRef>
-          <a:fontRef idx="minor">
-            <a:schemeClr val="lt1"/>
-          </a:fontRef>
-        </p:style>
-        <p:txBody>
-          <a:bodyPr rtlCol="0" anchor="ctr"/>
-          <a:lstStyle/>
-          <a:p>
-            <a:pPr algn="ctr"/>
-            <a:endParaRPr lang="en-US" dirty="0"/>
-          </a:p>
-        </p:txBody>
-      </p:sp>
-      <p:sp>
-        <p:nvSpPr>
-          <p:cNvPr id="40" name="TextBox 39">
-            <a:extLst>
-              <a:ext uri="{FF2B5EF4-FFF2-40B4-BE49-F238E27FC236}">
-                <a16:creationId xmlns:a16="http://schemas.microsoft.com/office/drawing/2014/main" id="{FD1A8A05-09CF-4FED-814A-C13B5ADAD0D0}"/>
-              </a:ext>
-            </a:extLst>
-          </p:cNvPr>
-          <p:cNvSpPr txBox="1"/>
-          <p:nvPr/>
-        </p:nvSpPr>
-        <p:spPr>
-          <a:xfrm>
-            <a:off x="832935" y="2410633"/>
-            <a:ext cx="604158" cy="338554"/>
-          </a:xfrm>
-          <a:prstGeom prst="rect">
-            <a:avLst/>
-          </a:prstGeom>
-          <a:noFill/>
-        </p:spPr>
-        <p:txBody>
-          <a:bodyPr wrap="square" rtlCol="0">
-            <a:spAutoFit/>
-          </a:bodyPr>
-          <a:lstStyle/>
-          <a:p>
-            <a:pPr algn="ctr"/>
-            <a:r>
-              <a:rPr lang="en-US" sz="1600" dirty="0">
-                <a:solidFill>
-                  <a:schemeClr val="bg1"/>
-                </a:solidFill>
-                <a:latin typeface="Biome Light" panose="020B0303030204020804" pitchFamily="34" charset="0"/>
-                <a:cs typeface="Biome Light" panose="020B0303030204020804" pitchFamily="34" charset="0"/>
-              </a:rPr>
-              <a:t>Jul</a:t>
-            </a:r>
-          </a:p>
-        </p:txBody>
-      </p:sp>
-      <p:sp>
-        <p:nvSpPr>
-          <p:cNvPr id="43" name="TextBox 42">
-            <a:extLst>
-              <a:ext uri="{FF2B5EF4-FFF2-40B4-BE49-F238E27FC236}">
-                <a16:creationId xmlns:a16="http://schemas.microsoft.com/office/drawing/2014/main" id="{1D462F79-38EC-4B6D-A17B-F5010967D4B4}"/>
-              </a:ext>
-            </a:extLst>
-          </p:cNvPr>
-          <p:cNvSpPr txBox="1"/>
-          <p:nvPr/>
-        </p:nvSpPr>
-        <p:spPr>
-          <a:xfrm>
-            <a:off x="1741713" y="2410633"/>
-            <a:ext cx="604158" cy="338554"/>
-          </a:xfrm>
-          <a:prstGeom prst="rect">
-            <a:avLst/>
-          </a:prstGeom>
-          <a:noFill/>
-        </p:spPr>
-        <p:txBody>
-          <a:bodyPr wrap="square" rtlCol="0">
-            <a:spAutoFit/>
-          </a:bodyPr>
-          <a:lstStyle/>
-          <a:p>
-            <a:pPr algn="ctr"/>
-            <a:r>
-              <a:rPr lang="en-US" sz="1600" dirty="0">
-                <a:solidFill>
-                  <a:schemeClr val="bg1"/>
-                </a:solidFill>
-                <a:latin typeface="Biome Light" panose="020B0303030204020804" pitchFamily="34" charset="0"/>
-                <a:cs typeface="Biome Light" panose="020B0303030204020804" pitchFamily="34" charset="0"/>
-              </a:rPr>
-              <a:t>Aug</a:t>
-            </a:r>
-          </a:p>
-        </p:txBody>
-      </p:sp>
-      <p:sp>
-        <p:nvSpPr>
-          <p:cNvPr id="45" name="TextBox 44">
-            <a:extLst>
-              <a:ext uri="{FF2B5EF4-FFF2-40B4-BE49-F238E27FC236}">
-                <a16:creationId xmlns:a16="http://schemas.microsoft.com/office/drawing/2014/main" id="{F0040622-091C-4302-89B8-994214504947}"/>
-              </a:ext>
-            </a:extLst>
-          </p:cNvPr>
-          <p:cNvSpPr txBox="1"/>
-          <p:nvPr/>
-        </p:nvSpPr>
-        <p:spPr>
-          <a:xfrm>
-            <a:off x="2650133" y="2410633"/>
-            <a:ext cx="604158" cy="338554"/>
-          </a:xfrm>
-          <a:prstGeom prst="rect">
-            <a:avLst/>
-          </a:prstGeom>
-          <a:noFill/>
-        </p:spPr>
-        <p:txBody>
-          <a:bodyPr wrap="square" rtlCol="0">
-            <a:spAutoFit/>
-          </a:bodyPr>
-          <a:lstStyle/>
-          <a:p>
-            <a:pPr algn="ctr"/>
-            <a:r>
-              <a:rPr lang="en-US" sz="1600" dirty="0">
-                <a:solidFill>
-                  <a:schemeClr val="bg1"/>
-                </a:solidFill>
-                <a:latin typeface="Biome Light" panose="020B0303030204020804" pitchFamily="34" charset="0"/>
-                <a:cs typeface="Biome Light" panose="020B0303030204020804" pitchFamily="34" charset="0"/>
-              </a:rPr>
-              <a:t>Sep</a:t>
-            </a:r>
-          </a:p>
-        </p:txBody>
-      </p:sp>
-      <p:sp>
-        <p:nvSpPr>
-          <p:cNvPr id="47" name="TextBox 46">
-            <a:extLst>
-              <a:ext uri="{FF2B5EF4-FFF2-40B4-BE49-F238E27FC236}">
-                <a16:creationId xmlns:a16="http://schemas.microsoft.com/office/drawing/2014/main" id="{5947416C-CC20-4528-9E6B-29806BA3BA3B}"/>
-              </a:ext>
-            </a:extLst>
-          </p:cNvPr>
-          <p:cNvSpPr txBox="1"/>
-          <p:nvPr/>
-        </p:nvSpPr>
-        <p:spPr>
-          <a:xfrm>
-            <a:off x="4390864" y="2410633"/>
-            <a:ext cx="757087" cy="338554"/>
-          </a:xfrm>
-          <a:prstGeom prst="rect">
-            <a:avLst/>
-          </a:prstGeom>
-          <a:noFill/>
-        </p:spPr>
-        <p:txBody>
-          <a:bodyPr wrap="square" rtlCol="0">
-            <a:spAutoFit/>
-          </a:bodyPr>
-          <a:lstStyle/>
-          <a:p>
-            <a:pPr algn="ctr"/>
-            <a:r>
-              <a:rPr lang="en-US" sz="1600" dirty="0">
-                <a:solidFill>
-                  <a:schemeClr val="bg1"/>
-                </a:solidFill>
-                <a:latin typeface="Biome Light" panose="020B0303030204020804" pitchFamily="34" charset="0"/>
-                <a:cs typeface="Biome Light" panose="020B0303030204020804" pitchFamily="34" charset="0"/>
-              </a:rPr>
-              <a:t>Nov</a:t>
-            </a:r>
-          </a:p>
-        </p:txBody>
-      </p:sp>
-      <p:sp>
-        <p:nvSpPr>
-          <p:cNvPr id="49" name="TextBox 48">
-            <a:extLst>
-              <a:ext uri="{FF2B5EF4-FFF2-40B4-BE49-F238E27FC236}">
-                <a16:creationId xmlns:a16="http://schemas.microsoft.com/office/drawing/2014/main" id="{62B43C75-ADC1-45C4-B8A7-20F5B91BAD47}"/>
-              </a:ext>
-            </a:extLst>
-          </p:cNvPr>
-          <p:cNvSpPr txBox="1"/>
-          <p:nvPr/>
-        </p:nvSpPr>
-        <p:spPr>
-          <a:xfrm>
-            <a:off x="3574159" y="2410633"/>
-            <a:ext cx="604158" cy="338554"/>
-          </a:xfrm>
-          <a:prstGeom prst="rect">
-            <a:avLst/>
-          </a:prstGeom>
-          <a:noFill/>
-        </p:spPr>
-        <p:txBody>
-          <a:bodyPr wrap="square" rtlCol="0">
-            <a:spAutoFit/>
-          </a:bodyPr>
-          <a:lstStyle/>
-          <a:p>
-            <a:pPr algn="ctr"/>
-            <a:r>
-              <a:rPr lang="en-US" sz="1600" dirty="0">
-                <a:solidFill>
-                  <a:schemeClr val="bg1"/>
-                </a:solidFill>
-                <a:latin typeface="Biome Light" panose="020B0303030204020804" pitchFamily="34" charset="0"/>
-                <a:cs typeface="Biome Light" panose="020B0303030204020804" pitchFamily="34" charset="0"/>
-              </a:rPr>
-              <a:t>Oct</a:t>
-            </a:r>
-          </a:p>
-        </p:txBody>
-      </p:sp>
-      <p:sp>
-        <p:nvSpPr>
-          <p:cNvPr id="51" name="TextBox 50">
-            <a:extLst>
-              <a:ext uri="{FF2B5EF4-FFF2-40B4-BE49-F238E27FC236}">
-                <a16:creationId xmlns:a16="http://schemas.microsoft.com/office/drawing/2014/main" id="{0BB3AF7F-FFF7-43A1-AD4E-EC73024C5568}"/>
-              </a:ext>
-            </a:extLst>
-          </p:cNvPr>
-          <p:cNvSpPr txBox="1"/>
-          <p:nvPr/>
-        </p:nvSpPr>
-        <p:spPr>
-          <a:xfrm>
-            <a:off x="5299462" y="2410633"/>
-            <a:ext cx="757087" cy="338554"/>
-          </a:xfrm>
-          <a:prstGeom prst="rect">
-            <a:avLst/>
-          </a:prstGeom>
-          <a:noFill/>
-        </p:spPr>
-        <p:txBody>
-          <a:bodyPr wrap="square" rtlCol="0">
-            <a:spAutoFit/>
-          </a:bodyPr>
-          <a:lstStyle/>
-          <a:p>
-            <a:pPr algn="ctr"/>
-            <a:r>
-              <a:rPr lang="en-US" sz="1600" dirty="0">
-                <a:solidFill>
-                  <a:schemeClr val="bg1"/>
-                </a:solidFill>
-                <a:latin typeface="Biome Light" panose="020B0303030204020804" pitchFamily="34" charset="0"/>
-                <a:cs typeface="Biome Light" panose="020B0303030204020804" pitchFamily="34" charset="0"/>
-              </a:rPr>
-              <a:t>Dec</a:t>
-            </a:r>
-          </a:p>
-        </p:txBody>
-      </p:sp>
-      <p:sp>
-        <p:nvSpPr>
-          <p:cNvPr id="53" name="TextBox 52">
-            <a:extLst>
-              <a:ext uri="{FF2B5EF4-FFF2-40B4-BE49-F238E27FC236}">
-                <a16:creationId xmlns:a16="http://schemas.microsoft.com/office/drawing/2014/main" id="{A92DB966-25A0-4984-9B63-C732CFF22BF5}"/>
-              </a:ext>
-            </a:extLst>
-          </p:cNvPr>
-          <p:cNvSpPr txBox="1"/>
-          <p:nvPr/>
-        </p:nvSpPr>
-        <p:spPr>
-          <a:xfrm>
-            <a:off x="6208060" y="2410633"/>
-            <a:ext cx="757087" cy="338554"/>
-          </a:xfrm>
-          <a:prstGeom prst="rect">
-            <a:avLst/>
-          </a:prstGeom>
-          <a:noFill/>
-        </p:spPr>
-        <p:txBody>
-          <a:bodyPr wrap="square" rtlCol="0">
-            <a:spAutoFit/>
-          </a:bodyPr>
-          <a:lstStyle/>
-          <a:p>
-            <a:pPr algn="ctr"/>
-            <a:r>
-              <a:rPr lang="en-US" sz="1600" dirty="0">
-                <a:solidFill>
-                  <a:schemeClr val="bg1"/>
-                </a:solidFill>
-                <a:latin typeface="Biome Light" panose="020B0303030204020804" pitchFamily="34" charset="0"/>
-                <a:cs typeface="Biome Light" panose="020B0303030204020804" pitchFamily="34" charset="0"/>
-              </a:rPr>
-              <a:t>Jan</a:t>
-            </a:r>
-          </a:p>
-        </p:txBody>
-      </p:sp>
-      <p:sp>
-        <p:nvSpPr>
-          <p:cNvPr id="55" name="TextBox 54">
-            <a:extLst>
-              <a:ext uri="{FF2B5EF4-FFF2-40B4-BE49-F238E27FC236}">
-                <a16:creationId xmlns:a16="http://schemas.microsoft.com/office/drawing/2014/main" id="{E1E98164-920D-4ED4-A5AA-5A7397381533}"/>
-              </a:ext>
-            </a:extLst>
-          </p:cNvPr>
-          <p:cNvSpPr txBox="1"/>
-          <p:nvPr/>
-        </p:nvSpPr>
-        <p:spPr>
-          <a:xfrm>
-            <a:off x="7116658" y="2410633"/>
-            <a:ext cx="757087" cy="338554"/>
-          </a:xfrm>
-          <a:prstGeom prst="rect">
-            <a:avLst/>
-          </a:prstGeom>
-          <a:noFill/>
-        </p:spPr>
-        <p:txBody>
-          <a:bodyPr wrap="square" rtlCol="0">
-            <a:spAutoFit/>
-          </a:bodyPr>
-          <a:lstStyle/>
-          <a:p>
-            <a:pPr algn="ctr"/>
-            <a:r>
-              <a:rPr lang="en-US" sz="1600" dirty="0">
-                <a:solidFill>
-                  <a:schemeClr val="bg1"/>
-                </a:solidFill>
-                <a:latin typeface="Biome Light" panose="020B0303030204020804" pitchFamily="34" charset="0"/>
-                <a:cs typeface="Biome Light" panose="020B0303030204020804" pitchFamily="34" charset="0"/>
-              </a:rPr>
-              <a:t>Feb</a:t>
-            </a:r>
-          </a:p>
-        </p:txBody>
-      </p:sp>
-      <p:sp>
-        <p:nvSpPr>
-          <p:cNvPr id="57" name="TextBox 56">
-            <a:extLst>
-              <a:ext uri="{FF2B5EF4-FFF2-40B4-BE49-F238E27FC236}">
-                <a16:creationId xmlns:a16="http://schemas.microsoft.com/office/drawing/2014/main" id="{B55204BF-7B89-48BE-B911-AB38665495CE}"/>
-              </a:ext>
-            </a:extLst>
-          </p:cNvPr>
-          <p:cNvSpPr txBox="1"/>
-          <p:nvPr/>
-        </p:nvSpPr>
-        <p:spPr>
-          <a:xfrm>
-            <a:off x="8025256" y="2410633"/>
-            <a:ext cx="757087" cy="338554"/>
-          </a:xfrm>
-          <a:prstGeom prst="rect">
-            <a:avLst/>
-          </a:prstGeom>
-          <a:noFill/>
-        </p:spPr>
-        <p:txBody>
-          <a:bodyPr wrap="square" rtlCol="0">
-            <a:spAutoFit/>
-          </a:bodyPr>
-          <a:lstStyle/>
-          <a:p>
-            <a:pPr algn="ctr"/>
-            <a:r>
-              <a:rPr lang="en-US" sz="1600" dirty="0">
-                <a:solidFill>
-                  <a:schemeClr val="bg1"/>
-                </a:solidFill>
-                <a:latin typeface="Biome Light" panose="020B0303030204020804" pitchFamily="34" charset="0"/>
-                <a:cs typeface="Biome Light" panose="020B0303030204020804" pitchFamily="34" charset="0"/>
-              </a:rPr>
-              <a:t>Mar</a:t>
-            </a:r>
-          </a:p>
-        </p:txBody>
-      </p:sp>
-      <p:sp>
-        <p:nvSpPr>
-          <p:cNvPr id="59" name="TextBox 58">
-            <a:extLst>
-              <a:ext uri="{FF2B5EF4-FFF2-40B4-BE49-F238E27FC236}">
-                <a16:creationId xmlns:a16="http://schemas.microsoft.com/office/drawing/2014/main" id="{F4608EA6-D8A9-40C5-86D4-F6A06BB55DF0}"/>
-              </a:ext>
-            </a:extLst>
-          </p:cNvPr>
-          <p:cNvSpPr txBox="1"/>
-          <p:nvPr/>
-        </p:nvSpPr>
-        <p:spPr>
-          <a:xfrm>
-            <a:off x="8933854" y="2410633"/>
-            <a:ext cx="757087" cy="338554"/>
-          </a:xfrm>
-          <a:prstGeom prst="rect">
-            <a:avLst/>
-          </a:prstGeom>
-          <a:noFill/>
-        </p:spPr>
-        <p:txBody>
-          <a:bodyPr wrap="square" rtlCol="0">
-            <a:spAutoFit/>
-          </a:bodyPr>
-          <a:lstStyle/>
-          <a:p>
-            <a:pPr algn="ctr"/>
-            <a:r>
-              <a:rPr lang="en-US" sz="1600" dirty="0">
-                <a:solidFill>
-                  <a:schemeClr val="bg1"/>
-                </a:solidFill>
-                <a:latin typeface="Biome Light" panose="020B0303030204020804" pitchFamily="34" charset="0"/>
-                <a:cs typeface="Biome Light" panose="020B0303030204020804" pitchFamily="34" charset="0"/>
-              </a:rPr>
-              <a:t>Apr</a:t>
-            </a:r>
-          </a:p>
-        </p:txBody>
-      </p:sp>
-      <p:sp>
-        <p:nvSpPr>
-          <p:cNvPr id="61" name="TextBox 60">
-            <a:extLst>
-              <a:ext uri="{FF2B5EF4-FFF2-40B4-BE49-F238E27FC236}">
-                <a16:creationId xmlns:a16="http://schemas.microsoft.com/office/drawing/2014/main" id="{AE4EBEE0-F0BD-4B44-A294-BA11560FEC18}"/>
-              </a:ext>
-            </a:extLst>
-          </p:cNvPr>
-          <p:cNvSpPr txBox="1"/>
-          <p:nvPr/>
-        </p:nvSpPr>
-        <p:spPr>
-          <a:xfrm>
-            <a:off x="9842452" y="2410633"/>
-            <a:ext cx="757087" cy="338554"/>
-          </a:xfrm>
-          <a:prstGeom prst="rect">
-            <a:avLst/>
-          </a:prstGeom>
-          <a:noFill/>
-        </p:spPr>
-        <p:txBody>
-          <a:bodyPr wrap="square" rtlCol="0">
-            <a:spAutoFit/>
-          </a:bodyPr>
-          <a:lstStyle/>
-          <a:p>
-            <a:pPr algn="ctr"/>
-            <a:r>
-              <a:rPr lang="en-US" sz="1600" dirty="0">
-                <a:solidFill>
-                  <a:schemeClr val="bg1"/>
-                </a:solidFill>
-                <a:latin typeface="Biome Light" panose="020B0303030204020804" pitchFamily="34" charset="0"/>
-                <a:cs typeface="Biome Light" panose="020B0303030204020804" pitchFamily="34" charset="0"/>
-              </a:rPr>
-              <a:t>May</a:t>
-            </a:r>
-          </a:p>
-        </p:txBody>
-      </p:sp>
-      <p:sp>
-        <p:nvSpPr>
-          <p:cNvPr id="63" name="TextBox 62">
-            <a:extLst>
-              <a:ext uri="{FF2B5EF4-FFF2-40B4-BE49-F238E27FC236}">
-                <a16:creationId xmlns:a16="http://schemas.microsoft.com/office/drawing/2014/main" id="{1850852B-B5D2-43AC-8631-C907E6A781C8}"/>
-              </a:ext>
-            </a:extLst>
-          </p:cNvPr>
-          <p:cNvSpPr txBox="1"/>
-          <p:nvPr/>
-        </p:nvSpPr>
-        <p:spPr>
-          <a:xfrm>
-            <a:off x="10751050" y="2410633"/>
-            <a:ext cx="757087" cy="338554"/>
-          </a:xfrm>
-          <a:prstGeom prst="rect">
-            <a:avLst/>
-          </a:prstGeom>
-          <a:noFill/>
-        </p:spPr>
-        <p:txBody>
-          <a:bodyPr wrap="square" rtlCol="0">
-            <a:spAutoFit/>
-          </a:bodyPr>
-          <a:lstStyle/>
-          <a:p>
-            <a:pPr algn="ctr"/>
-            <a:r>
-              <a:rPr lang="en-US" sz="1600" dirty="0">
-                <a:solidFill>
-                  <a:schemeClr val="bg1"/>
-                </a:solidFill>
-                <a:latin typeface="Biome Light" panose="020B0303030204020804" pitchFamily="34" charset="0"/>
-                <a:cs typeface="Biome Light" panose="020B0303030204020804" pitchFamily="34" charset="0"/>
-              </a:rPr>
-              <a:t>Jun</a:t>
-            </a:r>
-          </a:p>
-        </p:txBody>
-      </p:sp>
-      <p:sp>
-        <p:nvSpPr>
-          <p:cNvPr id="105" name="TextBox 104">
-            <a:extLst>
-              <a:ext uri="{FF2B5EF4-FFF2-40B4-BE49-F238E27FC236}">
-                <a16:creationId xmlns:a16="http://schemas.microsoft.com/office/drawing/2014/main" id="{CC54D7B6-3713-48BB-9DDB-12D73AFA8E99}"/>
-              </a:ext>
-            </a:extLst>
-          </p:cNvPr>
-          <p:cNvSpPr txBox="1"/>
-          <p:nvPr/>
-        </p:nvSpPr>
-        <p:spPr>
-          <a:xfrm>
-            <a:off x="472986" y="3679886"/>
-            <a:ext cx="2468880" cy="1037592"/>
-          </a:xfrm>
-          <a:prstGeom prst="rect">
-            <a:avLst/>
-          </a:prstGeom>
-          <a:noFill/>
-        </p:spPr>
-        <p:txBody>
-          <a:bodyPr wrap="square" rIns="0" rtlCol="0">
-            <a:spAutoFit/>
-          </a:bodyPr>
-          <a:lstStyle/>
-          <a:p>
-            <a:pPr algn="r"/>
-            <a:r>
-              <a:rPr lang="en-US" dirty="0">
-                <a:solidFill>
-                  <a:schemeClr val="accent2">
-                    <a:lumMod val="50000"/>
-                  </a:schemeClr>
-                </a:solidFill>
-                <a:cs typeface="Biome Light" panose="020B0303030204020804" pitchFamily="34" charset="0"/>
-              </a:rPr>
-              <a:t>Product launch</a:t>
-            </a:r>
-          </a:p>
-          <a:p>
-            <a:pPr algn="r">
-              <a:lnSpc>
-                <a:spcPct val="150000"/>
-              </a:lnSpc>
-            </a:pPr>
-            <a:r>
-              <a:rPr lang="en-US" sz="1000" b="0" i="0" u="none" strike="noStrike" dirty="0">
-                <a:solidFill>
-                  <a:schemeClr val="accent2">
-                    <a:lumMod val="50000"/>
-                  </a:schemeClr>
-                </a:solidFill>
-                <a:effectLst/>
-                <a:cs typeface="Biome Light" panose="020B0303030204020804" pitchFamily="34" charset="0"/>
-              </a:rPr>
-              <a:t>Lorem ipsum dolor sit amet, consectetur adipiscing elit. Mauris vitae lorem id leo accumsan.</a:t>
-            </a:r>
-            <a:endParaRPr lang="en-US" sz="1000" dirty="0">
-              <a:solidFill>
-                <a:schemeClr val="accent2">
-                  <a:lumMod val="50000"/>
-                </a:schemeClr>
-              </a:solidFill>
-              <a:cs typeface="Biome Light" panose="020B0303030204020804" pitchFamily="34" charset="0"/>
-            </a:endParaRPr>
-          </a:p>
-        </p:txBody>
-      </p:sp>
-      <p:sp>
-        <p:nvSpPr>
-          <p:cNvPr id="107" name="TextBox 106">
-            <a:extLst>
-              <a:ext uri="{FF2B5EF4-FFF2-40B4-BE49-F238E27FC236}">
-                <a16:creationId xmlns:a16="http://schemas.microsoft.com/office/drawing/2014/main" id="{43C3E76C-2256-4F05-B7C3-0DFF370582FE}"/>
-              </a:ext>
-            </a:extLst>
-          </p:cNvPr>
-          <p:cNvSpPr txBox="1"/>
-          <p:nvPr/>
-        </p:nvSpPr>
-        <p:spPr>
-          <a:xfrm>
-            <a:off x="3209125" y="5337099"/>
-            <a:ext cx="2468880" cy="1037592"/>
-          </a:xfrm>
-          <a:prstGeom prst="rect">
-            <a:avLst/>
-          </a:prstGeom>
-          <a:noFill/>
-        </p:spPr>
-        <p:txBody>
-          <a:bodyPr wrap="square" rIns="0" rtlCol="0">
-            <a:spAutoFit/>
-          </a:bodyPr>
-          <a:lstStyle/>
-          <a:p>
-            <a:pPr algn="r"/>
-            <a:r>
-              <a:rPr lang="en-US" dirty="0">
-                <a:solidFill>
-                  <a:schemeClr val="accent2">
-                    <a:lumMod val="50000"/>
-                  </a:schemeClr>
-                </a:solidFill>
-                <a:cs typeface="Biome Light" panose="020B0303030204020804" pitchFamily="34" charset="0"/>
-              </a:rPr>
-              <a:t>Product launch</a:t>
-            </a:r>
-          </a:p>
-          <a:p>
-            <a:pPr algn="r">
-              <a:lnSpc>
-                <a:spcPct val="150000"/>
-              </a:lnSpc>
-            </a:pPr>
-            <a:r>
-              <a:rPr lang="en-US" sz="1000" b="0" i="0" u="none" strike="noStrike" dirty="0">
-                <a:solidFill>
-                  <a:schemeClr val="accent2">
-                    <a:lumMod val="50000"/>
-                  </a:schemeClr>
-                </a:solidFill>
-                <a:effectLst/>
-                <a:cs typeface="Biome Light" panose="020B0303030204020804" pitchFamily="34" charset="0"/>
-              </a:rPr>
-              <a:t>Lorem ipsum dolor sit amet, consectetur adipiscing elit. Mauris vitae lorem id leo accumsan.</a:t>
-            </a:r>
-            <a:endParaRPr lang="en-US" sz="1000" dirty="0">
-              <a:solidFill>
-                <a:schemeClr val="accent2">
-                  <a:lumMod val="50000"/>
-                </a:schemeClr>
-              </a:solidFill>
-              <a:cs typeface="Biome Light" panose="020B0303030204020804" pitchFamily="34" charset="0"/>
-            </a:endParaRPr>
-          </a:p>
-        </p:txBody>
-      </p:sp>
-      <p:sp>
-        <p:nvSpPr>
-          <p:cNvPr id="109" name="TextBox 108">
-            <a:extLst>
-              <a:ext uri="{FF2B5EF4-FFF2-40B4-BE49-F238E27FC236}">
-                <a16:creationId xmlns:a16="http://schemas.microsoft.com/office/drawing/2014/main" id="{27DF1E14-A144-47F8-A8C2-C2DB76FEE3E7}"/>
-              </a:ext>
-            </a:extLst>
-          </p:cNvPr>
-          <p:cNvSpPr txBox="1"/>
-          <p:nvPr/>
-        </p:nvSpPr>
-        <p:spPr>
-          <a:xfrm>
-            <a:off x="5934919" y="3684742"/>
-            <a:ext cx="2468880" cy="1037592"/>
-          </a:xfrm>
-          <a:prstGeom prst="rect">
-            <a:avLst/>
-          </a:prstGeom>
-          <a:noFill/>
-        </p:spPr>
-        <p:txBody>
-          <a:bodyPr wrap="square" rIns="0" rtlCol="0">
-            <a:spAutoFit/>
-          </a:bodyPr>
-          <a:lstStyle/>
-          <a:p>
-            <a:pPr algn="r"/>
-            <a:r>
-              <a:rPr lang="en-US" dirty="0">
-                <a:solidFill>
-                  <a:schemeClr val="accent2">
-                    <a:lumMod val="50000"/>
-                  </a:schemeClr>
-                </a:solidFill>
-                <a:cs typeface="Biome Light" panose="020B0303030204020804" pitchFamily="34" charset="0"/>
-              </a:rPr>
-              <a:t>Product launch</a:t>
-            </a:r>
-          </a:p>
-          <a:p>
-            <a:pPr algn="r">
-              <a:lnSpc>
-                <a:spcPct val="150000"/>
-              </a:lnSpc>
-            </a:pPr>
-            <a:r>
-              <a:rPr lang="en-US" sz="1000" b="0" i="0" u="none" strike="noStrike" dirty="0">
-                <a:solidFill>
-                  <a:schemeClr val="accent2">
-                    <a:lumMod val="50000"/>
-                  </a:schemeClr>
-                </a:solidFill>
-                <a:effectLst/>
-                <a:cs typeface="Biome Light" panose="020B0303030204020804" pitchFamily="34" charset="0"/>
-              </a:rPr>
-              <a:t>Lorem ipsum dolor sit amet, consectetur adipiscing elit. Mauris vitae lorem id leo accumsan.</a:t>
-            </a:r>
-            <a:endParaRPr lang="en-US" sz="1000" dirty="0">
-              <a:solidFill>
-                <a:schemeClr val="accent2">
-                  <a:lumMod val="50000"/>
-                </a:schemeClr>
-              </a:solidFill>
-              <a:cs typeface="Biome Light" panose="020B0303030204020804" pitchFamily="34" charset="0"/>
-            </a:endParaRPr>
-          </a:p>
-        </p:txBody>
-      </p:sp>
-      <p:sp>
-        <p:nvSpPr>
-          <p:cNvPr id="111" name="TextBox 110">
-            <a:extLst>
-              <a:ext uri="{FF2B5EF4-FFF2-40B4-BE49-F238E27FC236}">
-                <a16:creationId xmlns:a16="http://schemas.microsoft.com/office/drawing/2014/main" id="{5B72532C-25BA-4593-9A4A-521BC652C2BC}"/>
-              </a:ext>
-            </a:extLst>
-          </p:cNvPr>
-          <p:cNvSpPr txBox="1"/>
-          <p:nvPr/>
-        </p:nvSpPr>
-        <p:spPr>
-          <a:xfrm>
-            <a:off x="8660713" y="5341955"/>
-            <a:ext cx="2468880" cy="1037592"/>
-          </a:xfrm>
-          <a:prstGeom prst="rect">
-            <a:avLst/>
-          </a:prstGeom>
-          <a:noFill/>
-        </p:spPr>
-        <p:txBody>
-          <a:bodyPr wrap="square" rIns="0" rtlCol="0">
-            <a:spAutoFit/>
-          </a:bodyPr>
-          <a:lstStyle/>
-          <a:p>
-            <a:pPr algn="r"/>
-            <a:r>
-              <a:rPr lang="en-US" dirty="0">
-                <a:solidFill>
-                  <a:schemeClr val="accent2">
-                    <a:lumMod val="50000"/>
-                  </a:schemeClr>
-                </a:solidFill>
-                <a:cs typeface="Biome Light" panose="020B0303030204020804" pitchFamily="34" charset="0"/>
-              </a:rPr>
-              <a:t>Product launch</a:t>
-            </a:r>
-          </a:p>
-          <a:p>
-            <a:pPr algn="r">
-              <a:lnSpc>
-                <a:spcPct val="150000"/>
-              </a:lnSpc>
-            </a:pPr>
-            <a:r>
-              <a:rPr lang="en-US" sz="1000" b="0" i="0" u="none" strike="noStrike" dirty="0">
-                <a:solidFill>
-                  <a:schemeClr val="accent2">
-                    <a:lumMod val="50000"/>
-                  </a:schemeClr>
-                </a:solidFill>
-                <a:effectLst/>
-                <a:cs typeface="Biome Light" panose="020B0303030204020804" pitchFamily="34" charset="0"/>
-              </a:rPr>
-              <a:t>Lorem ipsum dolor sit amet, consectetur adipiscing elit. Mauris vitae lorem id leo accumsan.</a:t>
-            </a:r>
-            <a:endParaRPr lang="en-US" sz="1000" dirty="0">
-              <a:solidFill>
-                <a:schemeClr val="accent2">
-                  <a:lumMod val="50000"/>
-                </a:schemeClr>
-              </a:solidFill>
-              <a:cs typeface="Biome Light" panose="020B0303030204020804" pitchFamily="34" charset="0"/>
-            </a:endParaRPr>
-          </a:p>
-        </p:txBody>
-      </p:sp>
-      <p:sp>
-        <p:nvSpPr>
-          <p:cNvPr id="128" name="Title 1">
-            <a:extLst>
-              <a:ext uri="{FF2B5EF4-FFF2-40B4-BE49-F238E27FC236}">
-                <a16:creationId xmlns:a16="http://schemas.microsoft.com/office/drawing/2014/main" id="{B9FF2D19-E789-4622-8C93-442F36075B59}"/>
-              </a:ext>
-            </a:extLst>
-          </p:cNvPr>
-          <p:cNvSpPr txBox="1">
-            <a:spLocks/>
-          </p:cNvSpPr>
-          <p:nvPr/>
-        </p:nvSpPr>
-        <p:spPr>
-          <a:xfrm>
-            <a:off x="832936" y="1709111"/>
-            <a:ext cx="604158" cy="501182"/>
-          </a:xfrm>
-          <a:prstGeom prst="rect">
-            <a:avLst/>
-          </a:prstGeom>
-        </p:spPr>
-        <p:txBody>
-          <a:bodyPr vert="horz" lIns="91440" tIns="45720" rIns="91440" bIns="45720" rtlCol="0" anchor="ctr">
-            <a:normAutofit/>
-          </a:bodyPr>
-          <a:lstStyle>
-            <a:lvl1pPr algn="l" defTabSz="914400" rtl="0" eaLnBrk="1" latinLnBrk="0" hangingPunct="1">
-              <a:lnSpc>
-                <a:spcPct val="90000"/>
-              </a:lnSpc>
-              <a:spcBef>
-                <a:spcPct val="0"/>
-              </a:spcBef>
-              <a:buNone/>
-              <a:defRPr sz="4400" kern="1200">
-                <a:solidFill>
-                  <a:schemeClr val="tx1"/>
-                </a:solidFill>
-                <a:latin typeface="+mj-lt"/>
-                <a:ea typeface="+mj-ea"/>
-                <a:cs typeface="+mj-cs"/>
-              </a:defRPr>
-            </a:lvl1pPr>
-          </a:lstStyle>
-          <a:p>
-            <a:pPr algn="ctr"/>
-            <a:r>
-              <a:rPr lang="en-US" sz="2400" dirty="0">
-                <a:solidFill>
-                  <a:schemeClr val="tx2">
-                    <a:lumMod val="75000"/>
-                  </a:schemeClr>
-                </a:solidFill>
-                <a:cs typeface="Biome Light" panose="020B0303030204020804" pitchFamily="34" charset="0"/>
-              </a:rPr>
-              <a:t>Q1</a:t>
-            </a:r>
-          </a:p>
-        </p:txBody>
-      </p:sp>
-      <p:sp>
-        <p:nvSpPr>
-          <p:cNvPr id="130" name="Title 1">
-            <a:extLst>
-              <a:ext uri="{FF2B5EF4-FFF2-40B4-BE49-F238E27FC236}">
-                <a16:creationId xmlns:a16="http://schemas.microsoft.com/office/drawing/2014/main" id="{F06F1B9E-833C-4A81-9647-F6FB852D5F0B}"/>
-              </a:ext>
-            </a:extLst>
-          </p:cNvPr>
-          <p:cNvSpPr txBox="1">
-            <a:spLocks/>
-          </p:cNvSpPr>
-          <p:nvPr/>
-        </p:nvSpPr>
-        <p:spPr>
-          <a:xfrm>
-            <a:off x="3558732" y="1709111"/>
-            <a:ext cx="604157" cy="501182"/>
-          </a:xfrm>
-          <a:prstGeom prst="rect">
-            <a:avLst/>
-          </a:prstGeom>
-        </p:spPr>
-        <p:txBody>
-          <a:bodyPr vert="horz" lIns="91440" tIns="45720" rIns="91440" bIns="45720" rtlCol="0" anchor="ctr">
-            <a:normAutofit/>
-          </a:bodyPr>
-          <a:lstStyle>
-            <a:lvl1pPr algn="l" defTabSz="914400" rtl="0" eaLnBrk="1" latinLnBrk="0" hangingPunct="1">
-              <a:lnSpc>
-                <a:spcPct val="90000"/>
-              </a:lnSpc>
-              <a:spcBef>
-                <a:spcPct val="0"/>
-              </a:spcBef>
-              <a:buNone/>
-              <a:defRPr sz="4400" kern="1200">
-                <a:solidFill>
-                  <a:schemeClr val="tx1"/>
-                </a:solidFill>
-                <a:latin typeface="+mj-lt"/>
-                <a:ea typeface="+mj-ea"/>
-                <a:cs typeface="+mj-cs"/>
-              </a:defRPr>
-            </a:lvl1pPr>
-          </a:lstStyle>
-          <a:p>
-            <a:pPr algn="ctr"/>
-            <a:r>
-              <a:rPr lang="en-US" sz="2400" dirty="0">
-                <a:solidFill>
-                  <a:srgbClr val="AA9D92"/>
-                </a:solidFill>
-                <a:cs typeface="Biome Light" panose="020B0303030204020804" pitchFamily="34" charset="0"/>
-              </a:rPr>
-              <a:t>Q2</a:t>
-            </a:r>
-          </a:p>
-        </p:txBody>
-      </p:sp>
-      <p:sp>
-        <p:nvSpPr>
-          <p:cNvPr id="132" name="Title 1">
-            <a:extLst>
-              <a:ext uri="{FF2B5EF4-FFF2-40B4-BE49-F238E27FC236}">
-                <a16:creationId xmlns:a16="http://schemas.microsoft.com/office/drawing/2014/main" id="{6D8B9F4E-BB0E-4EA0-8D17-2285623C4321}"/>
-              </a:ext>
-            </a:extLst>
-          </p:cNvPr>
-          <p:cNvSpPr txBox="1">
-            <a:spLocks/>
-          </p:cNvSpPr>
-          <p:nvPr/>
-        </p:nvSpPr>
-        <p:spPr>
-          <a:xfrm>
-            <a:off x="6299952" y="1709111"/>
-            <a:ext cx="588731" cy="501182"/>
-          </a:xfrm>
-          <a:prstGeom prst="rect">
-            <a:avLst/>
-          </a:prstGeom>
-        </p:spPr>
-        <p:txBody>
-          <a:bodyPr vert="horz" lIns="91440" tIns="45720" rIns="91440" bIns="45720" rtlCol="0" anchor="ctr">
-            <a:normAutofit fontScale="92500"/>
-          </a:bodyPr>
-          <a:lstStyle>
-            <a:lvl1pPr algn="l" defTabSz="914400" rtl="0" eaLnBrk="1" latinLnBrk="0" hangingPunct="1">
-              <a:lnSpc>
-                <a:spcPct val="90000"/>
-              </a:lnSpc>
-              <a:spcBef>
-                <a:spcPct val="0"/>
-              </a:spcBef>
-              <a:buNone/>
-              <a:defRPr sz="4400" kern="1200">
-                <a:solidFill>
-                  <a:schemeClr val="tx1"/>
-                </a:solidFill>
-                <a:latin typeface="+mj-lt"/>
-                <a:ea typeface="+mj-ea"/>
-                <a:cs typeface="+mj-cs"/>
-              </a:defRPr>
-            </a:lvl1pPr>
-          </a:lstStyle>
-          <a:p>
-            <a:pPr algn="ctr"/>
-            <a:r>
-              <a:rPr lang="en-US" sz="2400" dirty="0">
-                <a:solidFill>
-                  <a:schemeClr val="bg1">
-                    <a:lumMod val="65000"/>
-                  </a:schemeClr>
-                </a:solidFill>
-                <a:cs typeface="Biome Light" panose="020B0303030204020804" pitchFamily="34" charset="0"/>
-              </a:rPr>
-              <a:t>Q3</a:t>
-            </a:r>
-          </a:p>
-        </p:txBody>
-      </p:sp>
-      <p:sp>
-        <p:nvSpPr>
-          <p:cNvPr id="134" name="Title 1">
-            <a:extLst>
-              <a:ext uri="{FF2B5EF4-FFF2-40B4-BE49-F238E27FC236}">
-                <a16:creationId xmlns:a16="http://schemas.microsoft.com/office/drawing/2014/main" id="{CC09C7BA-2451-49E9-9E79-6E08651BED50}"/>
-              </a:ext>
-            </a:extLst>
-          </p:cNvPr>
-          <p:cNvSpPr txBox="1">
-            <a:spLocks/>
-          </p:cNvSpPr>
-          <p:nvPr/>
-        </p:nvSpPr>
-        <p:spPr>
-          <a:xfrm>
-            <a:off x="9010320" y="1709111"/>
-            <a:ext cx="604157" cy="501182"/>
-          </a:xfrm>
-          <a:prstGeom prst="rect">
-            <a:avLst/>
-          </a:prstGeom>
-        </p:spPr>
-        <p:txBody>
-          <a:bodyPr vert="horz" lIns="91440" tIns="45720" rIns="91440" bIns="45720" rtlCol="0" anchor="ctr">
-            <a:normAutofit/>
-          </a:bodyPr>
-          <a:lstStyle>
-            <a:lvl1pPr algn="l" defTabSz="914400" rtl="0" eaLnBrk="1" latinLnBrk="0" hangingPunct="1">
-              <a:lnSpc>
-                <a:spcPct val="90000"/>
-              </a:lnSpc>
-              <a:spcBef>
-                <a:spcPct val="0"/>
-              </a:spcBef>
-              <a:buNone/>
-              <a:defRPr sz="4400" kern="1200">
-                <a:solidFill>
-                  <a:schemeClr val="tx1"/>
-                </a:solidFill>
-                <a:latin typeface="+mj-lt"/>
-                <a:ea typeface="+mj-ea"/>
-                <a:cs typeface="+mj-cs"/>
-              </a:defRPr>
-            </a:lvl1pPr>
-          </a:lstStyle>
-          <a:p>
-            <a:pPr algn="ctr"/>
-            <a:r>
-              <a:rPr lang="en-US" sz="2400" dirty="0">
-                <a:solidFill>
-                  <a:srgbClr val="BEB9AA"/>
-                </a:solidFill>
-                <a:cs typeface="Biome Light" panose="020B0303030204020804" pitchFamily="34" charset="0"/>
-              </a:rPr>
-              <a:t>Q4</a:t>
-            </a:r>
-          </a:p>
-        </p:txBody>
-      </p:sp>
-      <p:sp>
-        <p:nvSpPr>
-          <p:cNvPr id="141" name="Date Placeholder 140">
-            <a:extLst>
-              <a:ext uri="{FF2B5EF4-FFF2-40B4-BE49-F238E27FC236}">
-                <a16:creationId xmlns:a16="http://schemas.microsoft.com/office/drawing/2014/main" id="{3E96791E-3AF0-4956-AFA7-A8A89E8EB15E}"/>
-              </a:ext>
-            </a:extLst>
-          </p:cNvPr>
-          <p:cNvSpPr>
-            <a:spLocks noGrp="1"/>
-          </p:cNvSpPr>
-          <p:nvPr>
-            <p:ph type="dt" sz="half" idx="2"/>
-          </p:nvPr>
-        </p:nvSpPr>
-        <p:spPr/>
-        <p:txBody>
-          <a:bodyPr/>
-          <a:lstStyle/>
-          <a:p>
-            <a:fld id="{4871AD0A-72DC-49A1-AA89-5509B2193035}" type="datetime1">
-              <a:rPr lang="en-US" smtClean="0"/>
-              <a:t>10-Nov-22</a:t>
-            </a:fld>
-            <a:endParaRPr lang="en-US" dirty="0"/>
-          </a:p>
-        </p:txBody>
-      </p:sp>
-      <p:sp>
-        <p:nvSpPr>
-          <p:cNvPr id="142" name="Slide Number Placeholder 141">
-            <a:extLst>
-              <a:ext uri="{FF2B5EF4-FFF2-40B4-BE49-F238E27FC236}">
-                <a16:creationId xmlns:a16="http://schemas.microsoft.com/office/drawing/2014/main" id="{9FD033B5-99FB-4B26-BF74-3DA89EEE7C67}"/>
-              </a:ext>
-            </a:extLst>
-          </p:cNvPr>
-          <p:cNvSpPr>
-            <a:spLocks noGrp="1"/>
-          </p:cNvSpPr>
-          <p:nvPr>
-            <p:ph type="sldNum" sz="quarter" idx="4"/>
-          </p:nvPr>
-        </p:nvSpPr>
-        <p:spPr/>
-        <p:txBody>
-          <a:bodyPr/>
-          <a:lstStyle/>
-          <a:p>
-            <a:fld id="{294A09A9-5501-47C1-A89A-A340965A2BE2}" type="slidenum">
-              <a:rPr lang="en-US" smtClean="0"/>
-              <a:pPr/>
-              <a:t>18</a:t>
-            </a:fld>
-            <a:endParaRPr lang="en-US" dirty="0"/>
-          </a:p>
-        </p:txBody>
-      </p:sp>
-    </p:spTree>
-    <p:extLst>
-      <p:ext uri="{BB962C8B-B14F-4D97-AF65-F5344CB8AC3E}">
-        <p14:creationId xmlns:p14="http://schemas.microsoft.com/office/powerpoint/2010/main" val="700209266"/>
       </p:ext>
     </p:extLst>
   </p:cSld>
@@ -13893,10 +12076,10 @@
       </p:grpSpPr>
       <p:sp>
         <p:nvSpPr>
-          <p:cNvPr id="8" name="Title 7">
-            <a:extLst>
-              <a:ext uri="{FF2B5EF4-FFF2-40B4-BE49-F238E27FC236}">
-                <a16:creationId xmlns:a16="http://schemas.microsoft.com/office/drawing/2014/main" id="{E19BF1C0-EE32-4EEE-9539-CE8473AA2F38}"/>
+          <p:cNvPr id="2" name="Title 1">
+            <a:extLst>
+              <a:ext uri="{FF2B5EF4-FFF2-40B4-BE49-F238E27FC236}">
+                <a16:creationId xmlns:a16="http://schemas.microsoft.com/office/drawing/2014/main" id="{DD0B6389-2374-4677-B8BB-59410CCC32FD}"/>
               </a:ext>
             </a:extLst>
           </p:cNvPr>
@@ -13907,86 +12090,1500 @@
             <p:ph type="title"/>
           </p:nvPr>
         </p:nvSpPr>
-        <p:spPr/>
+        <p:spPr>
+          <a:xfrm>
+            <a:off x="838200" y="136556"/>
+            <a:ext cx="10515600" cy="1325563"/>
+          </a:xfrm>
+        </p:spPr>
         <p:txBody>
           <a:bodyPr/>
           <a:lstStyle/>
           <a:p>
-            <a:r>
-              <a:rPr lang="en-US" dirty="0"/>
-              <a:t>Goals for Q1</a:t>
-            </a:r>
-          </a:p>
-        </p:txBody>
-      </p:sp>
-      <p:pic>
-        <p:nvPicPr>
-          <p:cNvPr id="20" name="Picture Placeholder 19" descr="yellow flowers&#10;">
-            <a:extLst>
-              <a:ext uri="{FF2B5EF4-FFF2-40B4-BE49-F238E27FC236}">
-                <a16:creationId xmlns:a16="http://schemas.microsoft.com/office/drawing/2014/main" id="{1612D3C6-D0D2-4983-8DA7-E3A3B7303339}"/>
-              </a:ext>
-            </a:extLst>
-          </p:cNvPr>
-          <p:cNvPicPr>
-            <a:picLocks noGrp="1" noChangeAspect="1"/>
-          </p:cNvPicPr>
-          <p:nvPr>
-            <p:ph type="pic" sz="quarter" idx="10"/>
-          </p:nvPr>
-        </p:nvPicPr>
-        <p:blipFill rotWithShape="1">
-          <a:blip r:embed="rId2">
-            <a:extLst>
-              <a:ext uri="{28A0092B-C50C-407E-A947-70E740481C1C}">
-                <a14:useLocalDpi xmlns:a14="http://schemas.microsoft.com/office/drawing/2010/main" val="0"/>
-              </a:ext>
-            </a:extLst>
-          </a:blip>
-          <a:srcRect/>
-          <a:stretch/>
-        </p:blipFill>
+            <a:pPr algn="ctr"/>
+            <a:r>
+              <a:rPr lang="en-US" dirty="0">
+                <a:solidFill>
+                  <a:schemeClr val="accent2">
+                    <a:lumMod val="50000"/>
+                  </a:schemeClr>
+                </a:solidFill>
+                <a:cs typeface="Biome Light" panose="020B0303030204020804" pitchFamily="34" charset="0"/>
+              </a:rPr>
+              <a:t>Monthly</a:t>
+            </a:r>
+            <a:r>
+              <a:rPr lang="en-US" dirty="0">
+                <a:solidFill>
+                  <a:schemeClr val="accent2">
+                    <a:lumMod val="50000"/>
+                  </a:schemeClr>
+                </a:solidFill>
+                <a:latin typeface="Biome Light" panose="020B0303030204020804" pitchFamily="34" charset="0"/>
+                <a:cs typeface="Biome Light" panose="020B0303030204020804" pitchFamily="34" charset="0"/>
+              </a:rPr>
+              <a:t> timeline</a:t>
+            </a:r>
+          </a:p>
+        </p:txBody>
+      </p:sp>
+      <p:cxnSp>
+        <p:nvCxnSpPr>
+          <p:cNvPr id="70" name="Straight Connector 69">
+            <a:extLst>
+              <a:ext uri="{FF2B5EF4-FFF2-40B4-BE49-F238E27FC236}">
+                <a16:creationId xmlns:a16="http://schemas.microsoft.com/office/drawing/2014/main" id="{F70C08F9-9A5C-43CF-9AAC-621536803BA0}"/>
+              </a:ext>
+              <a:ext uri="{C183D7F6-B498-43B3-948B-1728B52AA6E4}">
+                <adec:decorative xmlns:adec="http://schemas.microsoft.com/office/drawing/2017/decorative" val="1"/>
+              </a:ext>
+            </a:extLst>
+          </p:cNvPr>
+          <p:cNvCxnSpPr>
+            <a:cxnSpLocks/>
+          </p:cNvCxnSpPr>
+          <p:nvPr/>
+        </p:nvCxnSpPr>
         <p:spPr>
           <a:xfrm>
-            <a:off x="1028700" y="3543300"/>
-            <a:ext cx="3924300" cy="3314700"/>
+            <a:off x="2941866" y="2592967"/>
+            <a:ext cx="0" cy="1005840"/>
           </a:xfrm>
+          <a:prstGeom prst="line">
+            <a:avLst/>
+          </a:prstGeom>
+        </p:spPr>
+        <p:style>
+          <a:lnRef idx="1">
+            <a:schemeClr val="accent1"/>
+          </a:lnRef>
+          <a:fillRef idx="0">
+            <a:schemeClr val="accent1"/>
+          </a:fillRef>
+          <a:effectRef idx="0">
+            <a:schemeClr val="accent1"/>
+          </a:effectRef>
+          <a:fontRef idx="minor">
+            <a:schemeClr val="tx1"/>
+          </a:fontRef>
+        </p:style>
+      </p:cxnSp>
+      <p:cxnSp>
+        <p:nvCxnSpPr>
+          <p:cNvPr id="78" name="Straight Connector 77">
+            <a:extLst>
+              <a:ext uri="{FF2B5EF4-FFF2-40B4-BE49-F238E27FC236}">
+                <a16:creationId xmlns:a16="http://schemas.microsoft.com/office/drawing/2014/main" id="{ABA89E8D-ECBE-4B32-82C7-E8DD0B202C5F}"/>
+              </a:ext>
+              <a:ext uri="{C183D7F6-B498-43B3-948B-1728B52AA6E4}">
+                <adec:decorative xmlns:adec="http://schemas.microsoft.com/office/drawing/2017/decorative" val="1"/>
+              </a:ext>
+            </a:extLst>
+          </p:cNvPr>
+          <p:cNvCxnSpPr>
+            <a:cxnSpLocks/>
+          </p:cNvCxnSpPr>
+          <p:nvPr/>
+        </p:nvCxnSpPr>
+        <p:spPr>
+          <a:xfrm>
+            <a:off x="5678005" y="2592967"/>
+            <a:ext cx="0" cy="2651760"/>
+          </a:xfrm>
+          <a:prstGeom prst="line">
+            <a:avLst/>
+          </a:prstGeom>
+        </p:spPr>
+        <p:style>
+          <a:lnRef idx="1">
+            <a:schemeClr val="accent1"/>
+          </a:lnRef>
+          <a:fillRef idx="0">
+            <a:schemeClr val="accent1"/>
+          </a:fillRef>
+          <a:effectRef idx="0">
+            <a:schemeClr val="accent1"/>
+          </a:effectRef>
+          <a:fontRef idx="minor">
+            <a:schemeClr val="tx1"/>
+          </a:fontRef>
+        </p:style>
+      </p:cxnSp>
+      <p:cxnSp>
+        <p:nvCxnSpPr>
+          <p:cNvPr id="84" name="Straight Connector 83">
+            <a:extLst>
+              <a:ext uri="{FF2B5EF4-FFF2-40B4-BE49-F238E27FC236}">
+                <a16:creationId xmlns:a16="http://schemas.microsoft.com/office/drawing/2014/main" id="{C2B38730-2A0E-4853-AD2C-FC744EF527B4}"/>
+              </a:ext>
+              <a:ext uri="{C183D7F6-B498-43B3-948B-1728B52AA6E4}">
+                <adec:decorative xmlns:adec="http://schemas.microsoft.com/office/drawing/2017/decorative" val="1"/>
+              </a:ext>
+            </a:extLst>
+          </p:cNvPr>
+          <p:cNvCxnSpPr>
+            <a:cxnSpLocks/>
+          </p:cNvCxnSpPr>
+          <p:nvPr/>
+        </p:nvCxnSpPr>
+        <p:spPr>
+          <a:xfrm>
+            <a:off x="8403799" y="2592967"/>
+            <a:ext cx="0" cy="1005840"/>
+          </a:xfrm>
+          <a:prstGeom prst="line">
+            <a:avLst/>
+          </a:prstGeom>
+        </p:spPr>
+        <p:style>
+          <a:lnRef idx="1">
+            <a:schemeClr val="accent1"/>
+          </a:lnRef>
+          <a:fillRef idx="0">
+            <a:schemeClr val="accent1"/>
+          </a:fillRef>
+          <a:effectRef idx="0">
+            <a:schemeClr val="accent1"/>
+          </a:effectRef>
+          <a:fontRef idx="minor">
+            <a:schemeClr val="tx1"/>
+          </a:fontRef>
+        </p:style>
+      </p:cxnSp>
+      <p:cxnSp>
+        <p:nvCxnSpPr>
+          <p:cNvPr id="90" name="Straight Connector 89">
+            <a:extLst>
+              <a:ext uri="{FF2B5EF4-FFF2-40B4-BE49-F238E27FC236}">
+                <a16:creationId xmlns:a16="http://schemas.microsoft.com/office/drawing/2014/main" id="{98E48653-A8EB-4DE2-BFE6-A0E61D873096}"/>
+              </a:ext>
+              <a:ext uri="{C183D7F6-B498-43B3-948B-1728B52AA6E4}">
+                <adec:decorative xmlns:adec="http://schemas.microsoft.com/office/drawing/2017/decorative" val="1"/>
+              </a:ext>
+            </a:extLst>
+          </p:cNvPr>
+          <p:cNvCxnSpPr>
+            <a:cxnSpLocks/>
+          </p:cNvCxnSpPr>
+          <p:nvPr/>
+        </p:nvCxnSpPr>
+        <p:spPr>
+          <a:xfrm>
+            <a:off x="11129593" y="2592967"/>
+            <a:ext cx="0" cy="2651760"/>
+          </a:xfrm>
+          <a:prstGeom prst="line">
+            <a:avLst/>
+          </a:prstGeom>
+        </p:spPr>
+        <p:style>
+          <a:lnRef idx="1">
+            <a:schemeClr val="accent1"/>
+          </a:lnRef>
+          <a:fillRef idx="0">
+            <a:schemeClr val="accent1"/>
+          </a:fillRef>
+          <a:effectRef idx="0">
+            <a:schemeClr val="accent1"/>
+          </a:effectRef>
+          <a:fontRef idx="minor">
+            <a:schemeClr val="tx1"/>
+          </a:fontRef>
+        </p:style>
+      </p:cxnSp>
+      <p:cxnSp>
+        <p:nvCxnSpPr>
+          <p:cNvPr id="7" name="Straight Connector 6">
+            <a:extLst>
+              <a:ext uri="{FF2B5EF4-FFF2-40B4-BE49-F238E27FC236}">
+                <a16:creationId xmlns:a16="http://schemas.microsoft.com/office/drawing/2014/main" id="{D190DF0B-5B2E-49A9-B210-E32FFFAC7E35}"/>
+              </a:ext>
+              <a:ext uri="{C183D7F6-B498-43B3-948B-1728B52AA6E4}">
+                <adec:decorative xmlns:adec="http://schemas.microsoft.com/office/drawing/2017/decorative" val="1"/>
+              </a:ext>
+            </a:extLst>
+          </p:cNvPr>
+          <p:cNvCxnSpPr>
+            <a:cxnSpLocks/>
+            <a:endCxn id="63" idx="0"/>
+          </p:cNvCxnSpPr>
+          <p:nvPr/>
+        </p:nvCxnSpPr>
+        <p:spPr>
+          <a:xfrm flipV="1">
+            <a:off x="1437095" y="2410633"/>
+            <a:ext cx="9692499" cy="169278"/>
+          </a:xfrm>
+          <a:prstGeom prst="line">
+            <a:avLst/>
+          </a:prstGeom>
+          <a:ln w="6350"/>
+        </p:spPr>
+        <p:style>
+          <a:lnRef idx="1">
+            <a:schemeClr val="accent1"/>
+          </a:lnRef>
+          <a:fillRef idx="0">
+            <a:schemeClr val="accent1"/>
+          </a:fillRef>
+          <a:effectRef idx="0">
+            <a:schemeClr val="accent1"/>
+          </a:effectRef>
+          <a:fontRef idx="minor">
+            <a:schemeClr val="tx1"/>
+          </a:fontRef>
+        </p:style>
+      </p:cxnSp>
+      <p:sp>
+        <p:nvSpPr>
+          <p:cNvPr id="12" name="Oval 11">
+            <a:extLst>
+              <a:ext uri="{FF2B5EF4-FFF2-40B4-BE49-F238E27FC236}">
+                <a16:creationId xmlns:a16="http://schemas.microsoft.com/office/drawing/2014/main" id="{81E53639-8872-4E58-9A2D-8001BB8547AC}"/>
+              </a:ext>
+              <a:ext uri="{C183D7F6-B498-43B3-948B-1728B52AA6E4}">
+                <adec:decorative xmlns:adec="http://schemas.microsoft.com/office/drawing/2017/decorative" val="1"/>
+              </a:ext>
+            </a:extLst>
+          </p:cNvPr>
+          <p:cNvSpPr/>
+          <p:nvPr/>
+        </p:nvSpPr>
+        <p:spPr>
+          <a:xfrm>
+            <a:off x="832938" y="2277833"/>
+            <a:ext cx="604157" cy="604156"/>
+          </a:xfrm>
+          <a:prstGeom prst="ellipse">
+            <a:avLst/>
+          </a:prstGeom>
+          <a:solidFill>
+            <a:schemeClr val="tx2">
+              <a:lumMod val="75000"/>
+            </a:schemeClr>
+          </a:solidFill>
           <a:ln>
             <a:noFill/>
           </a:ln>
         </p:spPr>
-      </p:pic>
-      <p:sp>
-        <p:nvSpPr>
-          <p:cNvPr id="3" name="Content Placeholder 2">
-            <a:extLst>
-              <a:ext uri="{FF2B5EF4-FFF2-40B4-BE49-F238E27FC236}">
-                <a16:creationId xmlns:a16="http://schemas.microsoft.com/office/drawing/2014/main" id="{B34BD264-B274-4D4C-8E2B-C6F7606B254F}"/>
-              </a:ext>
-            </a:extLst>
-          </p:cNvPr>
-          <p:cNvSpPr>
-            <a:spLocks noGrp="1"/>
-          </p:cNvSpPr>
-          <p:nvPr>
-            <p:ph idx="4294967295"/>
-          </p:nvPr>
+        <p:style>
+          <a:lnRef idx="2">
+            <a:schemeClr val="accent1">
+              <a:shade val="50000"/>
+            </a:schemeClr>
+          </a:lnRef>
+          <a:fillRef idx="1">
+            <a:schemeClr val="accent1"/>
+          </a:fillRef>
+          <a:effectRef idx="0">
+            <a:schemeClr val="accent1"/>
+          </a:effectRef>
+          <a:fontRef idx="minor">
+            <a:schemeClr val="lt1"/>
+          </a:fontRef>
+        </p:style>
+        <p:txBody>
+          <a:bodyPr rtlCol="0" anchor="ctr"/>
+          <a:lstStyle/>
+          <a:p>
+            <a:pPr algn="ctr"/>
+            <a:endParaRPr lang="en-US"/>
+          </a:p>
+        </p:txBody>
+      </p:sp>
+      <p:sp>
+        <p:nvSpPr>
+          <p:cNvPr id="14" name="Oval 13">
+            <a:extLst>
+              <a:ext uri="{FF2B5EF4-FFF2-40B4-BE49-F238E27FC236}">
+                <a16:creationId xmlns:a16="http://schemas.microsoft.com/office/drawing/2014/main" id="{2A1632FE-1D0A-41E4-BF25-F0F7AA952C33}"/>
+              </a:ext>
+              <a:ext uri="{C183D7F6-B498-43B3-948B-1728B52AA6E4}">
+                <adec:decorative xmlns:adec="http://schemas.microsoft.com/office/drawing/2017/decorative" val="1"/>
+              </a:ext>
+            </a:extLst>
+          </p:cNvPr>
+          <p:cNvSpPr/>
+          <p:nvPr/>
         </p:nvSpPr>
         <p:spPr>
           <a:xfrm>
-            <a:off x="6191250" y="1981200"/>
-            <a:ext cx="4972050" cy="4473575"/>
+            <a:off x="7193124" y="2277833"/>
+            <a:ext cx="604157" cy="604156"/>
           </a:xfrm>
+          <a:prstGeom prst="ellipse">
+            <a:avLst/>
+          </a:prstGeom>
+          <a:solidFill>
+            <a:schemeClr val="bg1">
+              <a:lumMod val="65000"/>
+            </a:schemeClr>
+          </a:solidFill>
+          <a:ln>
+            <a:noFill/>
+          </a:ln>
         </p:spPr>
-        <p:txBody>
-          <a:bodyPr>
-            <a:normAutofit/>
+        <p:style>
+          <a:lnRef idx="2">
+            <a:schemeClr val="accent1">
+              <a:shade val="50000"/>
+            </a:schemeClr>
+          </a:lnRef>
+          <a:fillRef idx="1">
+            <a:schemeClr val="accent1"/>
+          </a:fillRef>
+          <a:effectRef idx="0">
+            <a:schemeClr val="accent1"/>
+          </a:effectRef>
+          <a:fontRef idx="minor">
+            <a:schemeClr val="lt1"/>
+          </a:fontRef>
+        </p:style>
+        <p:txBody>
+          <a:bodyPr rtlCol="0" anchor="ctr"/>
+          <a:lstStyle/>
+          <a:p>
+            <a:pPr algn="ctr"/>
+            <a:endParaRPr lang="en-US"/>
+          </a:p>
+        </p:txBody>
+      </p:sp>
+      <p:sp>
+        <p:nvSpPr>
+          <p:cNvPr id="16" name="Oval 15">
+            <a:extLst>
+              <a:ext uri="{FF2B5EF4-FFF2-40B4-BE49-F238E27FC236}">
+                <a16:creationId xmlns:a16="http://schemas.microsoft.com/office/drawing/2014/main" id="{3586E56F-86DF-43E4-85F3-DD6AA1CF8C84}"/>
+              </a:ext>
+              <a:ext uri="{C183D7F6-B498-43B3-948B-1728B52AA6E4}">
+                <adec:decorative xmlns:adec="http://schemas.microsoft.com/office/drawing/2017/decorative" val="1"/>
+              </a:ext>
+            </a:extLst>
+          </p:cNvPr>
+          <p:cNvSpPr/>
+          <p:nvPr/>
+        </p:nvSpPr>
+        <p:spPr>
+          <a:xfrm>
+            <a:off x="1741536" y="2277833"/>
+            <a:ext cx="604157" cy="604156"/>
+          </a:xfrm>
+          <a:prstGeom prst="ellipse">
+            <a:avLst/>
+          </a:prstGeom>
+          <a:solidFill>
+            <a:schemeClr val="tx2">
+              <a:lumMod val="75000"/>
+            </a:schemeClr>
+          </a:solidFill>
+          <a:ln>
+            <a:noFill/>
+          </a:ln>
+        </p:spPr>
+        <p:style>
+          <a:lnRef idx="2">
+            <a:schemeClr val="accent1">
+              <a:shade val="50000"/>
+            </a:schemeClr>
+          </a:lnRef>
+          <a:fillRef idx="1">
+            <a:schemeClr val="accent1"/>
+          </a:fillRef>
+          <a:effectRef idx="0">
+            <a:schemeClr val="accent1"/>
+          </a:effectRef>
+          <a:fontRef idx="minor">
+            <a:schemeClr val="lt1"/>
+          </a:fontRef>
+        </p:style>
+        <p:txBody>
+          <a:bodyPr rtlCol="0" anchor="ctr"/>
+          <a:lstStyle/>
+          <a:p>
+            <a:pPr algn="ctr"/>
+            <a:endParaRPr lang="en-US"/>
+          </a:p>
+        </p:txBody>
+      </p:sp>
+      <p:sp>
+        <p:nvSpPr>
+          <p:cNvPr id="18" name="Oval 17">
+            <a:extLst>
+              <a:ext uri="{FF2B5EF4-FFF2-40B4-BE49-F238E27FC236}">
+                <a16:creationId xmlns:a16="http://schemas.microsoft.com/office/drawing/2014/main" id="{2EBE9657-CF02-4369-A33E-0B3687100B60}"/>
+              </a:ext>
+              <a:ext uri="{C183D7F6-B498-43B3-948B-1728B52AA6E4}">
+                <adec:decorative xmlns:adec="http://schemas.microsoft.com/office/drawing/2017/decorative" val="1"/>
+              </a:ext>
+            </a:extLst>
+          </p:cNvPr>
+          <p:cNvSpPr/>
+          <p:nvPr/>
+        </p:nvSpPr>
+        <p:spPr>
+          <a:xfrm>
+            <a:off x="2650134" y="2277833"/>
+            <a:ext cx="604157" cy="604156"/>
+          </a:xfrm>
+          <a:prstGeom prst="ellipse">
+            <a:avLst/>
+          </a:prstGeom>
+          <a:solidFill>
+            <a:schemeClr val="tx2">
+              <a:lumMod val="75000"/>
+            </a:schemeClr>
+          </a:solidFill>
+          <a:ln>
+            <a:noFill/>
+          </a:ln>
+        </p:spPr>
+        <p:style>
+          <a:lnRef idx="2">
+            <a:schemeClr val="accent1">
+              <a:shade val="50000"/>
+            </a:schemeClr>
+          </a:lnRef>
+          <a:fillRef idx="1">
+            <a:schemeClr val="accent1"/>
+          </a:fillRef>
+          <a:effectRef idx="0">
+            <a:schemeClr val="accent1"/>
+          </a:effectRef>
+          <a:fontRef idx="minor">
+            <a:schemeClr val="lt1"/>
+          </a:fontRef>
+        </p:style>
+        <p:txBody>
+          <a:bodyPr rtlCol="0" anchor="ctr"/>
+          <a:lstStyle/>
+          <a:p>
+            <a:pPr algn="ctr"/>
+            <a:endParaRPr lang="en-US"/>
+          </a:p>
+        </p:txBody>
+      </p:sp>
+      <p:sp>
+        <p:nvSpPr>
+          <p:cNvPr id="20" name="Oval 19">
+            <a:extLst>
+              <a:ext uri="{FF2B5EF4-FFF2-40B4-BE49-F238E27FC236}">
+                <a16:creationId xmlns:a16="http://schemas.microsoft.com/office/drawing/2014/main" id="{DA9922DC-4CA9-4B40-A5D5-72BBFAE6A6D3}"/>
+              </a:ext>
+              <a:ext uri="{C183D7F6-B498-43B3-948B-1728B52AA6E4}">
+                <adec:decorative xmlns:adec="http://schemas.microsoft.com/office/drawing/2017/decorative" val="1"/>
+              </a:ext>
+            </a:extLst>
+          </p:cNvPr>
+          <p:cNvSpPr/>
+          <p:nvPr/>
+        </p:nvSpPr>
+        <p:spPr>
+          <a:xfrm>
+            <a:off x="3558732" y="2277833"/>
+            <a:ext cx="604157" cy="604156"/>
+          </a:xfrm>
+          <a:prstGeom prst="ellipse">
+            <a:avLst/>
+          </a:prstGeom>
+          <a:solidFill>
+            <a:schemeClr val="accent1">
+              <a:lumMod val="75000"/>
+            </a:schemeClr>
+          </a:solidFill>
+          <a:ln>
+            <a:noFill/>
+          </a:ln>
+        </p:spPr>
+        <p:style>
+          <a:lnRef idx="2">
+            <a:schemeClr val="accent1">
+              <a:shade val="50000"/>
+            </a:schemeClr>
+          </a:lnRef>
+          <a:fillRef idx="1">
+            <a:schemeClr val="accent1"/>
+          </a:fillRef>
+          <a:effectRef idx="0">
+            <a:schemeClr val="accent1"/>
+          </a:effectRef>
+          <a:fontRef idx="minor">
+            <a:schemeClr val="lt1"/>
+          </a:fontRef>
+        </p:style>
+        <p:txBody>
+          <a:bodyPr rtlCol="0" anchor="ctr"/>
+          <a:lstStyle/>
+          <a:p>
+            <a:pPr algn="ctr"/>
+            <a:endParaRPr lang="en-US"/>
+          </a:p>
+        </p:txBody>
+      </p:sp>
+      <p:sp>
+        <p:nvSpPr>
+          <p:cNvPr id="22" name="Oval 21">
+            <a:extLst>
+              <a:ext uri="{FF2B5EF4-FFF2-40B4-BE49-F238E27FC236}">
+                <a16:creationId xmlns:a16="http://schemas.microsoft.com/office/drawing/2014/main" id="{227F60B2-65D3-4950-9103-3EFDF7F7D6FE}"/>
+              </a:ext>
+              <a:ext uri="{C183D7F6-B498-43B3-948B-1728B52AA6E4}">
+                <adec:decorative xmlns:adec="http://schemas.microsoft.com/office/drawing/2017/decorative" val="1"/>
+              </a:ext>
+            </a:extLst>
+          </p:cNvPr>
+          <p:cNvSpPr/>
+          <p:nvPr/>
+        </p:nvSpPr>
+        <p:spPr>
+          <a:xfrm>
+            <a:off x="4467330" y="2277833"/>
+            <a:ext cx="604157" cy="604156"/>
+          </a:xfrm>
+          <a:prstGeom prst="ellipse">
+            <a:avLst/>
+          </a:prstGeom>
+          <a:solidFill>
+            <a:schemeClr val="accent1">
+              <a:lumMod val="75000"/>
+            </a:schemeClr>
+          </a:solidFill>
+          <a:ln>
+            <a:noFill/>
+          </a:ln>
+        </p:spPr>
+        <p:style>
+          <a:lnRef idx="2">
+            <a:schemeClr val="accent1">
+              <a:shade val="50000"/>
+            </a:schemeClr>
+          </a:lnRef>
+          <a:fillRef idx="1">
+            <a:schemeClr val="accent1"/>
+          </a:fillRef>
+          <a:effectRef idx="0">
+            <a:schemeClr val="accent1"/>
+          </a:effectRef>
+          <a:fontRef idx="minor">
+            <a:schemeClr val="lt1"/>
+          </a:fontRef>
+        </p:style>
+        <p:txBody>
+          <a:bodyPr rtlCol="0" anchor="ctr"/>
+          <a:lstStyle/>
+          <a:p>
+            <a:pPr algn="ctr"/>
+            <a:endParaRPr lang="en-US"/>
+          </a:p>
+        </p:txBody>
+      </p:sp>
+      <p:sp>
+        <p:nvSpPr>
+          <p:cNvPr id="24" name="Oval 23">
+            <a:extLst>
+              <a:ext uri="{FF2B5EF4-FFF2-40B4-BE49-F238E27FC236}">
+                <a16:creationId xmlns:a16="http://schemas.microsoft.com/office/drawing/2014/main" id="{CD1CD723-7F96-4567-92C6-62CCB0855077}"/>
+              </a:ext>
+              <a:ext uri="{C183D7F6-B498-43B3-948B-1728B52AA6E4}">
+                <adec:decorative xmlns:adec="http://schemas.microsoft.com/office/drawing/2017/decorative" val="1"/>
+              </a:ext>
+            </a:extLst>
+          </p:cNvPr>
+          <p:cNvSpPr/>
+          <p:nvPr/>
+        </p:nvSpPr>
+        <p:spPr>
+          <a:xfrm>
+            <a:off x="5375928" y="2277833"/>
+            <a:ext cx="604157" cy="604156"/>
+          </a:xfrm>
+          <a:prstGeom prst="ellipse">
+            <a:avLst/>
+          </a:prstGeom>
+          <a:solidFill>
+            <a:schemeClr val="accent1">
+              <a:lumMod val="75000"/>
+            </a:schemeClr>
+          </a:solidFill>
+          <a:ln>
+            <a:noFill/>
+          </a:ln>
+        </p:spPr>
+        <p:style>
+          <a:lnRef idx="2">
+            <a:schemeClr val="accent1">
+              <a:shade val="50000"/>
+            </a:schemeClr>
+          </a:lnRef>
+          <a:fillRef idx="1">
+            <a:schemeClr val="accent1"/>
+          </a:fillRef>
+          <a:effectRef idx="0">
+            <a:schemeClr val="accent1"/>
+          </a:effectRef>
+          <a:fontRef idx="minor">
+            <a:schemeClr val="lt1"/>
+          </a:fontRef>
+        </p:style>
+        <p:txBody>
+          <a:bodyPr rtlCol="0" anchor="ctr"/>
+          <a:lstStyle/>
+          <a:p>
+            <a:pPr algn="ctr"/>
+            <a:endParaRPr lang="en-US"/>
+          </a:p>
+        </p:txBody>
+      </p:sp>
+      <p:sp>
+        <p:nvSpPr>
+          <p:cNvPr id="26" name="Oval 25">
+            <a:extLst>
+              <a:ext uri="{FF2B5EF4-FFF2-40B4-BE49-F238E27FC236}">
+                <a16:creationId xmlns:a16="http://schemas.microsoft.com/office/drawing/2014/main" id="{3D641E32-C3C9-4F0F-A366-D6AF93DD9F68}"/>
+              </a:ext>
+              <a:ext uri="{C183D7F6-B498-43B3-948B-1728B52AA6E4}">
+                <adec:decorative xmlns:adec="http://schemas.microsoft.com/office/drawing/2017/decorative" val="1"/>
+              </a:ext>
+            </a:extLst>
+          </p:cNvPr>
+          <p:cNvSpPr/>
+          <p:nvPr/>
+        </p:nvSpPr>
+        <p:spPr>
+          <a:xfrm>
+            <a:off x="6284526" y="2277832"/>
+            <a:ext cx="604157" cy="604157"/>
+          </a:xfrm>
+          <a:prstGeom prst="ellipse">
+            <a:avLst/>
+          </a:prstGeom>
+          <a:solidFill>
+            <a:schemeClr val="bg1">
+              <a:lumMod val="65000"/>
+            </a:schemeClr>
+          </a:solidFill>
+          <a:ln>
+            <a:noFill/>
+          </a:ln>
+        </p:spPr>
+        <p:style>
+          <a:lnRef idx="2">
+            <a:schemeClr val="accent1">
+              <a:shade val="50000"/>
+            </a:schemeClr>
+          </a:lnRef>
+          <a:fillRef idx="1">
+            <a:schemeClr val="accent1"/>
+          </a:fillRef>
+          <a:effectRef idx="0">
+            <a:schemeClr val="accent1"/>
+          </a:effectRef>
+          <a:fontRef idx="minor">
+            <a:schemeClr val="lt1"/>
+          </a:fontRef>
+        </p:style>
+        <p:txBody>
+          <a:bodyPr rtlCol="0" anchor="ctr"/>
+          <a:lstStyle/>
+          <a:p>
+            <a:pPr algn="ctr"/>
+            <a:endParaRPr lang="en-US"/>
+          </a:p>
+        </p:txBody>
+      </p:sp>
+      <p:sp>
+        <p:nvSpPr>
+          <p:cNvPr id="28" name="Oval 27">
+            <a:extLst>
+              <a:ext uri="{FF2B5EF4-FFF2-40B4-BE49-F238E27FC236}">
+                <a16:creationId xmlns:a16="http://schemas.microsoft.com/office/drawing/2014/main" id="{AEBF65AA-A09B-4D00-8027-CC0A25E8CC3F}"/>
+              </a:ext>
+              <a:ext uri="{C183D7F6-B498-43B3-948B-1728B52AA6E4}">
+                <adec:decorative xmlns:adec="http://schemas.microsoft.com/office/drawing/2017/decorative" val="1"/>
+              </a:ext>
+            </a:extLst>
+          </p:cNvPr>
+          <p:cNvSpPr/>
+          <p:nvPr/>
+        </p:nvSpPr>
+        <p:spPr>
+          <a:xfrm>
+            <a:off x="8101722" y="2277833"/>
+            <a:ext cx="604157" cy="604156"/>
+          </a:xfrm>
+          <a:prstGeom prst="ellipse">
+            <a:avLst/>
+          </a:prstGeom>
+          <a:solidFill>
+            <a:schemeClr val="bg1">
+              <a:lumMod val="65000"/>
+            </a:schemeClr>
+          </a:solidFill>
+          <a:ln>
+            <a:noFill/>
+          </a:ln>
+        </p:spPr>
+        <p:style>
+          <a:lnRef idx="2">
+            <a:schemeClr val="accent1">
+              <a:shade val="50000"/>
+            </a:schemeClr>
+          </a:lnRef>
+          <a:fillRef idx="1">
+            <a:schemeClr val="accent1"/>
+          </a:fillRef>
+          <a:effectRef idx="0">
+            <a:schemeClr val="accent1"/>
+          </a:effectRef>
+          <a:fontRef idx="minor">
+            <a:schemeClr val="lt1"/>
+          </a:fontRef>
+        </p:style>
+        <p:txBody>
+          <a:bodyPr rtlCol="0" anchor="ctr"/>
+          <a:lstStyle/>
+          <a:p>
+            <a:pPr algn="ctr"/>
+            <a:endParaRPr lang="en-US"/>
+          </a:p>
+        </p:txBody>
+      </p:sp>
+      <p:sp>
+        <p:nvSpPr>
+          <p:cNvPr id="30" name="Oval 29">
+            <a:extLst>
+              <a:ext uri="{FF2B5EF4-FFF2-40B4-BE49-F238E27FC236}">
+                <a16:creationId xmlns:a16="http://schemas.microsoft.com/office/drawing/2014/main" id="{307F39A3-7EA6-4379-9663-6D559F439438}"/>
+              </a:ext>
+              <a:ext uri="{C183D7F6-B498-43B3-948B-1728B52AA6E4}">
+                <adec:decorative xmlns:adec="http://schemas.microsoft.com/office/drawing/2017/decorative" val="1"/>
+              </a:ext>
+            </a:extLst>
+          </p:cNvPr>
+          <p:cNvSpPr/>
+          <p:nvPr/>
+        </p:nvSpPr>
+        <p:spPr>
+          <a:xfrm>
+            <a:off x="9010320" y="2277833"/>
+            <a:ext cx="604157" cy="604156"/>
+          </a:xfrm>
+          <a:prstGeom prst="ellipse">
+            <a:avLst/>
+          </a:prstGeom>
+          <a:solidFill>
+            <a:schemeClr val="bg2">
+              <a:lumMod val="75000"/>
+            </a:schemeClr>
+          </a:solidFill>
+          <a:ln>
+            <a:noFill/>
+          </a:ln>
+        </p:spPr>
+        <p:style>
+          <a:lnRef idx="2">
+            <a:schemeClr val="accent1">
+              <a:shade val="50000"/>
+            </a:schemeClr>
+          </a:lnRef>
+          <a:fillRef idx="1">
+            <a:schemeClr val="accent1"/>
+          </a:fillRef>
+          <a:effectRef idx="0">
+            <a:schemeClr val="accent1"/>
+          </a:effectRef>
+          <a:fontRef idx="minor">
+            <a:schemeClr val="lt1"/>
+          </a:fontRef>
+        </p:style>
+        <p:txBody>
+          <a:bodyPr rtlCol="0" anchor="ctr"/>
+          <a:lstStyle/>
+          <a:p>
+            <a:pPr algn="ctr"/>
+            <a:endParaRPr lang="en-US"/>
+          </a:p>
+        </p:txBody>
+      </p:sp>
+      <p:sp>
+        <p:nvSpPr>
+          <p:cNvPr id="32" name="Oval 31">
+            <a:extLst>
+              <a:ext uri="{FF2B5EF4-FFF2-40B4-BE49-F238E27FC236}">
+                <a16:creationId xmlns:a16="http://schemas.microsoft.com/office/drawing/2014/main" id="{4E1B2E89-57B9-4D7A-8428-5CD76566CA18}"/>
+              </a:ext>
+              <a:ext uri="{C183D7F6-B498-43B3-948B-1728B52AA6E4}">
+                <adec:decorative xmlns:adec="http://schemas.microsoft.com/office/drawing/2017/decorative" val="1"/>
+              </a:ext>
+            </a:extLst>
+          </p:cNvPr>
+          <p:cNvSpPr/>
+          <p:nvPr/>
+        </p:nvSpPr>
+        <p:spPr>
+          <a:xfrm>
+            <a:off x="9918918" y="2277833"/>
+            <a:ext cx="604157" cy="604156"/>
+          </a:xfrm>
+          <a:prstGeom prst="ellipse">
+            <a:avLst/>
+          </a:prstGeom>
+          <a:solidFill>
+            <a:schemeClr val="bg2">
+              <a:lumMod val="75000"/>
+            </a:schemeClr>
+          </a:solidFill>
+          <a:ln>
+            <a:noFill/>
+          </a:ln>
+        </p:spPr>
+        <p:style>
+          <a:lnRef idx="2">
+            <a:schemeClr val="accent1">
+              <a:shade val="50000"/>
+            </a:schemeClr>
+          </a:lnRef>
+          <a:fillRef idx="1">
+            <a:schemeClr val="accent1"/>
+          </a:fillRef>
+          <a:effectRef idx="0">
+            <a:schemeClr val="accent1"/>
+          </a:effectRef>
+          <a:fontRef idx="minor">
+            <a:schemeClr val="lt1"/>
+          </a:fontRef>
+        </p:style>
+        <p:txBody>
+          <a:bodyPr rtlCol="0" anchor="ctr"/>
+          <a:lstStyle/>
+          <a:p>
+            <a:pPr algn="ctr"/>
+            <a:endParaRPr lang="en-US"/>
+          </a:p>
+        </p:txBody>
+      </p:sp>
+      <p:sp>
+        <p:nvSpPr>
+          <p:cNvPr id="34" name="Oval 33">
+            <a:extLst>
+              <a:ext uri="{FF2B5EF4-FFF2-40B4-BE49-F238E27FC236}">
+                <a16:creationId xmlns:a16="http://schemas.microsoft.com/office/drawing/2014/main" id="{6F419E70-E8A3-4D0F-B3B6-B2E3C5F0599D}"/>
+              </a:ext>
+              <a:ext uri="{C183D7F6-B498-43B3-948B-1728B52AA6E4}">
+                <adec:decorative xmlns:adec="http://schemas.microsoft.com/office/drawing/2017/decorative" val="1"/>
+              </a:ext>
+            </a:extLst>
+          </p:cNvPr>
+          <p:cNvSpPr/>
+          <p:nvPr/>
+        </p:nvSpPr>
+        <p:spPr>
+          <a:xfrm>
+            <a:off x="10827518" y="2277833"/>
+            <a:ext cx="604157" cy="604156"/>
+          </a:xfrm>
+          <a:prstGeom prst="ellipse">
+            <a:avLst/>
+          </a:prstGeom>
+          <a:solidFill>
+            <a:schemeClr val="bg2">
+              <a:lumMod val="75000"/>
+            </a:schemeClr>
+          </a:solidFill>
+          <a:ln>
+            <a:noFill/>
+          </a:ln>
+        </p:spPr>
+        <p:style>
+          <a:lnRef idx="2">
+            <a:schemeClr val="accent1">
+              <a:shade val="50000"/>
+            </a:schemeClr>
+          </a:lnRef>
+          <a:fillRef idx="1">
+            <a:schemeClr val="accent1"/>
+          </a:fillRef>
+          <a:effectRef idx="0">
+            <a:schemeClr val="accent1"/>
+          </a:effectRef>
+          <a:fontRef idx="minor">
+            <a:schemeClr val="lt1"/>
+          </a:fontRef>
+        </p:style>
+        <p:txBody>
+          <a:bodyPr rtlCol="0" anchor="ctr"/>
+          <a:lstStyle/>
+          <a:p>
+            <a:pPr algn="ctr"/>
+            <a:endParaRPr lang="en-US" dirty="0"/>
+          </a:p>
+        </p:txBody>
+      </p:sp>
+      <p:sp>
+        <p:nvSpPr>
+          <p:cNvPr id="40" name="TextBox 39">
+            <a:extLst>
+              <a:ext uri="{FF2B5EF4-FFF2-40B4-BE49-F238E27FC236}">
+                <a16:creationId xmlns:a16="http://schemas.microsoft.com/office/drawing/2014/main" id="{FD1A8A05-09CF-4FED-814A-C13B5ADAD0D0}"/>
+              </a:ext>
+            </a:extLst>
+          </p:cNvPr>
+          <p:cNvSpPr txBox="1"/>
+          <p:nvPr/>
+        </p:nvSpPr>
+        <p:spPr>
+          <a:xfrm>
+            <a:off x="832935" y="2410633"/>
+            <a:ext cx="604158" cy="338554"/>
+          </a:xfrm>
+          <a:prstGeom prst="rect">
+            <a:avLst/>
+          </a:prstGeom>
+          <a:noFill/>
+        </p:spPr>
+        <p:txBody>
+          <a:bodyPr wrap="square" rtlCol="0">
+            <a:spAutoFit/>
           </a:bodyPr>
           <a:lstStyle/>
           <a:p>
-            <a:endParaRPr lang="en-US" sz="1600" dirty="0">
+            <a:pPr algn="ctr"/>
+            <a:r>
+              <a:rPr lang="en-US" sz="1600" dirty="0">
+                <a:solidFill>
+                  <a:schemeClr val="bg1"/>
+                </a:solidFill>
+                <a:latin typeface="Biome Light" panose="020B0303030204020804" pitchFamily="34" charset="0"/>
+                <a:cs typeface="Biome Light" panose="020B0303030204020804" pitchFamily="34" charset="0"/>
+              </a:rPr>
+              <a:t>Jul</a:t>
+            </a:r>
+          </a:p>
+        </p:txBody>
+      </p:sp>
+      <p:sp>
+        <p:nvSpPr>
+          <p:cNvPr id="43" name="TextBox 42">
+            <a:extLst>
+              <a:ext uri="{FF2B5EF4-FFF2-40B4-BE49-F238E27FC236}">
+                <a16:creationId xmlns:a16="http://schemas.microsoft.com/office/drawing/2014/main" id="{1D462F79-38EC-4B6D-A17B-F5010967D4B4}"/>
+              </a:ext>
+            </a:extLst>
+          </p:cNvPr>
+          <p:cNvSpPr txBox="1"/>
+          <p:nvPr/>
+        </p:nvSpPr>
+        <p:spPr>
+          <a:xfrm>
+            <a:off x="1741713" y="2410633"/>
+            <a:ext cx="604158" cy="338554"/>
+          </a:xfrm>
+          <a:prstGeom prst="rect">
+            <a:avLst/>
+          </a:prstGeom>
+          <a:noFill/>
+        </p:spPr>
+        <p:txBody>
+          <a:bodyPr wrap="square" rtlCol="0">
+            <a:spAutoFit/>
+          </a:bodyPr>
+          <a:lstStyle/>
+          <a:p>
+            <a:pPr algn="ctr"/>
+            <a:r>
+              <a:rPr lang="en-US" sz="1600" dirty="0">
+                <a:solidFill>
+                  <a:schemeClr val="bg1"/>
+                </a:solidFill>
+                <a:latin typeface="Biome Light" panose="020B0303030204020804" pitchFamily="34" charset="0"/>
+                <a:cs typeface="Biome Light" panose="020B0303030204020804" pitchFamily="34" charset="0"/>
+              </a:rPr>
+              <a:t>Aug</a:t>
+            </a:r>
+          </a:p>
+        </p:txBody>
+      </p:sp>
+      <p:sp>
+        <p:nvSpPr>
+          <p:cNvPr id="45" name="TextBox 44">
+            <a:extLst>
+              <a:ext uri="{FF2B5EF4-FFF2-40B4-BE49-F238E27FC236}">
+                <a16:creationId xmlns:a16="http://schemas.microsoft.com/office/drawing/2014/main" id="{F0040622-091C-4302-89B8-994214504947}"/>
+              </a:ext>
+            </a:extLst>
+          </p:cNvPr>
+          <p:cNvSpPr txBox="1"/>
+          <p:nvPr/>
+        </p:nvSpPr>
+        <p:spPr>
+          <a:xfrm>
+            <a:off x="2650133" y="2410633"/>
+            <a:ext cx="604158" cy="338554"/>
+          </a:xfrm>
+          <a:prstGeom prst="rect">
+            <a:avLst/>
+          </a:prstGeom>
+          <a:noFill/>
+        </p:spPr>
+        <p:txBody>
+          <a:bodyPr wrap="square" rtlCol="0">
+            <a:spAutoFit/>
+          </a:bodyPr>
+          <a:lstStyle/>
+          <a:p>
+            <a:pPr algn="ctr"/>
+            <a:r>
+              <a:rPr lang="en-US" sz="1600" dirty="0">
+                <a:solidFill>
+                  <a:schemeClr val="bg1"/>
+                </a:solidFill>
+                <a:latin typeface="Biome Light" panose="020B0303030204020804" pitchFamily="34" charset="0"/>
+                <a:cs typeface="Biome Light" panose="020B0303030204020804" pitchFamily="34" charset="0"/>
+              </a:rPr>
+              <a:t>Sep</a:t>
+            </a:r>
+          </a:p>
+        </p:txBody>
+      </p:sp>
+      <p:sp>
+        <p:nvSpPr>
+          <p:cNvPr id="47" name="TextBox 46">
+            <a:extLst>
+              <a:ext uri="{FF2B5EF4-FFF2-40B4-BE49-F238E27FC236}">
+                <a16:creationId xmlns:a16="http://schemas.microsoft.com/office/drawing/2014/main" id="{5947416C-CC20-4528-9E6B-29806BA3BA3B}"/>
+              </a:ext>
+            </a:extLst>
+          </p:cNvPr>
+          <p:cNvSpPr txBox="1"/>
+          <p:nvPr/>
+        </p:nvSpPr>
+        <p:spPr>
+          <a:xfrm>
+            <a:off x="4390864" y="2410633"/>
+            <a:ext cx="757087" cy="338554"/>
+          </a:xfrm>
+          <a:prstGeom prst="rect">
+            <a:avLst/>
+          </a:prstGeom>
+          <a:noFill/>
+        </p:spPr>
+        <p:txBody>
+          <a:bodyPr wrap="square" rtlCol="0">
+            <a:spAutoFit/>
+          </a:bodyPr>
+          <a:lstStyle/>
+          <a:p>
+            <a:pPr algn="ctr"/>
+            <a:r>
+              <a:rPr lang="en-US" sz="1600" dirty="0">
+                <a:solidFill>
+                  <a:schemeClr val="bg1"/>
+                </a:solidFill>
+                <a:latin typeface="Biome Light" panose="020B0303030204020804" pitchFamily="34" charset="0"/>
+                <a:cs typeface="Biome Light" panose="020B0303030204020804" pitchFamily="34" charset="0"/>
+              </a:rPr>
+              <a:t>Nov</a:t>
+            </a:r>
+          </a:p>
+        </p:txBody>
+      </p:sp>
+      <p:sp>
+        <p:nvSpPr>
+          <p:cNvPr id="49" name="TextBox 48">
+            <a:extLst>
+              <a:ext uri="{FF2B5EF4-FFF2-40B4-BE49-F238E27FC236}">
+                <a16:creationId xmlns:a16="http://schemas.microsoft.com/office/drawing/2014/main" id="{62B43C75-ADC1-45C4-B8A7-20F5B91BAD47}"/>
+              </a:ext>
+            </a:extLst>
+          </p:cNvPr>
+          <p:cNvSpPr txBox="1"/>
+          <p:nvPr/>
+        </p:nvSpPr>
+        <p:spPr>
+          <a:xfrm>
+            <a:off x="3574159" y="2410633"/>
+            <a:ext cx="604158" cy="338554"/>
+          </a:xfrm>
+          <a:prstGeom prst="rect">
+            <a:avLst/>
+          </a:prstGeom>
+          <a:noFill/>
+        </p:spPr>
+        <p:txBody>
+          <a:bodyPr wrap="square" rtlCol="0">
+            <a:spAutoFit/>
+          </a:bodyPr>
+          <a:lstStyle/>
+          <a:p>
+            <a:pPr algn="ctr"/>
+            <a:r>
+              <a:rPr lang="en-US" sz="1600" dirty="0">
+                <a:solidFill>
+                  <a:schemeClr val="bg1"/>
+                </a:solidFill>
+                <a:latin typeface="Biome Light" panose="020B0303030204020804" pitchFamily="34" charset="0"/>
+                <a:cs typeface="Biome Light" panose="020B0303030204020804" pitchFamily="34" charset="0"/>
+              </a:rPr>
+              <a:t>Oct</a:t>
+            </a:r>
+          </a:p>
+        </p:txBody>
+      </p:sp>
+      <p:sp>
+        <p:nvSpPr>
+          <p:cNvPr id="51" name="TextBox 50">
+            <a:extLst>
+              <a:ext uri="{FF2B5EF4-FFF2-40B4-BE49-F238E27FC236}">
+                <a16:creationId xmlns:a16="http://schemas.microsoft.com/office/drawing/2014/main" id="{0BB3AF7F-FFF7-43A1-AD4E-EC73024C5568}"/>
+              </a:ext>
+            </a:extLst>
+          </p:cNvPr>
+          <p:cNvSpPr txBox="1"/>
+          <p:nvPr/>
+        </p:nvSpPr>
+        <p:spPr>
+          <a:xfrm>
+            <a:off x="5299462" y="2410633"/>
+            <a:ext cx="757087" cy="338554"/>
+          </a:xfrm>
+          <a:prstGeom prst="rect">
+            <a:avLst/>
+          </a:prstGeom>
+          <a:noFill/>
+        </p:spPr>
+        <p:txBody>
+          <a:bodyPr wrap="square" rtlCol="0">
+            <a:spAutoFit/>
+          </a:bodyPr>
+          <a:lstStyle/>
+          <a:p>
+            <a:pPr algn="ctr"/>
+            <a:r>
+              <a:rPr lang="en-US" sz="1600" dirty="0">
+                <a:solidFill>
+                  <a:schemeClr val="bg1"/>
+                </a:solidFill>
+                <a:latin typeface="Biome Light" panose="020B0303030204020804" pitchFamily="34" charset="0"/>
+                <a:cs typeface="Biome Light" panose="020B0303030204020804" pitchFamily="34" charset="0"/>
+              </a:rPr>
+              <a:t>Dec</a:t>
+            </a:r>
+          </a:p>
+        </p:txBody>
+      </p:sp>
+      <p:sp>
+        <p:nvSpPr>
+          <p:cNvPr id="53" name="TextBox 52">
+            <a:extLst>
+              <a:ext uri="{FF2B5EF4-FFF2-40B4-BE49-F238E27FC236}">
+                <a16:creationId xmlns:a16="http://schemas.microsoft.com/office/drawing/2014/main" id="{A92DB966-25A0-4984-9B63-C732CFF22BF5}"/>
+              </a:ext>
+            </a:extLst>
+          </p:cNvPr>
+          <p:cNvSpPr txBox="1"/>
+          <p:nvPr/>
+        </p:nvSpPr>
+        <p:spPr>
+          <a:xfrm>
+            <a:off x="6208060" y="2410633"/>
+            <a:ext cx="757087" cy="338554"/>
+          </a:xfrm>
+          <a:prstGeom prst="rect">
+            <a:avLst/>
+          </a:prstGeom>
+          <a:noFill/>
+        </p:spPr>
+        <p:txBody>
+          <a:bodyPr wrap="square" rtlCol="0">
+            <a:spAutoFit/>
+          </a:bodyPr>
+          <a:lstStyle/>
+          <a:p>
+            <a:pPr algn="ctr"/>
+            <a:r>
+              <a:rPr lang="en-US" sz="1600" dirty="0">
+                <a:solidFill>
+                  <a:schemeClr val="bg1"/>
+                </a:solidFill>
+                <a:latin typeface="Biome Light" panose="020B0303030204020804" pitchFamily="34" charset="0"/>
+                <a:cs typeface="Biome Light" panose="020B0303030204020804" pitchFamily="34" charset="0"/>
+              </a:rPr>
+              <a:t>Jan</a:t>
+            </a:r>
+          </a:p>
+        </p:txBody>
+      </p:sp>
+      <p:sp>
+        <p:nvSpPr>
+          <p:cNvPr id="55" name="TextBox 54">
+            <a:extLst>
+              <a:ext uri="{FF2B5EF4-FFF2-40B4-BE49-F238E27FC236}">
+                <a16:creationId xmlns:a16="http://schemas.microsoft.com/office/drawing/2014/main" id="{E1E98164-920D-4ED4-A5AA-5A7397381533}"/>
+              </a:ext>
+            </a:extLst>
+          </p:cNvPr>
+          <p:cNvSpPr txBox="1"/>
+          <p:nvPr/>
+        </p:nvSpPr>
+        <p:spPr>
+          <a:xfrm>
+            <a:off x="7116658" y="2410633"/>
+            <a:ext cx="757087" cy="338554"/>
+          </a:xfrm>
+          <a:prstGeom prst="rect">
+            <a:avLst/>
+          </a:prstGeom>
+          <a:noFill/>
+        </p:spPr>
+        <p:txBody>
+          <a:bodyPr wrap="square" rtlCol="0">
+            <a:spAutoFit/>
+          </a:bodyPr>
+          <a:lstStyle/>
+          <a:p>
+            <a:pPr algn="ctr"/>
+            <a:r>
+              <a:rPr lang="en-US" sz="1600" dirty="0">
+                <a:solidFill>
+                  <a:schemeClr val="bg1"/>
+                </a:solidFill>
+                <a:latin typeface="Biome Light" panose="020B0303030204020804" pitchFamily="34" charset="0"/>
+                <a:cs typeface="Biome Light" panose="020B0303030204020804" pitchFamily="34" charset="0"/>
+              </a:rPr>
+              <a:t>Feb</a:t>
+            </a:r>
+          </a:p>
+        </p:txBody>
+      </p:sp>
+      <p:sp>
+        <p:nvSpPr>
+          <p:cNvPr id="57" name="TextBox 56">
+            <a:extLst>
+              <a:ext uri="{FF2B5EF4-FFF2-40B4-BE49-F238E27FC236}">
+                <a16:creationId xmlns:a16="http://schemas.microsoft.com/office/drawing/2014/main" id="{B55204BF-7B89-48BE-B911-AB38665495CE}"/>
+              </a:ext>
+            </a:extLst>
+          </p:cNvPr>
+          <p:cNvSpPr txBox="1"/>
+          <p:nvPr/>
+        </p:nvSpPr>
+        <p:spPr>
+          <a:xfrm>
+            <a:off x="8025256" y="2410633"/>
+            <a:ext cx="757087" cy="338554"/>
+          </a:xfrm>
+          <a:prstGeom prst="rect">
+            <a:avLst/>
+          </a:prstGeom>
+          <a:noFill/>
+        </p:spPr>
+        <p:txBody>
+          <a:bodyPr wrap="square" rtlCol="0">
+            <a:spAutoFit/>
+          </a:bodyPr>
+          <a:lstStyle/>
+          <a:p>
+            <a:pPr algn="ctr"/>
+            <a:r>
+              <a:rPr lang="en-US" sz="1600" dirty="0">
+                <a:solidFill>
+                  <a:schemeClr val="bg1"/>
+                </a:solidFill>
+                <a:latin typeface="Biome Light" panose="020B0303030204020804" pitchFamily="34" charset="0"/>
+                <a:cs typeface="Biome Light" panose="020B0303030204020804" pitchFamily="34" charset="0"/>
+              </a:rPr>
+              <a:t>Mar</a:t>
+            </a:r>
+          </a:p>
+        </p:txBody>
+      </p:sp>
+      <p:sp>
+        <p:nvSpPr>
+          <p:cNvPr id="59" name="TextBox 58">
+            <a:extLst>
+              <a:ext uri="{FF2B5EF4-FFF2-40B4-BE49-F238E27FC236}">
+                <a16:creationId xmlns:a16="http://schemas.microsoft.com/office/drawing/2014/main" id="{F4608EA6-D8A9-40C5-86D4-F6A06BB55DF0}"/>
+              </a:ext>
+            </a:extLst>
+          </p:cNvPr>
+          <p:cNvSpPr txBox="1"/>
+          <p:nvPr/>
+        </p:nvSpPr>
+        <p:spPr>
+          <a:xfrm>
+            <a:off x="8933854" y="2410633"/>
+            <a:ext cx="757087" cy="338554"/>
+          </a:xfrm>
+          <a:prstGeom prst="rect">
+            <a:avLst/>
+          </a:prstGeom>
+          <a:noFill/>
+        </p:spPr>
+        <p:txBody>
+          <a:bodyPr wrap="square" rtlCol="0">
+            <a:spAutoFit/>
+          </a:bodyPr>
+          <a:lstStyle/>
+          <a:p>
+            <a:pPr algn="ctr"/>
+            <a:r>
+              <a:rPr lang="en-US" sz="1600" dirty="0">
+                <a:solidFill>
+                  <a:schemeClr val="bg1"/>
+                </a:solidFill>
+                <a:latin typeface="Biome Light" panose="020B0303030204020804" pitchFamily="34" charset="0"/>
+                <a:cs typeface="Biome Light" panose="020B0303030204020804" pitchFamily="34" charset="0"/>
+              </a:rPr>
+              <a:t>Apr</a:t>
+            </a:r>
+          </a:p>
+        </p:txBody>
+      </p:sp>
+      <p:sp>
+        <p:nvSpPr>
+          <p:cNvPr id="61" name="TextBox 60">
+            <a:extLst>
+              <a:ext uri="{FF2B5EF4-FFF2-40B4-BE49-F238E27FC236}">
+                <a16:creationId xmlns:a16="http://schemas.microsoft.com/office/drawing/2014/main" id="{AE4EBEE0-F0BD-4B44-A294-BA11560FEC18}"/>
+              </a:ext>
+            </a:extLst>
+          </p:cNvPr>
+          <p:cNvSpPr txBox="1"/>
+          <p:nvPr/>
+        </p:nvSpPr>
+        <p:spPr>
+          <a:xfrm>
+            <a:off x="9842452" y="2410633"/>
+            <a:ext cx="757087" cy="338554"/>
+          </a:xfrm>
+          <a:prstGeom prst="rect">
+            <a:avLst/>
+          </a:prstGeom>
+          <a:noFill/>
+        </p:spPr>
+        <p:txBody>
+          <a:bodyPr wrap="square" rtlCol="0">
+            <a:spAutoFit/>
+          </a:bodyPr>
+          <a:lstStyle/>
+          <a:p>
+            <a:pPr algn="ctr"/>
+            <a:r>
+              <a:rPr lang="en-US" sz="1600" dirty="0">
+                <a:solidFill>
+                  <a:schemeClr val="bg1"/>
+                </a:solidFill>
+                <a:latin typeface="Biome Light" panose="020B0303030204020804" pitchFamily="34" charset="0"/>
+                <a:cs typeface="Biome Light" panose="020B0303030204020804" pitchFamily="34" charset="0"/>
+              </a:rPr>
+              <a:t>May</a:t>
+            </a:r>
+          </a:p>
+        </p:txBody>
+      </p:sp>
+      <p:sp>
+        <p:nvSpPr>
+          <p:cNvPr id="63" name="TextBox 62">
+            <a:extLst>
+              <a:ext uri="{FF2B5EF4-FFF2-40B4-BE49-F238E27FC236}">
+                <a16:creationId xmlns:a16="http://schemas.microsoft.com/office/drawing/2014/main" id="{1850852B-B5D2-43AC-8631-C907E6A781C8}"/>
+              </a:ext>
+            </a:extLst>
+          </p:cNvPr>
+          <p:cNvSpPr txBox="1"/>
+          <p:nvPr/>
+        </p:nvSpPr>
+        <p:spPr>
+          <a:xfrm>
+            <a:off x="10751050" y="2410633"/>
+            <a:ext cx="757087" cy="338554"/>
+          </a:xfrm>
+          <a:prstGeom prst="rect">
+            <a:avLst/>
+          </a:prstGeom>
+          <a:noFill/>
+        </p:spPr>
+        <p:txBody>
+          <a:bodyPr wrap="square" rtlCol="0">
+            <a:spAutoFit/>
+          </a:bodyPr>
+          <a:lstStyle/>
+          <a:p>
+            <a:pPr algn="ctr"/>
+            <a:r>
+              <a:rPr lang="en-US" sz="1600" dirty="0">
+                <a:solidFill>
+                  <a:schemeClr val="bg1"/>
+                </a:solidFill>
+                <a:latin typeface="Biome Light" panose="020B0303030204020804" pitchFamily="34" charset="0"/>
+                <a:cs typeface="Biome Light" panose="020B0303030204020804" pitchFamily="34" charset="0"/>
+              </a:rPr>
+              <a:t>Jun</a:t>
+            </a:r>
+          </a:p>
+        </p:txBody>
+      </p:sp>
+      <p:sp>
+        <p:nvSpPr>
+          <p:cNvPr id="105" name="TextBox 104">
+            <a:extLst>
+              <a:ext uri="{FF2B5EF4-FFF2-40B4-BE49-F238E27FC236}">
+                <a16:creationId xmlns:a16="http://schemas.microsoft.com/office/drawing/2014/main" id="{CC54D7B6-3713-48BB-9DDB-12D73AFA8E99}"/>
+              </a:ext>
+            </a:extLst>
+          </p:cNvPr>
+          <p:cNvSpPr txBox="1"/>
+          <p:nvPr/>
+        </p:nvSpPr>
+        <p:spPr>
+          <a:xfrm>
+            <a:off x="472986" y="3679886"/>
+            <a:ext cx="2468880" cy="1037592"/>
+          </a:xfrm>
+          <a:prstGeom prst="rect">
+            <a:avLst/>
+          </a:prstGeom>
+          <a:noFill/>
+        </p:spPr>
+        <p:txBody>
+          <a:bodyPr wrap="square" rIns="0" rtlCol="0">
+            <a:spAutoFit/>
+          </a:bodyPr>
+          <a:lstStyle/>
+          <a:p>
+            <a:pPr algn="r"/>
+            <a:r>
+              <a:rPr lang="en-US" dirty="0">
+                <a:solidFill>
+                  <a:schemeClr val="accent2">
+                    <a:lumMod val="50000"/>
+                  </a:schemeClr>
+                </a:solidFill>
+                <a:cs typeface="Biome Light" panose="020B0303030204020804" pitchFamily="34" charset="0"/>
+              </a:rPr>
+              <a:t>Product launch</a:t>
+            </a:r>
+          </a:p>
+          <a:p>
+            <a:pPr algn="r">
+              <a:lnSpc>
+                <a:spcPct val="150000"/>
+              </a:lnSpc>
+            </a:pPr>
+            <a:r>
+              <a:rPr lang="en-US" sz="1000" b="0" i="0" u="none" strike="noStrike" dirty="0">
+                <a:solidFill>
+                  <a:schemeClr val="accent2">
+                    <a:lumMod val="50000"/>
+                  </a:schemeClr>
+                </a:solidFill>
+                <a:effectLst/>
+                <a:cs typeface="Biome Light" panose="020B0303030204020804" pitchFamily="34" charset="0"/>
+              </a:rPr>
+              <a:t>Lorem ipsum dolor sit amet, consectetur adipiscing elit. Mauris vitae lorem id leo accumsan.</a:t>
+            </a:r>
+            <a:endParaRPr lang="en-US" sz="1000" dirty="0">
               <a:solidFill>
-                <a:schemeClr val="tx2">
+                <a:schemeClr val="accent2">
                   <a:lumMod val="50000"/>
                 </a:schemeClr>
               </a:solidFill>
@@ -13997,10 +13594,464 @@
       </p:sp>
       <p:sp>
         <p:nvSpPr>
-          <p:cNvPr id="30" name="Date Placeholder 29">
-            <a:extLst>
-              <a:ext uri="{FF2B5EF4-FFF2-40B4-BE49-F238E27FC236}">
-                <a16:creationId xmlns:a16="http://schemas.microsoft.com/office/drawing/2014/main" id="{5C3C5043-9E0B-4C7C-B3D8-6124850B4088}"/>
+          <p:cNvPr id="107" name="TextBox 106">
+            <a:extLst>
+              <a:ext uri="{FF2B5EF4-FFF2-40B4-BE49-F238E27FC236}">
+                <a16:creationId xmlns:a16="http://schemas.microsoft.com/office/drawing/2014/main" id="{43C3E76C-2256-4F05-B7C3-0DFF370582FE}"/>
+              </a:ext>
+            </a:extLst>
+          </p:cNvPr>
+          <p:cNvSpPr txBox="1"/>
+          <p:nvPr/>
+        </p:nvSpPr>
+        <p:spPr>
+          <a:xfrm>
+            <a:off x="3209125" y="5337099"/>
+            <a:ext cx="2468880" cy="1037592"/>
+          </a:xfrm>
+          <a:prstGeom prst="rect">
+            <a:avLst/>
+          </a:prstGeom>
+          <a:noFill/>
+        </p:spPr>
+        <p:txBody>
+          <a:bodyPr wrap="square" rIns="0" rtlCol="0">
+            <a:spAutoFit/>
+          </a:bodyPr>
+          <a:lstStyle/>
+          <a:p>
+            <a:pPr algn="r"/>
+            <a:r>
+              <a:rPr lang="en-US" dirty="0">
+                <a:solidFill>
+                  <a:schemeClr val="accent2">
+                    <a:lumMod val="50000"/>
+                  </a:schemeClr>
+                </a:solidFill>
+                <a:cs typeface="Biome Light" panose="020B0303030204020804" pitchFamily="34" charset="0"/>
+              </a:rPr>
+              <a:t>Product launch</a:t>
+            </a:r>
+          </a:p>
+          <a:p>
+            <a:pPr algn="r">
+              <a:lnSpc>
+                <a:spcPct val="150000"/>
+              </a:lnSpc>
+            </a:pPr>
+            <a:r>
+              <a:rPr lang="en-US" sz="1000" b="0" i="0" u="none" strike="noStrike" dirty="0">
+                <a:solidFill>
+                  <a:schemeClr val="accent2">
+                    <a:lumMod val="50000"/>
+                  </a:schemeClr>
+                </a:solidFill>
+                <a:effectLst/>
+                <a:cs typeface="Biome Light" panose="020B0303030204020804" pitchFamily="34" charset="0"/>
+              </a:rPr>
+              <a:t>Lorem ipsum dolor sit amet, consectetur adipiscing elit. Mauris vitae lorem id leo accumsan.</a:t>
+            </a:r>
+            <a:endParaRPr lang="en-US" sz="1000" dirty="0">
+              <a:solidFill>
+                <a:schemeClr val="accent2">
+                  <a:lumMod val="50000"/>
+                </a:schemeClr>
+              </a:solidFill>
+              <a:cs typeface="Biome Light" panose="020B0303030204020804" pitchFamily="34" charset="0"/>
+            </a:endParaRPr>
+          </a:p>
+        </p:txBody>
+      </p:sp>
+      <p:sp>
+        <p:nvSpPr>
+          <p:cNvPr id="109" name="TextBox 108">
+            <a:extLst>
+              <a:ext uri="{FF2B5EF4-FFF2-40B4-BE49-F238E27FC236}">
+                <a16:creationId xmlns:a16="http://schemas.microsoft.com/office/drawing/2014/main" id="{27DF1E14-A144-47F8-A8C2-C2DB76FEE3E7}"/>
+              </a:ext>
+            </a:extLst>
+          </p:cNvPr>
+          <p:cNvSpPr txBox="1"/>
+          <p:nvPr/>
+        </p:nvSpPr>
+        <p:spPr>
+          <a:xfrm>
+            <a:off x="5934919" y="3684742"/>
+            <a:ext cx="2468880" cy="1037592"/>
+          </a:xfrm>
+          <a:prstGeom prst="rect">
+            <a:avLst/>
+          </a:prstGeom>
+          <a:noFill/>
+        </p:spPr>
+        <p:txBody>
+          <a:bodyPr wrap="square" rIns="0" rtlCol="0">
+            <a:spAutoFit/>
+          </a:bodyPr>
+          <a:lstStyle/>
+          <a:p>
+            <a:pPr algn="r"/>
+            <a:r>
+              <a:rPr lang="en-US" dirty="0">
+                <a:solidFill>
+                  <a:schemeClr val="accent2">
+                    <a:lumMod val="50000"/>
+                  </a:schemeClr>
+                </a:solidFill>
+                <a:cs typeface="Biome Light" panose="020B0303030204020804" pitchFamily="34" charset="0"/>
+              </a:rPr>
+              <a:t>Product launch</a:t>
+            </a:r>
+          </a:p>
+          <a:p>
+            <a:pPr algn="r">
+              <a:lnSpc>
+                <a:spcPct val="150000"/>
+              </a:lnSpc>
+            </a:pPr>
+            <a:r>
+              <a:rPr lang="en-US" sz="1000" b="0" i="0" u="none" strike="noStrike" dirty="0">
+                <a:solidFill>
+                  <a:schemeClr val="accent2">
+                    <a:lumMod val="50000"/>
+                  </a:schemeClr>
+                </a:solidFill>
+                <a:effectLst/>
+                <a:cs typeface="Biome Light" panose="020B0303030204020804" pitchFamily="34" charset="0"/>
+              </a:rPr>
+              <a:t>Lorem ipsum dolor sit amet, consectetur adipiscing elit. Mauris vitae lorem id leo accumsan.</a:t>
+            </a:r>
+            <a:endParaRPr lang="en-US" sz="1000" dirty="0">
+              <a:solidFill>
+                <a:schemeClr val="accent2">
+                  <a:lumMod val="50000"/>
+                </a:schemeClr>
+              </a:solidFill>
+              <a:cs typeface="Biome Light" panose="020B0303030204020804" pitchFamily="34" charset="0"/>
+            </a:endParaRPr>
+          </a:p>
+        </p:txBody>
+      </p:sp>
+      <p:sp>
+        <p:nvSpPr>
+          <p:cNvPr id="111" name="TextBox 110">
+            <a:extLst>
+              <a:ext uri="{FF2B5EF4-FFF2-40B4-BE49-F238E27FC236}">
+                <a16:creationId xmlns:a16="http://schemas.microsoft.com/office/drawing/2014/main" id="{5B72532C-25BA-4593-9A4A-521BC652C2BC}"/>
+              </a:ext>
+            </a:extLst>
+          </p:cNvPr>
+          <p:cNvSpPr txBox="1"/>
+          <p:nvPr/>
+        </p:nvSpPr>
+        <p:spPr>
+          <a:xfrm>
+            <a:off x="8660713" y="5341955"/>
+            <a:ext cx="2468880" cy="1037592"/>
+          </a:xfrm>
+          <a:prstGeom prst="rect">
+            <a:avLst/>
+          </a:prstGeom>
+          <a:noFill/>
+        </p:spPr>
+        <p:txBody>
+          <a:bodyPr wrap="square" rIns="0" rtlCol="0">
+            <a:spAutoFit/>
+          </a:bodyPr>
+          <a:lstStyle/>
+          <a:p>
+            <a:pPr algn="r"/>
+            <a:r>
+              <a:rPr lang="en-US" dirty="0">
+                <a:solidFill>
+                  <a:schemeClr val="accent2">
+                    <a:lumMod val="50000"/>
+                  </a:schemeClr>
+                </a:solidFill>
+                <a:cs typeface="Biome Light" panose="020B0303030204020804" pitchFamily="34" charset="0"/>
+              </a:rPr>
+              <a:t>Product launch</a:t>
+            </a:r>
+          </a:p>
+          <a:p>
+            <a:pPr algn="r">
+              <a:lnSpc>
+                <a:spcPct val="150000"/>
+              </a:lnSpc>
+            </a:pPr>
+            <a:r>
+              <a:rPr lang="en-US" sz="1000" b="0" i="0" u="none" strike="noStrike" dirty="0">
+                <a:solidFill>
+                  <a:schemeClr val="accent2">
+                    <a:lumMod val="50000"/>
+                  </a:schemeClr>
+                </a:solidFill>
+                <a:effectLst/>
+                <a:cs typeface="Biome Light" panose="020B0303030204020804" pitchFamily="34" charset="0"/>
+              </a:rPr>
+              <a:t>Lorem ipsum dolor sit amet, consectetur adipiscing elit. Mauris vitae lorem id leo accumsan.</a:t>
+            </a:r>
+            <a:endParaRPr lang="en-US" sz="1000" dirty="0">
+              <a:solidFill>
+                <a:schemeClr val="accent2">
+                  <a:lumMod val="50000"/>
+                </a:schemeClr>
+              </a:solidFill>
+              <a:cs typeface="Biome Light" panose="020B0303030204020804" pitchFamily="34" charset="0"/>
+            </a:endParaRPr>
+          </a:p>
+        </p:txBody>
+      </p:sp>
+      <p:sp>
+        <p:nvSpPr>
+          <p:cNvPr id="128" name="Title 1">
+            <a:extLst>
+              <a:ext uri="{FF2B5EF4-FFF2-40B4-BE49-F238E27FC236}">
+                <a16:creationId xmlns:a16="http://schemas.microsoft.com/office/drawing/2014/main" id="{B9FF2D19-E789-4622-8C93-442F36075B59}"/>
+              </a:ext>
+            </a:extLst>
+          </p:cNvPr>
+          <p:cNvSpPr txBox="1">
+            <a:spLocks/>
+          </p:cNvSpPr>
+          <p:nvPr/>
+        </p:nvSpPr>
+        <p:spPr>
+          <a:xfrm>
+            <a:off x="832936" y="1709111"/>
+            <a:ext cx="604158" cy="501182"/>
+          </a:xfrm>
+          <a:prstGeom prst="rect">
+            <a:avLst/>
+          </a:prstGeom>
+        </p:spPr>
+        <p:txBody>
+          <a:bodyPr vert="horz" lIns="91440" tIns="45720" rIns="91440" bIns="45720" rtlCol="0" anchor="ctr">
+            <a:normAutofit/>
+          </a:bodyPr>
+          <a:lstStyle>
+            <a:lvl1pPr algn="l" defTabSz="914400" rtl="0" eaLnBrk="1" latinLnBrk="0" hangingPunct="1">
+              <a:lnSpc>
+                <a:spcPct val="90000"/>
+              </a:lnSpc>
+              <a:spcBef>
+                <a:spcPct val="0"/>
+              </a:spcBef>
+              <a:buNone/>
+              <a:defRPr sz="4400" kern="1200">
+                <a:solidFill>
+                  <a:schemeClr val="tx1"/>
+                </a:solidFill>
+                <a:latin typeface="+mj-lt"/>
+                <a:ea typeface="+mj-ea"/>
+                <a:cs typeface="+mj-cs"/>
+              </a:defRPr>
+            </a:lvl1pPr>
+          </a:lstStyle>
+          <a:p>
+            <a:pPr algn="ctr"/>
+            <a:r>
+              <a:rPr lang="en-US" sz="2400" dirty="0">
+                <a:solidFill>
+                  <a:schemeClr val="tx2">
+                    <a:lumMod val="75000"/>
+                  </a:schemeClr>
+                </a:solidFill>
+                <a:cs typeface="Biome Light" panose="020B0303030204020804" pitchFamily="34" charset="0"/>
+              </a:rPr>
+              <a:t>Q1</a:t>
+            </a:r>
+          </a:p>
+        </p:txBody>
+      </p:sp>
+      <p:sp>
+        <p:nvSpPr>
+          <p:cNvPr id="130" name="Title 1">
+            <a:extLst>
+              <a:ext uri="{FF2B5EF4-FFF2-40B4-BE49-F238E27FC236}">
+                <a16:creationId xmlns:a16="http://schemas.microsoft.com/office/drawing/2014/main" id="{F06F1B9E-833C-4A81-9647-F6FB852D5F0B}"/>
+              </a:ext>
+            </a:extLst>
+          </p:cNvPr>
+          <p:cNvSpPr txBox="1">
+            <a:spLocks/>
+          </p:cNvSpPr>
+          <p:nvPr/>
+        </p:nvSpPr>
+        <p:spPr>
+          <a:xfrm>
+            <a:off x="3558732" y="1709111"/>
+            <a:ext cx="604157" cy="501182"/>
+          </a:xfrm>
+          <a:prstGeom prst="rect">
+            <a:avLst/>
+          </a:prstGeom>
+        </p:spPr>
+        <p:txBody>
+          <a:bodyPr vert="horz" lIns="91440" tIns="45720" rIns="91440" bIns="45720" rtlCol="0" anchor="ctr">
+            <a:normAutofit/>
+          </a:bodyPr>
+          <a:lstStyle>
+            <a:lvl1pPr algn="l" defTabSz="914400" rtl="0" eaLnBrk="1" latinLnBrk="0" hangingPunct="1">
+              <a:lnSpc>
+                <a:spcPct val="90000"/>
+              </a:lnSpc>
+              <a:spcBef>
+                <a:spcPct val="0"/>
+              </a:spcBef>
+              <a:buNone/>
+              <a:defRPr sz="4400" kern="1200">
+                <a:solidFill>
+                  <a:schemeClr val="tx1"/>
+                </a:solidFill>
+                <a:latin typeface="+mj-lt"/>
+                <a:ea typeface="+mj-ea"/>
+                <a:cs typeface="+mj-cs"/>
+              </a:defRPr>
+            </a:lvl1pPr>
+          </a:lstStyle>
+          <a:p>
+            <a:pPr algn="ctr"/>
+            <a:r>
+              <a:rPr lang="en-US" sz="2400" dirty="0">
+                <a:solidFill>
+                  <a:srgbClr val="AA9D92"/>
+                </a:solidFill>
+                <a:cs typeface="Biome Light" panose="020B0303030204020804" pitchFamily="34" charset="0"/>
+              </a:rPr>
+              <a:t>Q2</a:t>
+            </a:r>
+          </a:p>
+        </p:txBody>
+      </p:sp>
+      <p:sp>
+        <p:nvSpPr>
+          <p:cNvPr id="132" name="Title 1">
+            <a:extLst>
+              <a:ext uri="{FF2B5EF4-FFF2-40B4-BE49-F238E27FC236}">
+                <a16:creationId xmlns:a16="http://schemas.microsoft.com/office/drawing/2014/main" id="{6D8B9F4E-BB0E-4EA0-8D17-2285623C4321}"/>
+              </a:ext>
+            </a:extLst>
+          </p:cNvPr>
+          <p:cNvSpPr txBox="1">
+            <a:spLocks/>
+          </p:cNvSpPr>
+          <p:nvPr/>
+        </p:nvSpPr>
+        <p:spPr>
+          <a:xfrm>
+            <a:off x="6299952" y="1709111"/>
+            <a:ext cx="588731" cy="501182"/>
+          </a:xfrm>
+          <a:prstGeom prst="rect">
+            <a:avLst/>
+          </a:prstGeom>
+        </p:spPr>
+        <p:txBody>
+          <a:bodyPr vert="horz" lIns="91440" tIns="45720" rIns="91440" bIns="45720" rtlCol="0" anchor="ctr">
+            <a:normAutofit fontScale="92500"/>
+          </a:bodyPr>
+          <a:lstStyle>
+            <a:lvl1pPr algn="l" defTabSz="914400" rtl="0" eaLnBrk="1" latinLnBrk="0" hangingPunct="1">
+              <a:lnSpc>
+                <a:spcPct val="90000"/>
+              </a:lnSpc>
+              <a:spcBef>
+                <a:spcPct val="0"/>
+              </a:spcBef>
+              <a:buNone/>
+              <a:defRPr sz="4400" kern="1200">
+                <a:solidFill>
+                  <a:schemeClr val="tx1"/>
+                </a:solidFill>
+                <a:latin typeface="+mj-lt"/>
+                <a:ea typeface="+mj-ea"/>
+                <a:cs typeface="+mj-cs"/>
+              </a:defRPr>
+            </a:lvl1pPr>
+          </a:lstStyle>
+          <a:p>
+            <a:pPr algn="ctr"/>
+            <a:r>
+              <a:rPr lang="en-US" sz="2400" dirty="0">
+                <a:solidFill>
+                  <a:schemeClr val="bg1">
+                    <a:lumMod val="65000"/>
+                  </a:schemeClr>
+                </a:solidFill>
+                <a:cs typeface="Biome Light" panose="020B0303030204020804" pitchFamily="34" charset="0"/>
+              </a:rPr>
+              <a:t>Q3</a:t>
+            </a:r>
+          </a:p>
+        </p:txBody>
+      </p:sp>
+      <p:sp>
+        <p:nvSpPr>
+          <p:cNvPr id="134" name="Title 1">
+            <a:extLst>
+              <a:ext uri="{FF2B5EF4-FFF2-40B4-BE49-F238E27FC236}">
+                <a16:creationId xmlns:a16="http://schemas.microsoft.com/office/drawing/2014/main" id="{CC09C7BA-2451-49E9-9E79-6E08651BED50}"/>
+              </a:ext>
+            </a:extLst>
+          </p:cNvPr>
+          <p:cNvSpPr txBox="1">
+            <a:spLocks/>
+          </p:cNvSpPr>
+          <p:nvPr/>
+        </p:nvSpPr>
+        <p:spPr>
+          <a:xfrm>
+            <a:off x="9010320" y="1709111"/>
+            <a:ext cx="604157" cy="501182"/>
+          </a:xfrm>
+          <a:prstGeom prst="rect">
+            <a:avLst/>
+          </a:prstGeom>
+        </p:spPr>
+        <p:txBody>
+          <a:bodyPr vert="horz" lIns="91440" tIns="45720" rIns="91440" bIns="45720" rtlCol="0" anchor="ctr">
+            <a:normAutofit/>
+          </a:bodyPr>
+          <a:lstStyle>
+            <a:lvl1pPr algn="l" defTabSz="914400" rtl="0" eaLnBrk="1" latinLnBrk="0" hangingPunct="1">
+              <a:lnSpc>
+                <a:spcPct val="90000"/>
+              </a:lnSpc>
+              <a:spcBef>
+                <a:spcPct val="0"/>
+              </a:spcBef>
+              <a:buNone/>
+              <a:defRPr sz="4400" kern="1200">
+                <a:solidFill>
+                  <a:schemeClr val="tx1"/>
+                </a:solidFill>
+                <a:latin typeface="+mj-lt"/>
+                <a:ea typeface="+mj-ea"/>
+                <a:cs typeface="+mj-cs"/>
+              </a:defRPr>
+            </a:lvl1pPr>
+          </a:lstStyle>
+          <a:p>
+            <a:pPr algn="ctr"/>
+            <a:r>
+              <a:rPr lang="en-US" sz="2400" dirty="0">
+                <a:solidFill>
+                  <a:srgbClr val="BEB9AA"/>
+                </a:solidFill>
+                <a:cs typeface="Biome Light" panose="020B0303030204020804" pitchFamily="34" charset="0"/>
+              </a:rPr>
+              <a:t>Q4</a:t>
+            </a:r>
+          </a:p>
+        </p:txBody>
+      </p:sp>
+      <p:sp>
+        <p:nvSpPr>
+          <p:cNvPr id="141" name="Date Placeholder 140">
+            <a:extLst>
+              <a:ext uri="{FF2B5EF4-FFF2-40B4-BE49-F238E27FC236}">
+                <a16:creationId xmlns:a16="http://schemas.microsoft.com/office/drawing/2014/main" id="{3E96791E-3AF0-4956-AFA7-A8A89E8EB15E}"/>
               </a:ext>
             </a:extLst>
           </p:cNvPr>
@@ -14016,9 +14067,9 @@
           <a:bodyPr/>
           <a:lstStyle/>
           <a:p>
-            <a:fld id="{F5615077-39AD-4FB2-A061-5884E8516F91}" type="datetime1">
+            <a:fld id="{4871AD0A-72DC-49A1-AA89-5509B2193035}" type="datetime1">
               <a:rPr lang="en-US" smtClean="0"/>
-              <a:t>10-Nov-22</a:t>
+              <a:t>14-Nov-22</a:t>
             </a:fld>
             <a:endParaRPr lang="en-US" dirty="0"/>
           </a:p>
@@ -14026,10 +14077,10 @@
       </p:sp>
       <p:sp>
         <p:nvSpPr>
-          <p:cNvPr id="31" name="Slide Number Placeholder 30">
-            <a:extLst>
-              <a:ext uri="{FF2B5EF4-FFF2-40B4-BE49-F238E27FC236}">
-                <a16:creationId xmlns:a16="http://schemas.microsoft.com/office/drawing/2014/main" id="{AD175D2A-0058-45E0-AAF6-7260876F007C}"/>
+          <p:cNvPr id="142" name="Slide Number Placeholder 141">
+            <a:extLst>
+              <a:ext uri="{FF2B5EF4-FFF2-40B4-BE49-F238E27FC236}">
+                <a16:creationId xmlns:a16="http://schemas.microsoft.com/office/drawing/2014/main" id="{9FD033B5-99FB-4B26-BF74-3DA89EEE7C67}"/>
               </a:ext>
             </a:extLst>
           </p:cNvPr>
@@ -14057,7 +14108,7 @@
     </p:spTree>
     <p:extLst>
       <p:ext uri="{BB962C8B-B14F-4D97-AF65-F5344CB8AC3E}">
-        <p14:creationId xmlns:p14="http://schemas.microsoft.com/office/powerpoint/2010/main" val="2563119616"/>
+        <p14:creationId xmlns:p14="http://schemas.microsoft.com/office/powerpoint/2010/main" val="700209266"/>
       </p:ext>
     </p:extLst>
   </p:cSld>
@@ -14191,7 +14242,7 @@
             <a:fld id="{5AF05980-54E0-4F3D-BAF3-4CE06FA77025}" type="datetime1">
               <a:rPr lang="en-US" smtClean="0"/>
               <a:pPr/>
-              <a:t>10-Nov-22</a:t>
+              <a:t>14-Nov-22</a:t>
             </a:fld>
             <a:endParaRPr lang="en-US" dirty="0"/>
           </a:p>
@@ -14241,6 +14292,207 @@
 </file>
 
 <file path=ppt/slides/slide20.xml><?xml version="1.0" encoding="utf-8"?>
+<p:sld xmlns:a="http://schemas.openxmlformats.org/drawingml/2006/main" xmlns:r="http://schemas.openxmlformats.org/officeDocument/2006/relationships" xmlns:p="http://schemas.openxmlformats.org/presentationml/2006/main">
+  <p:cSld>
+    <p:bg>
+      <p:bgPr>
+        <a:solidFill>
+          <a:schemeClr val="bg2"/>
+        </a:solidFill>
+        <a:effectLst/>
+      </p:bgPr>
+    </p:bg>
+    <p:spTree>
+      <p:nvGrpSpPr>
+        <p:cNvPr id="1" name=""/>
+        <p:cNvGrpSpPr/>
+        <p:nvPr/>
+      </p:nvGrpSpPr>
+      <p:grpSpPr>
+        <a:xfrm>
+          <a:off x="0" y="0"/>
+          <a:ext cx="0" cy="0"/>
+          <a:chOff x="0" y="0"/>
+          <a:chExt cx="0" cy="0"/>
+        </a:xfrm>
+      </p:grpSpPr>
+      <p:sp>
+        <p:nvSpPr>
+          <p:cNvPr id="8" name="Title 7">
+            <a:extLst>
+              <a:ext uri="{FF2B5EF4-FFF2-40B4-BE49-F238E27FC236}">
+                <a16:creationId xmlns:a16="http://schemas.microsoft.com/office/drawing/2014/main" id="{E19BF1C0-EE32-4EEE-9539-CE8473AA2F38}"/>
+              </a:ext>
+            </a:extLst>
+          </p:cNvPr>
+          <p:cNvSpPr>
+            <a:spLocks noGrp="1"/>
+          </p:cNvSpPr>
+          <p:nvPr>
+            <p:ph type="title"/>
+          </p:nvPr>
+        </p:nvSpPr>
+        <p:spPr/>
+        <p:txBody>
+          <a:bodyPr/>
+          <a:lstStyle/>
+          <a:p>
+            <a:r>
+              <a:rPr lang="en-US" dirty="0"/>
+              <a:t>Goals for Q1</a:t>
+            </a:r>
+          </a:p>
+        </p:txBody>
+      </p:sp>
+      <p:pic>
+        <p:nvPicPr>
+          <p:cNvPr id="20" name="Picture Placeholder 19" descr="yellow flowers&#10;">
+            <a:extLst>
+              <a:ext uri="{FF2B5EF4-FFF2-40B4-BE49-F238E27FC236}">
+                <a16:creationId xmlns:a16="http://schemas.microsoft.com/office/drawing/2014/main" id="{1612D3C6-D0D2-4983-8DA7-E3A3B7303339}"/>
+              </a:ext>
+            </a:extLst>
+          </p:cNvPr>
+          <p:cNvPicPr>
+            <a:picLocks noGrp="1" noChangeAspect="1"/>
+          </p:cNvPicPr>
+          <p:nvPr>
+            <p:ph type="pic" sz="quarter" idx="10"/>
+          </p:nvPr>
+        </p:nvPicPr>
+        <p:blipFill rotWithShape="1">
+          <a:blip r:embed="rId2">
+            <a:extLst>
+              <a:ext uri="{28A0092B-C50C-407E-A947-70E740481C1C}">
+                <a14:useLocalDpi xmlns:a14="http://schemas.microsoft.com/office/drawing/2010/main" val="0"/>
+              </a:ext>
+            </a:extLst>
+          </a:blip>
+          <a:srcRect/>
+          <a:stretch/>
+        </p:blipFill>
+        <p:spPr>
+          <a:xfrm>
+            <a:off x="1028700" y="3543300"/>
+            <a:ext cx="3924300" cy="3314700"/>
+          </a:xfrm>
+          <a:ln>
+            <a:noFill/>
+          </a:ln>
+        </p:spPr>
+      </p:pic>
+      <p:sp>
+        <p:nvSpPr>
+          <p:cNvPr id="3" name="Content Placeholder 2">
+            <a:extLst>
+              <a:ext uri="{FF2B5EF4-FFF2-40B4-BE49-F238E27FC236}">
+                <a16:creationId xmlns:a16="http://schemas.microsoft.com/office/drawing/2014/main" id="{B34BD264-B274-4D4C-8E2B-C6F7606B254F}"/>
+              </a:ext>
+            </a:extLst>
+          </p:cNvPr>
+          <p:cNvSpPr>
+            <a:spLocks noGrp="1"/>
+          </p:cNvSpPr>
+          <p:nvPr>
+            <p:ph idx="4294967295"/>
+          </p:nvPr>
+        </p:nvSpPr>
+        <p:spPr>
+          <a:xfrm>
+            <a:off x="6191250" y="1981200"/>
+            <a:ext cx="4972050" cy="4473575"/>
+          </a:xfrm>
+        </p:spPr>
+        <p:txBody>
+          <a:bodyPr>
+            <a:normAutofit/>
+          </a:bodyPr>
+          <a:lstStyle/>
+          <a:p>
+            <a:endParaRPr lang="en-US" sz="1600" dirty="0">
+              <a:solidFill>
+                <a:schemeClr val="tx2">
+                  <a:lumMod val="50000"/>
+                </a:schemeClr>
+              </a:solidFill>
+              <a:cs typeface="Biome Light" panose="020B0303030204020804" pitchFamily="34" charset="0"/>
+            </a:endParaRPr>
+          </a:p>
+        </p:txBody>
+      </p:sp>
+      <p:sp>
+        <p:nvSpPr>
+          <p:cNvPr id="30" name="Date Placeholder 29">
+            <a:extLst>
+              <a:ext uri="{FF2B5EF4-FFF2-40B4-BE49-F238E27FC236}">
+                <a16:creationId xmlns:a16="http://schemas.microsoft.com/office/drawing/2014/main" id="{5C3C5043-9E0B-4C7C-B3D8-6124850B4088}"/>
+              </a:ext>
+            </a:extLst>
+          </p:cNvPr>
+          <p:cNvSpPr>
+            <a:spLocks noGrp="1"/>
+          </p:cNvSpPr>
+          <p:nvPr>
+            <p:ph type="dt" sz="half" idx="2"/>
+          </p:nvPr>
+        </p:nvSpPr>
+        <p:spPr/>
+        <p:txBody>
+          <a:bodyPr/>
+          <a:lstStyle/>
+          <a:p>
+            <a:fld id="{F5615077-39AD-4FB2-A061-5884E8516F91}" type="datetime1">
+              <a:rPr lang="en-US" smtClean="0"/>
+              <a:t>14-Nov-22</a:t>
+            </a:fld>
+            <a:endParaRPr lang="en-US" dirty="0"/>
+          </a:p>
+        </p:txBody>
+      </p:sp>
+      <p:sp>
+        <p:nvSpPr>
+          <p:cNvPr id="31" name="Slide Number Placeholder 30">
+            <a:extLst>
+              <a:ext uri="{FF2B5EF4-FFF2-40B4-BE49-F238E27FC236}">
+                <a16:creationId xmlns:a16="http://schemas.microsoft.com/office/drawing/2014/main" id="{AD175D2A-0058-45E0-AAF6-7260876F007C}"/>
+              </a:ext>
+            </a:extLst>
+          </p:cNvPr>
+          <p:cNvSpPr>
+            <a:spLocks noGrp="1"/>
+          </p:cNvSpPr>
+          <p:nvPr>
+            <p:ph type="sldNum" sz="quarter" idx="4"/>
+          </p:nvPr>
+        </p:nvSpPr>
+        <p:spPr/>
+        <p:txBody>
+          <a:bodyPr/>
+          <a:lstStyle/>
+          <a:p>
+            <a:fld id="{294A09A9-5501-47C1-A89A-A340965A2BE2}" type="slidenum">
+              <a:rPr lang="en-US" smtClean="0"/>
+              <a:pPr/>
+              <a:t>20</a:t>
+            </a:fld>
+            <a:endParaRPr lang="en-US" dirty="0"/>
+          </a:p>
+        </p:txBody>
+      </p:sp>
+    </p:spTree>
+    <p:extLst>
+      <p:ext uri="{BB962C8B-B14F-4D97-AF65-F5344CB8AC3E}">
+        <p14:creationId xmlns:p14="http://schemas.microsoft.com/office/powerpoint/2010/main" val="2563119616"/>
+      </p:ext>
+    </p:extLst>
+  </p:cSld>
+  <p:clrMapOvr>
+    <a:masterClrMapping/>
+  </p:clrMapOvr>
+</p:sld>
+</file>
+
+<file path=ppt/slides/slide21.xml><?xml version="1.0" encoding="utf-8"?>
 <p:sld xmlns:a="http://schemas.openxmlformats.org/drawingml/2006/main" xmlns:r="http://schemas.openxmlformats.org/officeDocument/2006/relationships" xmlns:p="http://schemas.openxmlformats.org/presentationml/2006/main">
   <p:cSld>
     <p:bg>
@@ -14345,7 +14597,7 @@
           <a:p>
             <a:fld id="{478CD27B-109C-41C9-9CF4-85F532F66BBB}" type="datetime1">
               <a:rPr lang="en-US" smtClean="0"/>
-              <a:t>10-Nov-22</a:t>
+              <a:t>14-Nov-22</a:t>
             </a:fld>
             <a:endParaRPr lang="en-US" dirty="0"/>
           </a:p>
@@ -14375,7 +14627,7 @@
             <a:fld id="{294A09A9-5501-47C1-A89A-A340965A2BE2}" type="slidenum">
               <a:rPr lang="en-US" smtClean="0"/>
               <a:pPr/>
-              <a:t>20</a:t>
+              <a:t>21</a:t>
             </a:fld>
             <a:endParaRPr lang="en-US" dirty="0"/>
           </a:p>
@@ -14394,7 +14646,7 @@
 </p:sld>
 </file>
 
-<file path=ppt/slides/slide21.xml><?xml version="1.0" encoding="utf-8"?>
+<file path=ppt/slides/slide22.xml><?xml version="1.0" encoding="utf-8"?>
 <p:sld xmlns:a="http://schemas.openxmlformats.org/drawingml/2006/main" xmlns:r="http://schemas.openxmlformats.org/officeDocument/2006/relationships" xmlns:p="http://schemas.openxmlformats.org/presentationml/2006/main">
   <p:cSld>
     <p:bg>
@@ -14470,7 +14722,7 @@
           <a:p>
             <a:fld id="{E2EFFCE6-B714-4312-995E-9A4A689D43F0}" type="datetime1">
               <a:rPr lang="en-US" smtClean="0"/>
-              <a:t>10-Nov-22</a:t>
+              <a:t>14-Nov-22</a:t>
             </a:fld>
             <a:endParaRPr lang="en-US" dirty="0"/>
           </a:p>
@@ -14500,7 +14752,7 @@
             <a:fld id="{294A09A9-5501-47C1-A89A-A340965A2BE2}" type="slidenum">
               <a:rPr lang="en-US" smtClean="0"/>
               <a:pPr/>
-              <a:t>21</a:t>
+              <a:t>22</a:t>
             </a:fld>
             <a:endParaRPr lang="en-US" dirty="0"/>
           </a:p>
@@ -14519,7 +14771,7 @@
 </p:sld>
 </file>
 
-<file path=ppt/slides/slide22.xml><?xml version="1.0" encoding="utf-8"?>
+<file path=ppt/slides/slide23.xml><?xml version="1.0" encoding="utf-8"?>
 <p:sld xmlns:a="http://schemas.openxmlformats.org/drawingml/2006/main" xmlns:r="http://schemas.openxmlformats.org/officeDocument/2006/relationships" xmlns:p="http://schemas.openxmlformats.org/presentationml/2006/main">
   <p:cSld>
     <p:bg>
@@ -14788,7 +15040,7 @@
           <a:p>
             <a:fld id="{BF549713-324E-442E-99F3-0C4C72A7B5ED}" type="datetime1">
               <a:rPr lang="en-US" smtClean="0"/>
-              <a:t>10-Nov-22</a:t>
+              <a:t>14-Nov-22</a:t>
             </a:fld>
             <a:endParaRPr lang="en-US" dirty="0"/>
           </a:p>
@@ -14818,7 +15070,7 @@
             <a:fld id="{294A09A9-5501-47C1-A89A-A340965A2BE2}" type="slidenum">
               <a:rPr lang="en-US" smtClean="0"/>
               <a:pPr/>
-              <a:t>22</a:t>
+              <a:t>23</a:t>
             </a:fld>
             <a:endParaRPr lang="en-US" dirty="0"/>
           </a:p>
@@ -14982,7 +15234,7 @@
             <a:fld id="{9FEF76E7-2EBE-4103-B764-AD23619BE076}" type="datetime1">
               <a:rPr lang="en-US" smtClean="0"/>
               <a:pPr/>
-              <a:t>10-Nov-22</a:t>
+              <a:t>14-Nov-22</a:t>
             </a:fld>
             <a:endParaRPr lang="en-US" dirty="0"/>
           </a:p>
@@ -15711,7 +15963,7 @@
             <a:fld id="{BEE4C197-EFE5-4623-8631-61DB25EC0F85}" type="datetime1">
               <a:rPr lang="en-US" smtClean="0"/>
               <a:pPr/>
-              <a:t>10-Nov-22</a:t>
+              <a:t>14-Nov-22</a:t>
             </a:fld>
             <a:endParaRPr lang="en-US" dirty="0"/>
           </a:p>
@@ -16313,7 +16565,7 @@
                   <a:spcPts val="600"/>
                 </a:spcAft>
               </a:pPr>
-              <a:t>10-Nov-22</a:t>
+              <a:t>14-Nov-22</a:t>
             </a:fld>
             <a:endParaRPr lang="en-US" sz="1200"/>
           </a:p>
@@ -16466,7 +16718,7 @@
             <a:fld id="{BEE4C197-EFE5-4623-8631-61DB25EC0F85}" type="datetime1">
               <a:rPr lang="en-US" smtClean="0"/>
               <a:pPr/>
-              <a:t>10-Nov-22</a:t>
+              <a:t>14-Nov-22</a:t>
             </a:fld>
             <a:endParaRPr lang="en-US" dirty="0"/>
           </a:p>
@@ -16659,7 +16911,7 @@
             <a:fld id="{BEE4C197-EFE5-4623-8631-61DB25EC0F85}" type="datetime1">
               <a:rPr lang="en-US" smtClean="0"/>
               <a:pPr/>
-              <a:t>10-Nov-22</a:t>
+              <a:t>14-Nov-22</a:t>
             </a:fld>
             <a:endParaRPr lang="en-US" dirty="0"/>
           </a:p>
@@ -17816,24 +18068,6 @@
 </file>
 
 <file path=customXml/item1.xml><?xml version="1.0" encoding="utf-8"?>
-<p:properties xmlns:p="http://schemas.microsoft.com/office/2006/metadata/properties" xmlns:xsi="http://www.w3.org/2001/XMLSchema-instance" xmlns:pc="http://schemas.microsoft.com/office/infopath/2007/PartnerControls">
-  <documentManagement>
-    <Status xmlns="71af3243-3dd4-4a8d-8c0d-dd76da1f02a5">Not started</Status>
-    <MediaServiceKeyPoints xmlns="71af3243-3dd4-4a8d-8c0d-dd76da1f02a5" xsi:nil="true"/>
-  </documentManagement>
-</p:properties>
-</file>
-
-<file path=customXml/item2.xml><?xml version="1.0" encoding="utf-8"?>
-<?mso-contentType ?>
-<FormTemplates xmlns="http://schemas.microsoft.com/sharepoint/v3/contenttype/forms">
-  <Display>DocumentLibraryForm</Display>
-  <Edit>DocumentLibraryForm</Edit>
-  <New>DocumentLibraryForm</New>
-</FormTemplates>
-</file>
-
-<file path=customXml/item3.xml><?xml version="1.0" encoding="utf-8"?>
 <ct:contentTypeSchema xmlns:ct="http://schemas.microsoft.com/office/2006/metadata/contentType" xmlns:ma="http://schemas.microsoft.com/office/2006/metadata/properties/metaAttributes" ct:_="" ma:_="" ma:contentTypeName="Document" ma:contentTypeID="0x01010079F111ED35F8CC479449609E8A0923A6" ma:contentTypeVersion="12" ma:contentTypeDescription="Create a new document." ma:contentTypeScope="" ma:versionID="426e97fa315356fffbdcd9876fe988c2">
   <xsd:schema xmlns:xsd="http://www.w3.org/2001/XMLSchema" xmlns:xs="http://www.w3.org/2001/XMLSchema" xmlns:p="http://schemas.microsoft.com/office/2006/metadata/properties" xmlns:ns2="71af3243-3dd4-4a8d-8c0d-dd76da1f02a5" xmlns:ns3="16c05727-aa75-4e4a-9b5f-8a80a1165891" targetNamespace="http://schemas.microsoft.com/office/2006/metadata/properties" ma:root="true" ma:fieldsID="14b8f0def80e6d70ce3def20c90759ae" ns2:_="" ns3:_="">
     <xsd:import namespace="71af3243-3dd4-4a8d-8c0d-dd76da1f02a5"/>
@@ -18054,25 +18288,25 @@
 </ct:contentTypeSchema>
 </file>
 
-<file path=customXml/itemProps1.xml><?xml version="1.0" encoding="utf-8"?>
-<ds:datastoreItem xmlns:ds="http://schemas.openxmlformats.org/officeDocument/2006/customXml" ds:itemID="{D0976319-4513-485C-AD3A-E56C39927A38}">
-  <ds:schemaRefs>
-    <ds:schemaRef ds:uri="http://schemas.microsoft.com/office/2006/metadata/properties"/>
-    <ds:schemaRef ds:uri="http://schemas.microsoft.com/office/infopath/2007/PartnerControls"/>
-    <ds:schemaRef ds:uri="71af3243-3dd4-4a8d-8c0d-dd76da1f02a5"/>
-  </ds:schemaRefs>
-</ds:datastoreItem>
+<file path=customXml/item2.xml><?xml version="1.0" encoding="utf-8"?>
+<?mso-contentType ?>
+<FormTemplates xmlns="http://schemas.microsoft.com/sharepoint/v3/contenttype/forms">
+  <Display>DocumentLibraryForm</Display>
+  <Edit>DocumentLibraryForm</Edit>
+  <New>DocumentLibraryForm</New>
+</FormTemplates>
 </file>
 
-<file path=customXml/itemProps2.xml><?xml version="1.0" encoding="utf-8"?>
-<ds:datastoreItem xmlns:ds="http://schemas.openxmlformats.org/officeDocument/2006/customXml" ds:itemID="{53A10211-FBDE-44DA-8AD6-29E596B2975F}">
-  <ds:schemaRefs>
-    <ds:schemaRef ds:uri="http://schemas.microsoft.com/sharepoint/v3/contenttype/forms"/>
-  </ds:schemaRefs>
-</ds:datastoreItem>
+<file path=customXml/item3.xml><?xml version="1.0" encoding="utf-8"?>
+<p:properties xmlns:p="http://schemas.microsoft.com/office/2006/metadata/properties" xmlns:xsi="http://www.w3.org/2001/XMLSchema-instance" xmlns:pc="http://schemas.microsoft.com/office/infopath/2007/PartnerControls">
+  <documentManagement>
+    <Status xmlns="71af3243-3dd4-4a8d-8c0d-dd76da1f02a5">Not started</Status>
+    <MediaServiceKeyPoints xmlns="71af3243-3dd4-4a8d-8c0d-dd76da1f02a5" xsi:nil="true"/>
+  </documentManagement>
+</p:properties>
 </file>
 
-<file path=customXml/itemProps3.xml><?xml version="1.0" encoding="utf-8"?>
+<file path=customXml/itemProps1.xml><?xml version="1.0" encoding="utf-8"?>
 <ds:datastoreItem xmlns:ds="http://schemas.openxmlformats.org/officeDocument/2006/customXml" ds:itemID="{6A1B7BBB-8F46-4BA8-85EC-2ECC1D2E3290}">
   <ds:schemaRefs>
     <ds:schemaRef ds:uri="http://schemas.microsoft.com/office/2006/metadata/contentType"/>
@@ -18089,4 +18323,22 @@
     <ds:schemaRef ds:uri="http://schemas.microsoft.com/internal/obd"/>
   </ds:schemaRefs>
 </ds:datastoreItem>
+</file>
+
+<file path=customXml/itemProps2.xml><?xml version="1.0" encoding="utf-8"?>
+<ds:datastoreItem xmlns:ds="http://schemas.openxmlformats.org/officeDocument/2006/customXml" ds:itemID="{53A10211-FBDE-44DA-8AD6-29E596B2975F}">
+  <ds:schemaRefs>
+    <ds:schemaRef ds:uri="http://schemas.microsoft.com/sharepoint/v3/contenttype/forms"/>
+  </ds:schemaRefs>
+</ds:datastoreItem>
+</file>
+
+<file path=customXml/itemProps3.xml><?xml version="1.0" encoding="utf-8"?>
+<ds:datastoreItem xmlns:ds="http://schemas.openxmlformats.org/officeDocument/2006/customXml" ds:itemID="{D0976319-4513-485C-AD3A-E56C39927A38}">
+  <ds:schemaRefs>
+    <ds:schemaRef ds:uri="http://schemas.microsoft.com/office/2006/metadata/properties"/>
+    <ds:schemaRef ds:uri="http://schemas.microsoft.com/office/infopath/2007/PartnerControls"/>
+    <ds:schemaRef ds:uri="71af3243-3dd4-4a8d-8c0d-dd76da1f02a5"/>
+  </ds:schemaRefs>
+</ds:datastoreItem>
 </file>